--- a/documents/powerpointTemplate.pptx
+++ b/documents/powerpointTemplate.pptx
@@ -1,6 +1,6 @@
 
 <file path=ppt/presentation.xml><?xml version="1.0" encoding="utf-8"?>
-<p:presentation xmlns:a="http://schemas.openxmlformats.org/drawingml/2006/main" xmlns:p="http://schemas.openxmlformats.org/presentationml/2006/main" xmlns:r="http://schemas.openxmlformats.org/officeDocument/2006/relationships" autoCompressPictures="0" saveSubsetFonts="1">
+<p:presentation xmlns:a="http://schemas.openxmlformats.org/drawingml/2006/main" xmlns:p="http://schemas.openxmlformats.org/presentationml/2006/main" xmlns:r="http://schemas.openxmlformats.org/officeDocument/2006/relationships" saveSubsetFonts="1">
   <p:sldMasterIdLst>
     <p:sldMasterId id="2147483648" r:id="rId1"/>
   </p:sldMasterIdLst>
@@ -16,13 +16,13 @@
     <p:sldId id="264" r:id="rId10"/>
     <p:sldId id="265" r:id="rId11"/>
   </p:sldIdLst>
-  <p:sldSz cx="9144000" cy="5143500" type="screen16x9"/>
+  <p:sldSz cx="12192000" cy="6858000"/>
   <p:notesSz cx="6858000" cy="9144000"/>
   <p:defaultTextStyle>
     <a:defPPr>
       <a:defRPr lang="en-US"/>
     </a:defPPr>
-    <a:lvl1pPr algn="l" defTabSz="457200" eaLnBrk="1" hangingPunct="1" latinLnBrk="0" marL="0" rtl="0">
+    <a:lvl1pPr algn="l" defTabSz="914400" eaLnBrk="1" hangingPunct="1" latinLnBrk="0" marL="0" rtl="0">
       <a:defRPr kern="1200" sz="1800">
         <a:solidFill>
           <a:schemeClr val="tx1"/>
@@ -32,7 +32,7 @@
         <a:cs typeface="+mn-cs"/>
       </a:defRPr>
     </a:lvl1pPr>
-    <a:lvl2pPr algn="l" defTabSz="457200" eaLnBrk="1" hangingPunct="1" latinLnBrk="0" marL="457200" rtl="0">
+    <a:lvl2pPr algn="l" defTabSz="914400" eaLnBrk="1" hangingPunct="1" latinLnBrk="0" marL="457200" rtl="0">
       <a:defRPr kern="1200" sz="1800">
         <a:solidFill>
           <a:schemeClr val="tx1"/>
@@ -42,7 +42,7 @@
         <a:cs typeface="+mn-cs"/>
       </a:defRPr>
     </a:lvl2pPr>
-    <a:lvl3pPr algn="l" defTabSz="457200" eaLnBrk="1" hangingPunct="1" latinLnBrk="0" marL="914400" rtl="0">
+    <a:lvl3pPr algn="l" defTabSz="914400" eaLnBrk="1" hangingPunct="1" latinLnBrk="0" marL="914400" rtl="0">
       <a:defRPr kern="1200" sz="1800">
         <a:solidFill>
           <a:schemeClr val="tx1"/>
@@ -52,7 +52,7 @@
         <a:cs typeface="+mn-cs"/>
       </a:defRPr>
     </a:lvl3pPr>
-    <a:lvl4pPr algn="l" defTabSz="457200" eaLnBrk="1" hangingPunct="1" latinLnBrk="0" marL="1371600" rtl="0">
+    <a:lvl4pPr algn="l" defTabSz="914400" eaLnBrk="1" hangingPunct="1" latinLnBrk="0" marL="1371600" rtl="0">
       <a:defRPr kern="1200" sz="1800">
         <a:solidFill>
           <a:schemeClr val="tx1"/>
@@ -62,7 +62,7 @@
         <a:cs typeface="+mn-cs"/>
       </a:defRPr>
     </a:lvl4pPr>
-    <a:lvl5pPr algn="l" defTabSz="457200" eaLnBrk="1" hangingPunct="1" latinLnBrk="0" marL="1828800" rtl="0">
+    <a:lvl5pPr algn="l" defTabSz="914400" eaLnBrk="1" hangingPunct="1" latinLnBrk="0" marL="1828800" rtl="0">
       <a:defRPr kern="1200" sz="1800">
         <a:solidFill>
           <a:schemeClr val="tx1"/>
@@ -72,7 +72,7 @@
         <a:cs typeface="+mn-cs"/>
       </a:defRPr>
     </a:lvl5pPr>
-    <a:lvl6pPr algn="l" defTabSz="457200" eaLnBrk="1" hangingPunct="1" latinLnBrk="0" marL="2286000" rtl="0">
+    <a:lvl6pPr algn="l" defTabSz="914400" eaLnBrk="1" hangingPunct="1" latinLnBrk="0" marL="2286000" rtl="0">
       <a:defRPr kern="1200" sz="1800">
         <a:solidFill>
           <a:schemeClr val="tx1"/>
@@ -82,7 +82,7 @@
         <a:cs typeface="+mn-cs"/>
       </a:defRPr>
     </a:lvl6pPr>
-    <a:lvl7pPr algn="l" defTabSz="457200" eaLnBrk="1" hangingPunct="1" latinLnBrk="0" marL="2743200" rtl="0">
+    <a:lvl7pPr algn="l" defTabSz="914400" eaLnBrk="1" hangingPunct="1" latinLnBrk="0" marL="2743200" rtl="0">
       <a:defRPr kern="1200" sz="1800">
         <a:solidFill>
           <a:schemeClr val="tx1"/>
@@ -92,7 +92,7 @@
         <a:cs typeface="+mn-cs"/>
       </a:defRPr>
     </a:lvl7pPr>
-    <a:lvl8pPr algn="l" defTabSz="457200" eaLnBrk="1" hangingPunct="1" latinLnBrk="0" marL="3200400" rtl="0">
+    <a:lvl8pPr algn="l" defTabSz="914400" eaLnBrk="1" hangingPunct="1" latinLnBrk="0" marL="3200400" rtl="0">
       <a:defRPr kern="1200" sz="1800">
         <a:solidFill>
           <a:schemeClr val="tx1"/>
@@ -102,7 +102,7 @@
         <a:cs typeface="+mn-cs"/>
       </a:defRPr>
     </a:lvl8pPr>
-    <a:lvl9pPr algn="l" defTabSz="457200" eaLnBrk="1" hangingPunct="1" latinLnBrk="0" marL="3657600" rtl="0">
+    <a:lvl9pPr algn="l" defTabSz="914400" eaLnBrk="1" hangingPunct="1" latinLnBrk="0" marL="3657600" rtl="0">
       <a:defRPr kern="1200" sz="1800">
         <a:solidFill>
           <a:schemeClr val="tx1"/>
@@ -113,28 +113,20 @@
       </a:defRPr>
     </a:lvl9pPr>
   </p:defaultTextStyle>
-  <p:extLst>
-    <p:ext uri="{EFAFB233-063F-42B5-8137-9DF3F51BA10A}">
-      <p15:sldGuideLst xmlns:p15="http://schemas.microsoft.com/office/powerpoint/2012/main">
-        <p15:guide id="1" orient="horz" pos="1620" userDrawn="1">
-          <p15:clr>
-            <a:srgbClr val="A4A3A4"/>
-          </p15:clr>
-        </p15:guide>
-        <p15:guide id="2" pos="2880" userDrawn="1">
-          <p15:clr>
-            <a:srgbClr val="A4A3A4"/>
-          </p15:clr>
-        </p15:guide>
-      </p15:sldGuideLst>
-    </p:ext>
-  </p:extLst>
 </p:presentation>
 </file>
 
 <file path=ppt/slideLayouts/slideLayout1.xml><?xml version="1.0" encoding="utf-8"?>
 <p:sldLayout xmlns:a="http://schemas.openxmlformats.org/drawingml/2006/main" xmlns:r="http://schemas.openxmlformats.org/officeDocument/2006/relationships" xmlns:p="http://schemas.openxmlformats.org/presentationml/2006/main" type="title" preserve="1">
   <p:cSld name="Title Slide">
+    <p:bg>
+      <p:bgPr>
+        <a:solidFill>
+          <a:srgbClr val="5E7875"/>
+        </a:solidFill>
+        <a:effectLst/>
+      </p:bgPr>
+    </p:bg>
     <p:spTree>
       <p:nvGrpSpPr>
         <p:cNvPr id="1" name=""/>
@@ -151,7 +143,13 @@
       </p:grpSpPr>
       <p:sp>
         <p:nvSpPr>
-          <p:cNvPr id="2" name="Title 1"/>
+          <p:cNvPr id="2" name="Title 1">
+            <a:extLst>
+              <a:ext uri="{FF2B5EF4-FFF2-40B4-BE49-F238E27FC236}">
+                <a16:creationId xmlns:a16="http://schemas.microsoft.com/office/drawing/2014/main" id="{322BDD6C-18D1-A6F8-80DB-7019B54E89B5}"/>
+              </a:ext>
+            </a:extLst>
+          </p:cNvPr>
           <p:cNvSpPr>
             <a:spLocks noGrp="1"/>
           </p:cNvSpPr>
@@ -161,129 +159,93 @@
         </p:nvSpPr>
         <p:spPr>
           <a:xfrm>
-            <a:off x="685800" y="1597819"/>
-            <a:ext cx="7772400" cy="1102519"/>
+            <a:off x="1524000" y="1122363"/>
+            <a:ext cx="9144000" cy="2387600"/>
           </a:xfrm>
         </p:spPr>
         <p:txBody>
-          <a:bodyPr/>
-          <a:lstStyle/>
-          <a:p>
-            <a:r>
-              <a:rPr lang="en-US"/>
-              <a:t>Click to edit Master title style</a:t>
-            </a:r>
-          </a:p>
-        </p:txBody>
-      </p:sp>
-      <p:sp>
-        <p:nvSpPr>
-          <p:cNvPr id="3" name="Subtitle 2"/>
-          <p:cNvSpPr>
-            <a:spLocks noGrp="1"/>
-          </p:cNvSpPr>
-          <p:nvPr>
-            <p:ph type="subTitle" idx="1"/>
-          </p:nvPr>
-        </p:nvSpPr>
-        <p:spPr>
-          <a:xfrm>
-            <a:off x="1371600" y="2914650"/>
-            <a:ext cx="6400800" cy="1314450"/>
-          </a:xfrm>
-        </p:spPr>
-        <p:txBody>
-          <a:bodyPr/>
+          <a:bodyPr anchor="b"/>
           <a:lstStyle>
-            <a:lvl1pPr marL="0" indent="0" algn="ctr">
-              <a:buNone/>
-              <a:defRPr>
+            <a:lvl1pPr algn="ctr">
+              <a:defRPr sz="6000">
                 <a:solidFill>
-                  <a:schemeClr val="tx1">
-                    <a:tint val="75000"/>
-                  </a:schemeClr>
+                  <a:srgbClr val="DEE3E4"/>
                 </a:solidFill>
               </a:defRPr>
             </a:lvl1pPr>
-            <a:lvl2pPr marL="342900" indent="0" algn="ctr">
-              <a:buNone/>
-              <a:defRPr>
+          </a:lstStyle>
+          <a:p>
+            <a:r>
+              <a:rPr lang="en-US"/>
+              <a:t>Click to edit Master title style</a:t>
+            </a:r>
+          </a:p>
+        </p:txBody>
+      </p:sp>
+      <p:sp>
+        <p:nvSpPr>
+          <p:cNvPr id="3" name="Subtitle 2">
+            <a:extLst>
+              <a:ext uri="{FF2B5EF4-FFF2-40B4-BE49-F238E27FC236}">
+                <a16:creationId xmlns:a16="http://schemas.microsoft.com/office/drawing/2014/main" id="{8B913B9A-D7C5-D07B-FF41-21C6361912C1}"/>
+              </a:ext>
+            </a:extLst>
+          </p:cNvPr>
+          <p:cNvSpPr>
+            <a:spLocks noGrp="1"/>
+          </p:cNvSpPr>
+          <p:nvPr>
+            <p:ph type="subTitle" idx="1"/>
+          </p:nvPr>
+        </p:nvSpPr>
+        <p:spPr>
+          <a:xfrm>
+            <a:off x="1524000" y="3602038"/>
+            <a:ext cx="9144000" cy="1655762"/>
+          </a:xfrm>
+        </p:spPr>
+        <p:txBody>
+          <a:bodyPr/>
+          <a:lstStyle>
+            <a:lvl1pPr marL="0" indent="0" algn="ctr">
+              <a:buNone/>
+              <a:defRPr sz="2400">
                 <a:solidFill>
-                  <a:schemeClr val="tx1">
-                    <a:tint val="75000"/>
-                  </a:schemeClr>
+                  <a:srgbClr val="DEE3E4"/>
                 </a:solidFill>
               </a:defRPr>
+            </a:lvl1pPr>
+            <a:lvl2pPr marL="457200" indent="0" algn="ctr">
+              <a:buNone/>
+              <a:defRPr sz="2000"/>
             </a:lvl2pPr>
-            <a:lvl3pPr marL="685800" indent="0" algn="ctr">
-              <a:buNone/>
-              <a:defRPr>
-                <a:solidFill>
-                  <a:schemeClr val="tx1">
-                    <a:tint val="75000"/>
-                  </a:schemeClr>
-                </a:solidFill>
-              </a:defRPr>
+            <a:lvl3pPr marL="914400" indent="0" algn="ctr">
+              <a:buNone/>
+              <a:defRPr sz="1800"/>
             </a:lvl3pPr>
-            <a:lvl4pPr marL="1028700" indent="0" algn="ctr">
-              <a:buNone/>
-              <a:defRPr>
-                <a:solidFill>
-                  <a:schemeClr val="tx1">
-                    <a:tint val="75000"/>
-                  </a:schemeClr>
-                </a:solidFill>
-              </a:defRPr>
+            <a:lvl4pPr marL="1371600" indent="0" algn="ctr">
+              <a:buNone/>
+              <a:defRPr sz="1600"/>
             </a:lvl4pPr>
-            <a:lvl5pPr marL="1371600" indent="0" algn="ctr">
-              <a:buNone/>
-              <a:defRPr>
-                <a:solidFill>
-                  <a:schemeClr val="tx1">
-                    <a:tint val="75000"/>
-                  </a:schemeClr>
-                </a:solidFill>
-              </a:defRPr>
+            <a:lvl5pPr marL="1828800" indent="0" algn="ctr">
+              <a:buNone/>
+              <a:defRPr sz="1600"/>
             </a:lvl5pPr>
-            <a:lvl6pPr marL="1714500" indent="0" algn="ctr">
-              <a:buNone/>
-              <a:defRPr>
-                <a:solidFill>
-                  <a:schemeClr val="tx1">
-                    <a:tint val="75000"/>
-                  </a:schemeClr>
-                </a:solidFill>
-              </a:defRPr>
+            <a:lvl6pPr marL="2286000" indent="0" algn="ctr">
+              <a:buNone/>
+              <a:defRPr sz="1600"/>
             </a:lvl6pPr>
-            <a:lvl7pPr marL="2057400" indent="0" algn="ctr">
-              <a:buNone/>
-              <a:defRPr>
-                <a:solidFill>
-                  <a:schemeClr val="tx1">
-                    <a:tint val="75000"/>
-                  </a:schemeClr>
-                </a:solidFill>
-              </a:defRPr>
+            <a:lvl7pPr marL="2743200" indent="0" algn="ctr">
+              <a:buNone/>
+              <a:defRPr sz="1600"/>
             </a:lvl7pPr>
-            <a:lvl8pPr marL="2400300" indent="0" algn="ctr">
-              <a:buNone/>
-              <a:defRPr>
-                <a:solidFill>
-                  <a:schemeClr val="tx1">
-                    <a:tint val="75000"/>
-                  </a:schemeClr>
-                </a:solidFill>
-              </a:defRPr>
+            <a:lvl8pPr marL="3200400" indent="0" algn="ctr">
+              <a:buNone/>
+              <a:defRPr sz="1600"/>
             </a:lvl8pPr>
-            <a:lvl9pPr marL="2743200" indent="0" algn="ctr">
-              <a:buNone/>
-              <a:defRPr>
-                <a:solidFill>
-                  <a:schemeClr val="tx1">
-                    <a:tint val="75000"/>
-                  </a:schemeClr>
-                </a:solidFill>
-              </a:defRPr>
+            <a:lvl9pPr marL="3657600" indent="0" algn="ctr">
+              <a:buNone/>
+              <a:defRPr sz="1600"/>
             </a:lvl9pPr>
           </a:lstStyle>
           <a:p>
@@ -296,7 +258,13 @@
       </p:sp>
       <p:sp>
         <p:nvSpPr>
-          <p:cNvPr id="4" name="Date Placeholder 3"/>
+          <p:cNvPr id="4" name="Date Placeholder 3">
+            <a:extLst>
+              <a:ext uri="{FF2B5EF4-FFF2-40B4-BE49-F238E27FC236}">
+                <a16:creationId xmlns:a16="http://schemas.microsoft.com/office/drawing/2014/main" id="{842C71B2-AF32-1EB6-5167-B9FD9DF6F6F3}"/>
+              </a:ext>
+            </a:extLst>
+          </p:cNvPr>
           <p:cNvSpPr>
             <a:spLocks noGrp="1"/>
           </p:cNvSpPr>
@@ -309,9 +277,9 @@
           <a:bodyPr/>
           <a:lstStyle/>
           <a:p>
-            <a:fld id="{241EB5C9-1307-BA42-ABA2-0BC069CD8E7F}" type="datetimeFigureOut">
+            <a:fld id="{51C7FE2C-DA85-4E39-95B4-502ED937E79A}" type="datetimeFigureOut">
               <a:rPr lang="en-US" smtClean="0"/>
-              <a:t>1/2/22</a:t>
+              <a:t>3/10/2023</a:t>
             </a:fld>
             <a:endParaRPr lang="en-US"/>
           </a:p>
@@ -319,7 +287,13 @@
       </p:sp>
       <p:sp>
         <p:nvSpPr>
-          <p:cNvPr id="5" name="Footer Placeholder 4"/>
+          <p:cNvPr id="5" name="Footer Placeholder 4">
+            <a:extLst>
+              <a:ext uri="{FF2B5EF4-FFF2-40B4-BE49-F238E27FC236}">
+                <a16:creationId xmlns:a16="http://schemas.microsoft.com/office/drawing/2014/main" id="{9C7CF0B8-2197-4AC0-A61A-7A7B11DF16C0}"/>
+              </a:ext>
+            </a:extLst>
+          </p:cNvPr>
           <p:cNvSpPr>
             <a:spLocks noGrp="1"/>
           </p:cNvSpPr>
@@ -327,18 +301,35 @@
             <p:ph type="ftr" sz="quarter" idx="11"/>
           </p:nvPr>
         </p:nvSpPr>
-        <p:spPr/>
-        <p:txBody>
-          <a:bodyPr/>
-          <a:lstStyle/>
-          <a:p>
-            <a:endParaRPr lang="en-US"/>
-          </a:p>
-        </p:txBody>
-      </p:sp>
-      <p:sp>
-        <p:nvSpPr>
-          <p:cNvPr id="6" name="Slide Number Placeholder 5"/>
+        <p:spPr>
+          <a:xfrm>
+            <a:off x="5913120" y="6356350"/>
+            <a:ext cx="365760" cy="365125"/>
+          </a:xfrm>
+          <a:blipFill>
+            <a:blip r:embed="rId2"/>
+            <a:stretch>
+              <a:fillRect/>
+            </a:stretch>
+          </a:blipFill>
+        </p:spPr>
+        <p:txBody>
+          <a:bodyPr/>
+          <a:lstStyle/>
+          <a:p>
+            <a:endParaRPr lang="en-US" dirty="0"/>
+          </a:p>
+        </p:txBody>
+      </p:sp>
+      <p:sp>
+        <p:nvSpPr>
+          <p:cNvPr id="6" name="Slide Number Placeholder 5">
+            <a:extLst>
+              <a:ext uri="{FF2B5EF4-FFF2-40B4-BE49-F238E27FC236}">
+                <a16:creationId xmlns:a16="http://schemas.microsoft.com/office/drawing/2014/main" id="{CFEF0B75-4979-BDDB-F74F-B6D6574C242D}"/>
+              </a:ext>
+            </a:extLst>
+          </p:cNvPr>
           <p:cNvSpPr>
             <a:spLocks noGrp="1"/>
           </p:cNvSpPr>
@@ -346,23 +337,29 @@
             <p:ph type="sldNum" sz="quarter" idx="12"/>
           </p:nvPr>
         </p:nvSpPr>
-        <p:spPr/>
-        <p:txBody>
-          <a:bodyPr/>
-          <a:lstStyle/>
-          <a:p>
-            <a:fld id="{C5EF2332-01BF-834F-8236-50238282D533}" type="slidenum">
+        <p:spPr>
+          <a:xfrm>
+            <a:off x="8610600" y="6356350"/>
+            <a:ext cx="2743200" cy="365125"/>
+          </a:xfrm>
+          <a:noFill/>
+        </p:spPr>
+        <p:txBody>
+          <a:bodyPr/>
+          <a:lstStyle/>
+          <a:p>
+            <a:fld id="{13715DC4-C36F-4655-84DB-209ED23B0D45}" type="slidenum">
               <a:rPr lang="en-US" smtClean="0"/>
               <a:t>‹#›</a:t>
             </a:fld>
-            <a:endParaRPr lang="en-US"/>
+            <a:endParaRPr lang="en-US" dirty="0"/>
           </a:p>
         </p:txBody>
       </p:sp>
     </p:spTree>
     <p:extLst>
       <p:ext uri="{BB962C8B-B14F-4D97-AF65-F5344CB8AC3E}">
-        <p14:creationId xmlns:p14="http://schemas.microsoft.com/office/powerpoint/2010/main" val="1444357513"/>
+        <p14:creationId xmlns:p14="http://schemas.microsoft.com/office/powerpoint/2010/main" val="4194912521"/>
       </p:ext>
     </p:extLst>
   </p:cSld>
@@ -391,7 +388,13 @@
       </p:grpSpPr>
       <p:sp>
         <p:nvSpPr>
-          <p:cNvPr id="2" name="Title 1"/>
+          <p:cNvPr id="2" name="Title 1">
+            <a:extLst>
+              <a:ext uri="{FF2B5EF4-FFF2-40B4-BE49-F238E27FC236}">
+                <a16:creationId xmlns:a16="http://schemas.microsoft.com/office/drawing/2014/main" id="{4774C1A0-08EB-1568-2301-4AB83991A433}"/>
+              </a:ext>
+            </a:extLst>
+          </p:cNvPr>
           <p:cNvSpPr>
             <a:spLocks noGrp="1"/>
           </p:cNvSpPr>
@@ -399,87 +402,103 @@
             <p:ph type="title"/>
           </p:nvPr>
         </p:nvSpPr>
+        <p:spPr>
+          <a:solidFill>
+            <a:srgbClr val="5E7875"/>
+          </a:solidFill>
+        </p:spPr>
+        <p:txBody>
+          <a:bodyPr/>
+          <a:lstStyle/>
+          <a:p>
+            <a:r>
+              <a:rPr lang="en-US"/>
+              <a:t>Click to edit Master title style</a:t>
+            </a:r>
+          </a:p>
+        </p:txBody>
+      </p:sp>
+      <p:sp>
+        <p:nvSpPr>
+          <p:cNvPr id="3" name="Vertical Text Placeholder 2">
+            <a:extLst>
+              <a:ext uri="{FF2B5EF4-FFF2-40B4-BE49-F238E27FC236}">
+                <a16:creationId xmlns:a16="http://schemas.microsoft.com/office/drawing/2014/main" id="{05CC6486-83DE-A301-5F9B-195239303A2F}"/>
+              </a:ext>
+            </a:extLst>
+          </p:cNvPr>
+          <p:cNvSpPr>
+            <a:spLocks noGrp="1"/>
+          </p:cNvSpPr>
+          <p:nvPr>
+            <p:ph type="body" orient="vert" idx="1"/>
+          </p:nvPr>
+        </p:nvSpPr>
         <p:spPr/>
         <p:txBody>
-          <a:bodyPr/>
-          <a:lstStyle/>
-          <a:p>
-            <a:r>
-              <a:rPr lang="en-US"/>
-              <a:t>Click to edit Master title style</a:t>
-            </a:r>
-          </a:p>
-        </p:txBody>
-      </p:sp>
-      <p:sp>
-        <p:nvSpPr>
-          <p:cNvPr id="3" name="Vertical Text Placeholder 2"/>
-          <p:cNvSpPr>
-            <a:spLocks noGrp="1"/>
-          </p:cNvSpPr>
-          <p:nvPr>
-            <p:ph type="body" orient="vert" idx="1"/>
+          <a:bodyPr vert="eaVert"/>
+          <a:lstStyle/>
+          <a:p>
+            <a:pPr lvl="0"/>
+            <a:r>
+              <a:rPr lang="en-US"/>
+              <a:t>Click to edit Master text styles</a:t>
+            </a:r>
+          </a:p>
+          <a:p>
+            <a:pPr lvl="1"/>
+            <a:r>
+              <a:rPr lang="en-US"/>
+              <a:t>Second level</a:t>
+            </a:r>
+          </a:p>
+          <a:p>
+            <a:pPr lvl="2"/>
+            <a:r>
+              <a:rPr lang="en-US"/>
+              <a:t>Third level</a:t>
+            </a:r>
+          </a:p>
+          <a:p>
+            <a:pPr lvl="3"/>
+            <a:r>
+              <a:rPr lang="en-US"/>
+              <a:t>Fourth level</a:t>
+            </a:r>
+          </a:p>
+          <a:p>
+            <a:pPr lvl="4"/>
+            <a:r>
+              <a:rPr lang="en-US"/>
+              <a:t>Fifth level</a:t>
+            </a:r>
+          </a:p>
+        </p:txBody>
+      </p:sp>
+      <p:sp>
+        <p:nvSpPr>
+          <p:cNvPr id="4" name="Date Placeholder 3">
+            <a:extLst>
+              <a:ext uri="{FF2B5EF4-FFF2-40B4-BE49-F238E27FC236}">
+                <a16:creationId xmlns:a16="http://schemas.microsoft.com/office/drawing/2014/main" id="{044011A4-7A3C-7F62-4513-5A5C5B02A984}"/>
+              </a:ext>
+            </a:extLst>
+          </p:cNvPr>
+          <p:cNvSpPr>
+            <a:spLocks noGrp="1"/>
+          </p:cNvSpPr>
+          <p:nvPr>
+            <p:ph type="dt" sz="half" idx="10"/>
           </p:nvPr>
         </p:nvSpPr>
         <p:spPr/>
         <p:txBody>
-          <a:bodyPr vert="eaVert"/>
-          <a:lstStyle/>
-          <a:p>
-            <a:pPr lvl="0"/>
-            <a:r>
-              <a:rPr lang="en-US"/>
-              <a:t>Click to edit Master text styles</a:t>
-            </a:r>
-          </a:p>
-          <a:p>
-            <a:pPr lvl="1"/>
-            <a:r>
-              <a:rPr lang="en-US"/>
-              <a:t>Second level</a:t>
-            </a:r>
-          </a:p>
-          <a:p>
-            <a:pPr lvl="2"/>
-            <a:r>
-              <a:rPr lang="en-US"/>
-              <a:t>Third level</a:t>
-            </a:r>
-          </a:p>
-          <a:p>
-            <a:pPr lvl="3"/>
-            <a:r>
-              <a:rPr lang="en-US"/>
-              <a:t>Fourth level</a:t>
-            </a:r>
-          </a:p>
-          <a:p>
-            <a:pPr lvl="4"/>
-            <a:r>
-              <a:rPr lang="en-US"/>
-              <a:t>Fifth level</a:t>
-            </a:r>
-          </a:p>
-        </p:txBody>
-      </p:sp>
-      <p:sp>
-        <p:nvSpPr>
-          <p:cNvPr id="4" name="Date Placeholder 3"/>
-          <p:cNvSpPr>
-            <a:spLocks noGrp="1"/>
-          </p:cNvSpPr>
-          <p:nvPr>
-            <p:ph type="dt" sz="half" idx="10"/>
-          </p:nvPr>
-        </p:nvSpPr>
-        <p:spPr/>
-        <p:txBody>
-          <a:bodyPr/>
-          <a:lstStyle/>
-          <a:p>
-            <a:fld id="{241EB5C9-1307-BA42-ABA2-0BC069CD8E7F}" type="datetimeFigureOut">
+          <a:bodyPr/>
+          <a:lstStyle/>
+          <a:p>
+            <a:fld id="{51C7FE2C-DA85-4E39-95B4-502ED937E79A}" type="datetimeFigureOut">
               <a:rPr lang="en-US" smtClean="0"/>
-              <a:t>1/2/22</a:t>
+              <a:t>3/10/2023</a:t>
             </a:fld>
             <a:endParaRPr lang="en-US"/>
           </a:p>
@@ -487,7 +506,13 @@
       </p:sp>
       <p:sp>
         <p:nvSpPr>
-          <p:cNvPr id="5" name="Footer Placeholder 4"/>
+          <p:cNvPr id="5" name="Footer Placeholder 4">
+            <a:extLst>
+              <a:ext uri="{FF2B5EF4-FFF2-40B4-BE49-F238E27FC236}">
+                <a16:creationId xmlns:a16="http://schemas.microsoft.com/office/drawing/2014/main" id="{76312D32-412B-27F5-08A5-7C6AAABCE4DB}"/>
+              </a:ext>
+            </a:extLst>
+          </p:cNvPr>
           <p:cNvSpPr>
             <a:spLocks noGrp="1"/>
           </p:cNvSpPr>
@@ -506,7 +531,13 @@
       </p:sp>
       <p:sp>
         <p:nvSpPr>
-          <p:cNvPr id="6" name="Slide Number Placeholder 5"/>
+          <p:cNvPr id="6" name="Slide Number Placeholder 5">
+            <a:extLst>
+              <a:ext uri="{FF2B5EF4-FFF2-40B4-BE49-F238E27FC236}">
+                <a16:creationId xmlns:a16="http://schemas.microsoft.com/office/drawing/2014/main" id="{62B19CF8-86CF-75B8-0D20-8907ABECCA23}"/>
+              </a:ext>
+            </a:extLst>
+          </p:cNvPr>
           <p:cNvSpPr>
             <a:spLocks noGrp="1"/>
           </p:cNvSpPr>
@@ -514,12 +545,18 @@
             <p:ph type="sldNum" sz="quarter" idx="12"/>
           </p:nvPr>
         </p:nvSpPr>
-        <p:spPr/>
-        <p:txBody>
-          <a:bodyPr/>
-          <a:lstStyle/>
-          <a:p>
-            <a:fld id="{C5EF2332-01BF-834F-8236-50238282D533}" type="slidenum">
+        <p:spPr>
+          <a:xfrm>
+            <a:off x="8610600" y="6356350"/>
+            <a:ext cx="2743200" cy="365125"/>
+          </a:xfrm>
+          <a:noFill/>
+        </p:spPr>
+        <p:txBody>
+          <a:bodyPr/>
+          <a:lstStyle/>
+          <a:p>
+            <a:fld id="{13715DC4-C36F-4655-84DB-209ED23B0D45}" type="slidenum">
               <a:rPr lang="en-US" smtClean="0"/>
               <a:t>‹#›</a:t>
             </a:fld>
@@ -530,7 +567,7 @@
     </p:spTree>
     <p:extLst>
       <p:ext uri="{BB962C8B-B14F-4D97-AF65-F5344CB8AC3E}">
-        <p14:creationId xmlns:p14="http://schemas.microsoft.com/office/powerpoint/2010/main" val="313914798"/>
+        <p14:creationId xmlns:p14="http://schemas.microsoft.com/office/powerpoint/2010/main" val="1727066951"/>
       </p:ext>
     </p:extLst>
   </p:cSld>
@@ -559,7 +596,13 @@
       </p:grpSpPr>
       <p:sp>
         <p:nvSpPr>
-          <p:cNvPr id="2" name="Vertical Title 1"/>
+          <p:cNvPr id="2" name="Vertical Title 1">
+            <a:extLst>
+              <a:ext uri="{FF2B5EF4-FFF2-40B4-BE49-F238E27FC236}">
+                <a16:creationId xmlns:a16="http://schemas.microsoft.com/office/drawing/2014/main" id="{A0BD2692-43D5-F434-117D-01BF9955CBBC}"/>
+              </a:ext>
+            </a:extLst>
+          </p:cNvPr>
           <p:cNvSpPr>
             <a:spLocks noGrp="1"/>
           </p:cNvSpPr>
@@ -569,41 +612,58 @@
         </p:nvSpPr>
         <p:spPr>
           <a:xfrm>
-            <a:off x="6629400" y="205979"/>
-            <a:ext cx="2057400" cy="4388644"/>
+            <a:off x="8724900" y="365125"/>
+            <a:ext cx="2628900" cy="5811838"/>
+          </a:xfrm>
+          <a:solidFill>
+            <a:srgbClr val="5E7875"/>
+          </a:solidFill>
+        </p:spPr>
+        <p:txBody>
+          <a:bodyPr vert="eaVert"/>
+          <a:lstStyle>
+            <a:lvl1pPr>
+              <a:defRPr>
+                <a:solidFill>
+                  <a:srgbClr val="DEE3E4"/>
+                </a:solidFill>
+              </a:defRPr>
+            </a:lvl1pPr>
+          </a:lstStyle>
+          <a:p>
+            <a:r>
+              <a:rPr lang="en-US"/>
+              <a:t>Click to edit Master title style</a:t>
+            </a:r>
+          </a:p>
+        </p:txBody>
+      </p:sp>
+      <p:sp>
+        <p:nvSpPr>
+          <p:cNvPr id="3" name="Vertical Text Placeholder 2">
+            <a:extLst>
+              <a:ext uri="{FF2B5EF4-FFF2-40B4-BE49-F238E27FC236}">
+                <a16:creationId xmlns:a16="http://schemas.microsoft.com/office/drawing/2014/main" id="{CEBD444E-01B0-54C5-2BBE-F133B7447EC0}"/>
+              </a:ext>
+            </a:extLst>
+          </p:cNvPr>
+          <p:cNvSpPr>
+            <a:spLocks noGrp="1"/>
+          </p:cNvSpPr>
+          <p:nvPr>
+            <p:ph type="body" orient="vert" idx="1"/>
+          </p:nvPr>
+        </p:nvSpPr>
+        <p:spPr>
+          <a:xfrm>
+            <a:off x="838200" y="365125"/>
+            <a:ext cx="7734300" cy="5811838"/>
           </a:xfrm>
         </p:spPr>
         <p:txBody>
           <a:bodyPr vert="eaVert"/>
           <a:lstStyle/>
           <a:p>
-            <a:r>
-              <a:rPr lang="en-US"/>
-              <a:t>Click to edit Master title style</a:t>
-            </a:r>
-          </a:p>
-        </p:txBody>
-      </p:sp>
-      <p:sp>
-        <p:nvSpPr>
-          <p:cNvPr id="3" name="Vertical Text Placeholder 2"/>
-          <p:cNvSpPr>
-            <a:spLocks noGrp="1"/>
-          </p:cNvSpPr>
-          <p:nvPr>
-            <p:ph type="body" orient="vert" idx="1"/>
-          </p:nvPr>
-        </p:nvSpPr>
-        <p:spPr>
-          <a:xfrm>
-            <a:off x="457200" y="205979"/>
-            <a:ext cx="6019800" cy="4388644"/>
-          </a:xfrm>
-        </p:spPr>
-        <p:txBody>
-          <a:bodyPr vert="eaVert"/>
-          <a:lstStyle/>
-          <a:p>
             <a:pPr lvl="0"/>
             <a:r>
               <a:rPr lang="en-US"/>
@@ -642,7 +702,13 @@
       </p:sp>
       <p:sp>
         <p:nvSpPr>
-          <p:cNvPr id="4" name="Date Placeholder 3"/>
+          <p:cNvPr id="4" name="Date Placeholder 3">
+            <a:extLst>
+              <a:ext uri="{FF2B5EF4-FFF2-40B4-BE49-F238E27FC236}">
+                <a16:creationId xmlns:a16="http://schemas.microsoft.com/office/drawing/2014/main" id="{0DE52525-FDC6-1F1A-739D-2F2ECF400342}"/>
+              </a:ext>
+            </a:extLst>
+          </p:cNvPr>
           <p:cNvSpPr>
             <a:spLocks noGrp="1"/>
           </p:cNvSpPr>
@@ -655,9 +721,9 @@
           <a:bodyPr/>
           <a:lstStyle/>
           <a:p>
-            <a:fld id="{241EB5C9-1307-BA42-ABA2-0BC069CD8E7F}" type="datetimeFigureOut">
+            <a:fld id="{51C7FE2C-DA85-4E39-95B4-502ED937E79A}" type="datetimeFigureOut">
               <a:rPr lang="en-US" smtClean="0"/>
-              <a:t>1/2/22</a:t>
+              <a:t>3/10/2023</a:t>
             </a:fld>
             <a:endParaRPr lang="en-US"/>
           </a:p>
@@ -665,7 +731,13 @@
       </p:sp>
       <p:sp>
         <p:nvSpPr>
-          <p:cNvPr id="5" name="Footer Placeholder 4"/>
+          <p:cNvPr id="5" name="Footer Placeholder 4">
+            <a:extLst>
+              <a:ext uri="{FF2B5EF4-FFF2-40B4-BE49-F238E27FC236}">
+                <a16:creationId xmlns:a16="http://schemas.microsoft.com/office/drawing/2014/main" id="{0259BF65-09B3-9C6B-52B1-99011E0FBCB2}"/>
+              </a:ext>
+            </a:extLst>
+          </p:cNvPr>
           <p:cNvSpPr>
             <a:spLocks noGrp="1"/>
           </p:cNvSpPr>
@@ -684,7 +756,13 @@
       </p:sp>
       <p:sp>
         <p:nvSpPr>
-          <p:cNvPr id="6" name="Slide Number Placeholder 5"/>
+          <p:cNvPr id="6" name="Slide Number Placeholder 5">
+            <a:extLst>
+              <a:ext uri="{FF2B5EF4-FFF2-40B4-BE49-F238E27FC236}">
+                <a16:creationId xmlns:a16="http://schemas.microsoft.com/office/drawing/2014/main" id="{23A195C7-C1E1-AE10-1583-30DE777016BE}"/>
+              </a:ext>
+            </a:extLst>
+          </p:cNvPr>
           <p:cNvSpPr>
             <a:spLocks noGrp="1"/>
           </p:cNvSpPr>
@@ -697,7 +775,7 @@
           <a:bodyPr/>
           <a:lstStyle/>
           <a:p>
-            <a:fld id="{C5EF2332-01BF-834F-8236-50238282D533}" type="slidenum">
+            <a:fld id="{13715DC4-C36F-4655-84DB-209ED23B0D45}" type="slidenum">
               <a:rPr lang="en-US" smtClean="0"/>
               <a:t>‹#›</a:t>
             </a:fld>
@@ -708,7 +786,7 @@
     </p:spTree>
     <p:extLst>
       <p:ext uri="{BB962C8B-B14F-4D97-AF65-F5344CB8AC3E}">
-        <p14:creationId xmlns:p14="http://schemas.microsoft.com/office/powerpoint/2010/main" val="2581529045"/>
+        <p14:creationId xmlns:p14="http://schemas.microsoft.com/office/powerpoint/2010/main" val="1652554054"/>
       </p:ext>
     </p:extLst>
   </p:cSld>
@@ -737,7 +815,13 @@
       </p:grpSpPr>
       <p:sp>
         <p:nvSpPr>
-          <p:cNvPr id="2" name="Title 1"/>
+          <p:cNvPr id="2" name="Title 1">
+            <a:extLst>
+              <a:ext uri="{FF2B5EF4-FFF2-40B4-BE49-F238E27FC236}">
+                <a16:creationId xmlns:a16="http://schemas.microsoft.com/office/drawing/2014/main" id="{D2C6BCA7-8522-7359-20E2-7BC8D9C4C239}"/>
+              </a:ext>
+            </a:extLst>
+          </p:cNvPr>
           <p:cNvSpPr>
             <a:spLocks noGrp="1"/>
           </p:cNvSpPr>
@@ -745,26 +829,101 @@
             <p:ph type="title"/>
           </p:nvPr>
         </p:nvSpPr>
+        <p:spPr>
+          <a:solidFill>
+            <a:srgbClr val="5E7875"/>
+          </a:solidFill>
+        </p:spPr>
+        <p:txBody>
+          <a:bodyPr/>
+          <a:lstStyle>
+            <a:lvl1pPr>
+              <a:defRPr>
+                <a:solidFill>
+                  <a:srgbClr val="DEE3E4"/>
+                </a:solidFill>
+              </a:defRPr>
+            </a:lvl1pPr>
+          </a:lstStyle>
+          <a:p>
+            <a:r>
+              <a:rPr lang="en-US"/>
+              <a:t>Click to edit Master title style</a:t>
+            </a:r>
+          </a:p>
+        </p:txBody>
+      </p:sp>
+      <p:sp>
+        <p:nvSpPr>
+          <p:cNvPr id="3" name="Content Placeholder 2">
+            <a:extLst>
+              <a:ext uri="{FF2B5EF4-FFF2-40B4-BE49-F238E27FC236}">
+                <a16:creationId xmlns:a16="http://schemas.microsoft.com/office/drawing/2014/main" id="{A8D394A3-3A46-20FA-0771-18EAEE628541}"/>
+              </a:ext>
+            </a:extLst>
+          </p:cNvPr>
+          <p:cNvSpPr>
+            <a:spLocks noGrp="1"/>
+          </p:cNvSpPr>
+          <p:nvPr>
+            <p:ph idx="1"/>
+          </p:nvPr>
+        </p:nvSpPr>
         <p:spPr/>
         <p:txBody>
           <a:bodyPr/>
           <a:lstStyle/>
           <a:p>
-            <a:r>
-              <a:rPr lang="en-US"/>
-              <a:t>Click to edit Master title style</a:t>
-            </a:r>
-          </a:p>
-        </p:txBody>
-      </p:sp>
-      <p:sp>
-        <p:nvSpPr>
-          <p:cNvPr id="3" name="Content Placeholder 2"/>
-          <p:cNvSpPr>
-            <a:spLocks noGrp="1"/>
-          </p:cNvSpPr>
-          <p:nvPr>
-            <p:ph idx="1"/>
+            <a:pPr lvl="0"/>
+            <a:r>
+              <a:rPr lang="en-US"/>
+              <a:t>Click to edit Master text styles</a:t>
+            </a:r>
+          </a:p>
+          <a:p>
+            <a:pPr lvl="1"/>
+            <a:r>
+              <a:rPr lang="en-US"/>
+              <a:t>Second level</a:t>
+            </a:r>
+          </a:p>
+          <a:p>
+            <a:pPr lvl="2"/>
+            <a:r>
+              <a:rPr lang="en-US"/>
+              <a:t>Third level</a:t>
+            </a:r>
+          </a:p>
+          <a:p>
+            <a:pPr lvl="3"/>
+            <a:r>
+              <a:rPr lang="en-US"/>
+              <a:t>Fourth level</a:t>
+            </a:r>
+          </a:p>
+          <a:p>
+            <a:pPr lvl="4"/>
+            <a:r>
+              <a:rPr lang="en-US"/>
+              <a:t>Fifth level</a:t>
+            </a:r>
+          </a:p>
+        </p:txBody>
+      </p:sp>
+      <p:sp>
+        <p:nvSpPr>
+          <p:cNvPr id="4" name="Date Placeholder 3">
+            <a:extLst>
+              <a:ext uri="{FF2B5EF4-FFF2-40B4-BE49-F238E27FC236}">
+                <a16:creationId xmlns:a16="http://schemas.microsoft.com/office/drawing/2014/main" id="{63E0D610-77DF-C001-FA80-EF6EC71C348A}"/>
+              </a:ext>
+            </a:extLst>
+          </p:cNvPr>
+          <p:cNvSpPr>
+            <a:spLocks noGrp="1"/>
+          </p:cNvSpPr>
+          <p:nvPr>
+            <p:ph type="dt" sz="half" idx="10"/>
           </p:nvPr>
         </p:nvSpPr>
         <p:spPr/>
@@ -772,60 +931,9 @@
           <a:bodyPr/>
           <a:lstStyle/>
           <a:p>
-            <a:pPr lvl="0"/>
-            <a:r>
-              <a:rPr lang="en-US"/>
-              <a:t>Click to edit Master text styles</a:t>
-            </a:r>
-          </a:p>
-          <a:p>
-            <a:pPr lvl="1"/>
-            <a:r>
-              <a:rPr lang="en-US"/>
-              <a:t>Second level</a:t>
-            </a:r>
-          </a:p>
-          <a:p>
-            <a:pPr lvl="2"/>
-            <a:r>
-              <a:rPr lang="en-US"/>
-              <a:t>Third level</a:t>
-            </a:r>
-          </a:p>
-          <a:p>
-            <a:pPr lvl="3"/>
-            <a:r>
-              <a:rPr lang="en-US"/>
-              <a:t>Fourth level</a:t>
-            </a:r>
-          </a:p>
-          <a:p>
-            <a:pPr lvl="4"/>
-            <a:r>
-              <a:rPr lang="en-US"/>
-              <a:t>Fifth level</a:t>
-            </a:r>
-          </a:p>
-        </p:txBody>
-      </p:sp>
-      <p:sp>
-        <p:nvSpPr>
-          <p:cNvPr id="4" name="Date Placeholder 3"/>
-          <p:cNvSpPr>
-            <a:spLocks noGrp="1"/>
-          </p:cNvSpPr>
-          <p:nvPr>
-            <p:ph type="dt" sz="half" idx="10"/>
-          </p:nvPr>
-        </p:nvSpPr>
-        <p:spPr/>
-        <p:txBody>
-          <a:bodyPr/>
-          <a:lstStyle/>
-          <a:p>
-            <a:fld id="{241EB5C9-1307-BA42-ABA2-0BC069CD8E7F}" type="datetimeFigureOut">
+            <a:fld id="{51C7FE2C-DA85-4E39-95B4-502ED937E79A}" type="datetimeFigureOut">
               <a:rPr lang="en-US" smtClean="0"/>
-              <a:t>1/2/22</a:t>
+              <a:t>3/10/2023</a:t>
             </a:fld>
             <a:endParaRPr lang="en-US"/>
           </a:p>
@@ -833,7 +941,13 @@
       </p:sp>
       <p:sp>
         <p:nvSpPr>
-          <p:cNvPr id="5" name="Footer Placeholder 4"/>
+          <p:cNvPr id="5" name="Footer Placeholder 4">
+            <a:extLst>
+              <a:ext uri="{FF2B5EF4-FFF2-40B4-BE49-F238E27FC236}">
+                <a16:creationId xmlns:a16="http://schemas.microsoft.com/office/drawing/2014/main" id="{47741E6C-4F09-697D-D7FD-213A643EDECA}"/>
+              </a:ext>
+            </a:extLst>
+          </p:cNvPr>
           <p:cNvSpPr>
             <a:spLocks noGrp="1"/>
           </p:cNvSpPr>
@@ -852,7 +966,13 @@
       </p:sp>
       <p:sp>
         <p:nvSpPr>
-          <p:cNvPr id="6" name="Slide Number Placeholder 5"/>
+          <p:cNvPr id="6" name="Slide Number Placeholder 5">
+            <a:extLst>
+              <a:ext uri="{FF2B5EF4-FFF2-40B4-BE49-F238E27FC236}">
+                <a16:creationId xmlns:a16="http://schemas.microsoft.com/office/drawing/2014/main" id="{6055704E-333F-4090-6299-A784DFE68E11}"/>
+              </a:ext>
+            </a:extLst>
+          </p:cNvPr>
           <p:cNvSpPr>
             <a:spLocks noGrp="1"/>
           </p:cNvSpPr>
@@ -860,12 +980,23 @@
             <p:ph type="sldNum" sz="quarter" idx="12"/>
           </p:nvPr>
         </p:nvSpPr>
-        <p:spPr/>
-        <p:txBody>
-          <a:bodyPr/>
-          <a:lstStyle/>
-          <a:p>
-            <a:fld id="{C5EF2332-01BF-834F-8236-50238282D533}" type="slidenum">
+        <p:spPr>
+          <a:xfrm>
+            <a:off x="8610600" y="6356350"/>
+            <a:ext cx="2286000" cy="365125"/>
+          </a:xfrm>
+          <a:blipFill>
+            <a:blip r:embed="rId2"/>
+            <a:stretch>
+              <a:fillRect/>
+            </a:stretch>
+          </a:blipFill>
+        </p:spPr>
+        <p:txBody>
+          <a:bodyPr/>
+          <a:lstStyle/>
+          <a:p>
+            <a:fld id="{13715DC4-C36F-4655-84DB-209ED23B0D45}" type="slidenum">
               <a:rPr lang="en-US" smtClean="0"/>
               <a:t>‹#›</a:t>
             </a:fld>
@@ -876,7 +1007,7 @@
     </p:spTree>
     <p:extLst>
       <p:ext uri="{BB962C8B-B14F-4D97-AF65-F5344CB8AC3E}">
-        <p14:creationId xmlns:p14="http://schemas.microsoft.com/office/powerpoint/2010/main" val="338346009"/>
+        <p14:creationId xmlns:p14="http://schemas.microsoft.com/office/powerpoint/2010/main" val="1844432575"/>
       </p:ext>
     </p:extLst>
   </p:cSld>
@@ -889,6 +1020,14 @@
 <file path=ppt/slideLayouts/slideLayout3.xml><?xml version="1.0" encoding="utf-8"?>
 <p:sldLayout xmlns:a="http://schemas.openxmlformats.org/drawingml/2006/main" xmlns:r="http://schemas.openxmlformats.org/officeDocument/2006/relationships" xmlns:p="http://schemas.openxmlformats.org/presentationml/2006/main" type="secHead" preserve="1">
   <p:cSld name="Section Header">
+    <p:bg>
+      <p:bgPr>
+        <a:solidFill>
+          <a:srgbClr val="5E7875"/>
+        </a:solidFill>
+        <a:effectLst/>
+      </p:bgPr>
+    </p:bg>
     <p:spTree>
       <p:nvGrpSpPr>
         <p:cNvPr id="1" name=""/>
@@ -905,7 +1044,13 @@
       </p:grpSpPr>
       <p:sp>
         <p:nvSpPr>
-          <p:cNvPr id="2" name="Title 1"/>
+          <p:cNvPr id="2" name="Title 1">
+            <a:extLst>
+              <a:ext uri="{FF2B5EF4-FFF2-40B4-BE49-F238E27FC236}">
+                <a16:creationId xmlns:a16="http://schemas.microsoft.com/office/drawing/2014/main" id="{313CF7F6-A72D-2235-9D04-6360D37D7B7A}"/>
+              </a:ext>
+            </a:extLst>
+          </p:cNvPr>
           <p:cNvSpPr>
             <a:spLocks noGrp="1"/>
           </p:cNvSpPr>
@@ -915,57 +1060,65 @@
         </p:nvSpPr>
         <p:spPr>
           <a:xfrm>
-            <a:off x="722313" y="3305176"/>
-            <a:ext cx="7772400" cy="1021556"/>
+            <a:off x="831850" y="1709738"/>
+            <a:ext cx="10515600" cy="2852737"/>
           </a:xfrm>
         </p:spPr>
         <p:txBody>
-          <a:bodyPr anchor="t"/>
-          <a:lstStyle>
-            <a:lvl1pPr algn="l">
-              <a:defRPr sz="3000" b="1" cap="all"/>
-            </a:lvl1pPr>
-          </a:lstStyle>
-          <a:p>
-            <a:r>
-              <a:rPr lang="en-US"/>
-              <a:t>Click to edit Master title style</a:t>
-            </a:r>
-          </a:p>
-        </p:txBody>
-      </p:sp>
-      <p:sp>
-        <p:nvSpPr>
-          <p:cNvPr id="3" name="Text Placeholder 2"/>
-          <p:cNvSpPr>
-            <a:spLocks noGrp="1"/>
-          </p:cNvSpPr>
-          <p:nvPr>
-            <p:ph type="body" idx="1"/>
-          </p:nvPr>
-        </p:nvSpPr>
-        <p:spPr>
-          <a:xfrm>
-            <a:off x="722313" y="2180035"/>
-            <a:ext cx="7772400" cy="1125140"/>
-          </a:xfrm>
-        </p:spPr>
-        <p:txBody>
           <a:bodyPr anchor="b"/>
           <a:lstStyle>
-            <a:lvl1pPr marL="0" indent="0">
-              <a:buNone/>
-              <a:defRPr sz="1500">
+            <a:lvl1pPr>
+              <a:defRPr sz="6000">
                 <a:solidFill>
-                  <a:schemeClr val="tx1">
-                    <a:tint val="75000"/>
-                  </a:schemeClr>
+                  <a:srgbClr val="DEE3E4"/>
                 </a:solidFill>
               </a:defRPr>
             </a:lvl1pPr>
-            <a:lvl2pPr marL="342900" indent="0">
-              <a:buNone/>
-              <a:defRPr sz="1350">
+          </a:lstStyle>
+          <a:p>
+            <a:r>
+              <a:rPr lang="en-US"/>
+              <a:t>Click to edit Master title style</a:t>
+            </a:r>
+          </a:p>
+        </p:txBody>
+      </p:sp>
+      <p:sp>
+        <p:nvSpPr>
+          <p:cNvPr id="3" name="Text Placeholder 2">
+            <a:extLst>
+              <a:ext uri="{FF2B5EF4-FFF2-40B4-BE49-F238E27FC236}">
+                <a16:creationId xmlns:a16="http://schemas.microsoft.com/office/drawing/2014/main" id="{C2FC32B2-8A5A-E189-3943-A50FEEB7E740}"/>
+              </a:ext>
+            </a:extLst>
+          </p:cNvPr>
+          <p:cNvSpPr>
+            <a:spLocks noGrp="1"/>
+          </p:cNvSpPr>
+          <p:nvPr>
+            <p:ph type="body" idx="1"/>
+          </p:nvPr>
+        </p:nvSpPr>
+        <p:spPr>
+          <a:xfrm>
+            <a:off x="831850" y="4589463"/>
+            <a:ext cx="10515600" cy="1500187"/>
+          </a:xfrm>
+        </p:spPr>
+        <p:txBody>
+          <a:bodyPr/>
+          <a:lstStyle>
+            <a:lvl1pPr marL="0" indent="0">
+              <a:buNone/>
+              <a:defRPr sz="2400">
+                <a:solidFill>
+                  <a:srgbClr val="DEE3E4"/>
+                </a:solidFill>
+              </a:defRPr>
+            </a:lvl1pPr>
+            <a:lvl2pPr marL="457200" indent="0">
+              <a:buNone/>
+              <a:defRPr sz="2000">
                 <a:solidFill>
                   <a:schemeClr val="tx1">
                     <a:tint val="75000"/>
@@ -973,9 +1126,9 @@
                 </a:solidFill>
               </a:defRPr>
             </a:lvl2pPr>
-            <a:lvl3pPr marL="685800" indent="0">
-              <a:buNone/>
-              <a:defRPr sz="1200">
+            <a:lvl3pPr marL="914400" indent="0">
+              <a:buNone/>
+              <a:defRPr sz="1800">
                 <a:solidFill>
                   <a:schemeClr val="tx1">
                     <a:tint val="75000"/>
@@ -983,9 +1136,9 @@
                 </a:solidFill>
               </a:defRPr>
             </a:lvl3pPr>
-            <a:lvl4pPr marL="1028700" indent="0">
-              <a:buNone/>
-              <a:defRPr sz="1050">
+            <a:lvl4pPr marL="1371600" indent="0">
+              <a:buNone/>
+              <a:defRPr sz="1600">
                 <a:solidFill>
                   <a:schemeClr val="tx1">
                     <a:tint val="75000"/>
@@ -993,9 +1146,9 @@
                 </a:solidFill>
               </a:defRPr>
             </a:lvl4pPr>
-            <a:lvl5pPr marL="1371600" indent="0">
-              <a:buNone/>
-              <a:defRPr sz="1050">
+            <a:lvl5pPr marL="1828800" indent="0">
+              <a:buNone/>
+              <a:defRPr sz="1600">
                 <a:solidFill>
                   <a:schemeClr val="tx1">
                     <a:tint val="75000"/>
@@ -1003,9 +1156,9 @@
                 </a:solidFill>
               </a:defRPr>
             </a:lvl5pPr>
-            <a:lvl6pPr marL="1714500" indent="0">
-              <a:buNone/>
-              <a:defRPr sz="1050">
+            <a:lvl6pPr marL="2286000" indent="0">
+              <a:buNone/>
+              <a:defRPr sz="1600">
                 <a:solidFill>
                   <a:schemeClr val="tx1">
                     <a:tint val="75000"/>
@@ -1013,9 +1166,9 @@
                 </a:solidFill>
               </a:defRPr>
             </a:lvl6pPr>
-            <a:lvl7pPr marL="2057400" indent="0">
-              <a:buNone/>
-              <a:defRPr sz="1050">
+            <a:lvl7pPr marL="2743200" indent="0">
+              <a:buNone/>
+              <a:defRPr sz="1600">
                 <a:solidFill>
                   <a:schemeClr val="tx1">
                     <a:tint val="75000"/>
@@ -1023,9 +1176,9 @@
                 </a:solidFill>
               </a:defRPr>
             </a:lvl7pPr>
-            <a:lvl8pPr marL="2400300" indent="0">
-              <a:buNone/>
-              <a:defRPr sz="1050">
+            <a:lvl8pPr marL="3200400" indent="0">
+              <a:buNone/>
+              <a:defRPr sz="1600">
                 <a:solidFill>
                   <a:schemeClr val="tx1">
                     <a:tint val="75000"/>
@@ -1033,9 +1186,9 @@
                 </a:solidFill>
               </a:defRPr>
             </a:lvl8pPr>
-            <a:lvl9pPr marL="2743200" indent="0">
-              <a:buNone/>
-              <a:defRPr sz="1050">
+            <a:lvl9pPr marL="3657600" indent="0">
+              <a:buNone/>
+              <a:defRPr sz="1600">
                 <a:solidFill>
                   <a:schemeClr val="tx1">
                     <a:tint val="75000"/>
@@ -1055,7 +1208,13 @@
       </p:sp>
       <p:sp>
         <p:nvSpPr>
-          <p:cNvPr id="4" name="Date Placeholder 3"/>
+          <p:cNvPr id="4" name="Date Placeholder 3">
+            <a:extLst>
+              <a:ext uri="{FF2B5EF4-FFF2-40B4-BE49-F238E27FC236}">
+                <a16:creationId xmlns:a16="http://schemas.microsoft.com/office/drawing/2014/main" id="{ABD26B31-19E6-80B9-FCFF-53F48BC7B0AC}"/>
+              </a:ext>
+            </a:extLst>
+          </p:cNvPr>
           <p:cNvSpPr>
             <a:spLocks noGrp="1"/>
           </p:cNvSpPr>
@@ -1068,9 +1227,9 @@
           <a:bodyPr/>
           <a:lstStyle/>
           <a:p>
-            <a:fld id="{241EB5C9-1307-BA42-ABA2-0BC069CD8E7F}" type="datetimeFigureOut">
+            <a:fld id="{51C7FE2C-DA85-4E39-95B4-502ED937E79A}" type="datetimeFigureOut">
               <a:rPr lang="en-US" smtClean="0"/>
-              <a:t>1/2/22</a:t>
+              <a:t>3/10/2023</a:t>
             </a:fld>
             <a:endParaRPr lang="en-US"/>
           </a:p>
@@ -1078,7 +1237,13 @@
       </p:sp>
       <p:sp>
         <p:nvSpPr>
-          <p:cNvPr id="5" name="Footer Placeholder 4"/>
+          <p:cNvPr id="5" name="Footer Placeholder 4">
+            <a:extLst>
+              <a:ext uri="{FF2B5EF4-FFF2-40B4-BE49-F238E27FC236}">
+                <a16:creationId xmlns:a16="http://schemas.microsoft.com/office/drawing/2014/main" id="{1146FDA6-3637-4A58-D592-6C2DE2156975}"/>
+              </a:ext>
+            </a:extLst>
+          </p:cNvPr>
           <p:cNvSpPr>
             <a:spLocks noGrp="1"/>
           </p:cNvSpPr>
@@ -1086,31 +1251,48 @@
             <p:ph type="ftr" sz="quarter" idx="11"/>
           </p:nvPr>
         </p:nvSpPr>
+        <p:spPr>
+          <a:xfrm>
+            <a:off x="5913120" y="6356350"/>
+            <a:ext cx="365760" cy="365125"/>
+          </a:xfrm>
+          <a:blipFill>
+            <a:blip r:embed="rId2"/>
+            <a:stretch>
+              <a:fillRect/>
+            </a:stretch>
+          </a:blipFill>
+        </p:spPr>
+        <p:txBody>
+          <a:bodyPr/>
+          <a:lstStyle/>
+          <a:p>
+            <a:endParaRPr lang="en-US" dirty="0"/>
+          </a:p>
+        </p:txBody>
+      </p:sp>
+      <p:sp>
+        <p:nvSpPr>
+          <p:cNvPr id="6" name="Slide Number Placeholder 5">
+            <a:extLst>
+              <a:ext uri="{FF2B5EF4-FFF2-40B4-BE49-F238E27FC236}">
+                <a16:creationId xmlns:a16="http://schemas.microsoft.com/office/drawing/2014/main" id="{A63A93AA-1D39-3A38-C52C-586EE9C5C00F}"/>
+              </a:ext>
+            </a:extLst>
+          </p:cNvPr>
+          <p:cNvSpPr>
+            <a:spLocks noGrp="1"/>
+          </p:cNvSpPr>
+          <p:nvPr>
+            <p:ph type="sldNum" sz="quarter" idx="12"/>
+          </p:nvPr>
+        </p:nvSpPr>
         <p:spPr/>
         <p:txBody>
           <a:bodyPr/>
           <a:lstStyle/>
           <a:p>
-            <a:endParaRPr lang="en-US"/>
-          </a:p>
-        </p:txBody>
-      </p:sp>
-      <p:sp>
-        <p:nvSpPr>
-          <p:cNvPr id="6" name="Slide Number Placeholder 5"/>
-          <p:cNvSpPr>
-            <a:spLocks noGrp="1"/>
-          </p:cNvSpPr>
-          <p:nvPr>
-            <p:ph type="sldNum" sz="quarter" idx="12"/>
-          </p:nvPr>
-        </p:nvSpPr>
-        <p:spPr/>
-        <p:txBody>
-          <a:bodyPr/>
-          <a:lstStyle/>
-          <a:p>
-            <a:fld id="{C5EF2332-01BF-834F-8236-50238282D533}" type="slidenum">
+            <a:fld id="{13715DC4-C36F-4655-84DB-209ED23B0D45}" type="slidenum">
               <a:rPr lang="en-US" smtClean="0"/>
               <a:t>‹#›</a:t>
             </a:fld>
@@ -1121,7 +1303,7 @@
     </p:spTree>
     <p:extLst>
       <p:ext uri="{BB962C8B-B14F-4D97-AF65-F5344CB8AC3E}">
-        <p14:creationId xmlns:p14="http://schemas.microsoft.com/office/powerpoint/2010/main" val="1073069076"/>
+        <p14:creationId xmlns:p14="http://schemas.microsoft.com/office/powerpoint/2010/main" val="3227632720"/>
       </p:ext>
     </p:extLst>
   </p:cSld>
@@ -1150,7 +1332,13 @@
       </p:grpSpPr>
       <p:sp>
         <p:nvSpPr>
-          <p:cNvPr id="2" name="Title 1"/>
+          <p:cNvPr id="2" name="Title 1">
+            <a:extLst>
+              <a:ext uri="{FF2B5EF4-FFF2-40B4-BE49-F238E27FC236}">
+                <a16:creationId xmlns:a16="http://schemas.microsoft.com/office/drawing/2014/main" id="{F82F2AEB-7D2B-A4B8-74CA-6F6F05019BA2}"/>
+              </a:ext>
+            </a:extLst>
+          </p:cNvPr>
           <p:cNvSpPr>
             <a:spLocks noGrp="1"/>
           </p:cNvSpPr>
@@ -1158,10 +1346,22 @@
             <p:ph type="title"/>
           </p:nvPr>
         </p:nvSpPr>
-        <p:spPr/>
-        <p:txBody>
-          <a:bodyPr/>
-          <a:lstStyle/>
+        <p:spPr>
+          <a:solidFill>
+            <a:srgbClr val="5E7875"/>
+          </a:solidFill>
+        </p:spPr>
+        <p:txBody>
+          <a:bodyPr/>
+          <a:lstStyle>
+            <a:lvl1pPr>
+              <a:defRPr>
+                <a:solidFill>
+                  <a:srgbClr val="DEE3E4"/>
+                </a:solidFill>
+              </a:defRPr>
+            </a:lvl1pPr>
+          </a:lstStyle>
           <a:p>
             <a:r>
               <a:rPr lang="en-US"/>
@@ -1172,7 +1372,13 @@
       </p:sp>
       <p:sp>
         <p:nvSpPr>
-          <p:cNvPr id="3" name="Content Placeholder 2"/>
+          <p:cNvPr id="3" name="Content Placeholder 2">
+            <a:extLst>
+              <a:ext uri="{FF2B5EF4-FFF2-40B4-BE49-F238E27FC236}">
+                <a16:creationId xmlns:a16="http://schemas.microsoft.com/office/drawing/2014/main" id="{920DB76B-AE48-88E5-8146-33493A65D336}"/>
+              </a:ext>
+            </a:extLst>
+          </p:cNvPr>
           <p:cNvSpPr>
             <a:spLocks noGrp="1"/>
           </p:cNvSpPr>
@@ -1182,41 +1388,13 @@
         </p:nvSpPr>
         <p:spPr>
           <a:xfrm>
-            <a:off x="457200" y="1200151"/>
-            <a:ext cx="4038600" cy="3394472"/>
+            <a:off x="838200" y="1825625"/>
+            <a:ext cx="5181600" cy="4351338"/>
           </a:xfrm>
         </p:spPr>
         <p:txBody>
           <a:bodyPr/>
-          <a:lstStyle>
-            <a:lvl1pPr>
-              <a:defRPr sz="2100"/>
-            </a:lvl1pPr>
-            <a:lvl2pPr>
-              <a:defRPr sz="1800"/>
-            </a:lvl2pPr>
-            <a:lvl3pPr>
-              <a:defRPr sz="1500"/>
-            </a:lvl3pPr>
-            <a:lvl4pPr>
-              <a:defRPr sz="1350"/>
-            </a:lvl4pPr>
-            <a:lvl5pPr>
-              <a:defRPr sz="1350"/>
-            </a:lvl5pPr>
-            <a:lvl6pPr>
-              <a:defRPr sz="1350"/>
-            </a:lvl6pPr>
-            <a:lvl7pPr>
-              <a:defRPr sz="1350"/>
-            </a:lvl7pPr>
-            <a:lvl8pPr>
-              <a:defRPr sz="1350"/>
-            </a:lvl8pPr>
-            <a:lvl9pPr>
-              <a:defRPr sz="1350"/>
-            </a:lvl9pPr>
-          </a:lstStyle>
+          <a:lstStyle/>
           <a:p>
             <a:pPr lvl="0"/>
             <a:r>
@@ -1256,7 +1434,13 @@
       </p:sp>
       <p:sp>
         <p:nvSpPr>
-          <p:cNvPr id="4" name="Content Placeholder 3"/>
+          <p:cNvPr id="4" name="Content Placeholder 3">
+            <a:extLst>
+              <a:ext uri="{FF2B5EF4-FFF2-40B4-BE49-F238E27FC236}">
+                <a16:creationId xmlns:a16="http://schemas.microsoft.com/office/drawing/2014/main" id="{06B04C2E-D624-75AD-15D0-BBDC10FA0D9B}"/>
+              </a:ext>
+            </a:extLst>
+          </p:cNvPr>
           <p:cNvSpPr>
             <a:spLocks noGrp="1"/>
           </p:cNvSpPr>
@@ -1266,41 +1450,13 @@
         </p:nvSpPr>
         <p:spPr>
           <a:xfrm>
-            <a:off x="4648200" y="1200151"/>
-            <a:ext cx="4038600" cy="3394472"/>
+            <a:off x="6172200" y="1825625"/>
+            <a:ext cx="5181600" cy="4351338"/>
           </a:xfrm>
         </p:spPr>
         <p:txBody>
           <a:bodyPr/>
-          <a:lstStyle>
-            <a:lvl1pPr>
-              <a:defRPr sz="2100"/>
-            </a:lvl1pPr>
-            <a:lvl2pPr>
-              <a:defRPr sz="1800"/>
-            </a:lvl2pPr>
-            <a:lvl3pPr>
-              <a:defRPr sz="1500"/>
-            </a:lvl3pPr>
-            <a:lvl4pPr>
-              <a:defRPr sz="1350"/>
-            </a:lvl4pPr>
-            <a:lvl5pPr>
-              <a:defRPr sz="1350"/>
-            </a:lvl5pPr>
-            <a:lvl6pPr>
-              <a:defRPr sz="1350"/>
-            </a:lvl6pPr>
-            <a:lvl7pPr>
-              <a:defRPr sz="1350"/>
-            </a:lvl7pPr>
-            <a:lvl8pPr>
-              <a:defRPr sz="1350"/>
-            </a:lvl8pPr>
-            <a:lvl9pPr>
-              <a:defRPr sz="1350"/>
-            </a:lvl9pPr>
-          </a:lstStyle>
+          <a:lstStyle/>
           <a:p>
             <a:pPr lvl="0"/>
             <a:r>
@@ -1340,7 +1496,13 @@
       </p:sp>
       <p:sp>
         <p:nvSpPr>
-          <p:cNvPr id="5" name="Date Placeholder 4"/>
+          <p:cNvPr id="5" name="Date Placeholder 4">
+            <a:extLst>
+              <a:ext uri="{FF2B5EF4-FFF2-40B4-BE49-F238E27FC236}">
+                <a16:creationId xmlns:a16="http://schemas.microsoft.com/office/drawing/2014/main" id="{9A25EC27-0CFA-C246-F786-1D9D84E35381}"/>
+              </a:ext>
+            </a:extLst>
+          </p:cNvPr>
           <p:cNvSpPr>
             <a:spLocks noGrp="1"/>
           </p:cNvSpPr>
@@ -1353,9 +1515,9 @@
           <a:bodyPr/>
           <a:lstStyle/>
           <a:p>
-            <a:fld id="{241EB5C9-1307-BA42-ABA2-0BC069CD8E7F}" type="datetimeFigureOut">
+            <a:fld id="{51C7FE2C-DA85-4E39-95B4-502ED937E79A}" type="datetimeFigureOut">
               <a:rPr lang="en-US" smtClean="0"/>
-              <a:t>1/2/22</a:t>
+              <a:t>3/10/2023</a:t>
             </a:fld>
             <a:endParaRPr lang="en-US"/>
           </a:p>
@@ -1363,7 +1525,13 @@
       </p:sp>
       <p:sp>
         <p:nvSpPr>
-          <p:cNvPr id="6" name="Footer Placeholder 5"/>
+          <p:cNvPr id="6" name="Footer Placeholder 5">
+            <a:extLst>
+              <a:ext uri="{FF2B5EF4-FFF2-40B4-BE49-F238E27FC236}">
+                <a16:creationId xmlns:a16="http://schemas.microsoft.com/office/drawing/2014/main" id="{1056CF34-DC7D-5145-2D47-E0B1FC91795F}"/>
+              </a:ext>
+            </a:extLst>
+          </p:cNvPr>
           <p:cNvSpPr>
             <a:spLocks noGrp="1"/>
           </p:cNvSpPr>
@@ -1382,7 +1550,13 @@
       </p:sp>
       <p:sp>
         <p:nvSpPr>
-          <p:cNvPr id="7" name="Slide Number Placeholder 6"/>
+          <p:cNvPr id="7" name="Slide Number Placeholder 6">
+            <a:extLst>
+              <a:ext uri="{FF2B5EF4-FFF2-40B4-BE49-F238E27FC236}">
+                <a16:creationId xmlns:a16="http://schemas.microsoft.com/office/drawing/2014/main" id="{DFF923D7-F270-9B68-679C-0BF2441EE24B}"/>
+              </a:ext>
+            </a:extLst>
+          </p:cNvPr>
           <p:cNvSpPr>
             <a:spLocks noGrp="1"/>
           </p:cNvSpPr>
@@ -1395,7 +1569,7 @@
           <a:bodyPr/>
           <a:lstStyle/>
           <a:p>
-            <a:fld id="{C5EF2332-01BF-834F-8236-50238282D533}" type="slidenum">
+            <a:fld id="{13715DC4-C36F-4655-84DB-209ED23B0D45}" type="slidenum">
               <a:rPr lang="en-US" smtClean="0"/>
               <a:t>‹#›</a:t>
             </a:fld>
@@ -1406,7 +1580,7 @@
     </p:spTree>
     <p:extLst>
       <p:ext uri="{BB962C8B-B14F-4D97-AF65-F5344CB8AC3E}">
-        <p14:creationId xmlns:p14="http://schemas.microsoft.com/office/powerpoint/2010/main" val="2619886245"/>
+        <p14:creationId xmlns:p14="http://schemas.microsoft.com/office/powerpoint/2010/main" val="2385310623"/>
       </p:ext>
     </p:extLst>
   </p:cSld>
@@ -1435,7 +1609,13 @@
       </p:grpSpPr>
       <p:sp>
         <p:nvSpPr>
-          <p:cNvPr id="2" name="Title 1"/>
+          <p:cNvPr id="2" name="Title 1">
+            <a:extLst>
+              <a:ext uri="{FF2B5EF4-FFF2-40B4-BE49-F238E27FC236}">
+                <a16:creationId xmlns:a16="http://schemas.microsoft.com/office/drawing/2014/main" id="{1D4BB983-43AC-99AF-06DB-4B57B2D75A4F}"/>
+              </a:ext>
+            </a:extLst>
+          </p:cNvPr>
           <p:cNvSpPr>
             <a:spLocks noGrp="1"/>
           </p:cNvSpPr>
@@ -1443,12 +1623,24 @@
             <p:ph type="title"/>
           </p:nvPr>
         </p:nvSpPr>
-        <p:spPr/>
+        <p:spPr>
+          <a:xfrm>
+            <a:off x="839788" y="365125"/>
+            <a:ext cx="10515600" cy="1325563"/>
+          </a:xfrm>
+          <a:solidFill>
+            <a:srgbClr val="5E7875"/>
+          </a:solidFill>
+        </p:spPr>
         <p:txBody>
           <a:bodyPr/>
           <a:lstStyle>
             <a:lvl1pPr>
-              <a:defRPr/>
+              <a:defRPr>
+                <a:solidFill>
+                  <a:srgbClr val="DEE3E4"/>
+                </a:solidFill>
+              </a:defRPr>
             </a:lvl1pPr>
           </a:lstStyle>
           <a:p>
@@ -1461,7 +1653,13 @@
       </p:sp>
       <p:sp>
         <p:nvSpPr>
-          <p:cNvPr id="3" name="Text Placeholder 2"/>
+          <p:cNvPr id="3" name="Text Placeholder 2">
+            <a:extLst>
+              <a:ext uri="{FF2B5EF4-FFF2-40B4-BE49-F238E27FC236}">
+                <a16:creationId xmlns:a16="http://schemas.microsoft.com/office/drawing/2014/main" id="{9C08049B-408C-EEF6-0719-3BD2461B5696}"/>
+              </a:ext>
+            </a:extLst>
+          </p:cNvPr>
           <p:cNvSpPr>
             <a:spLocks noGrp="1"/>
           </p:cNvSpPr>
@@ -1471,8 +1669,8 @@
         </p:nvSpPr>
         <p:spPr>
           <a:xfrm>
-            <a:off x="457200" y="1151335"/>
-            <a:ext cx="4040188" cy="479822"/>
+            <a:off x="839788" y="1681163"/>
+            <a:ext cx="5157787" cy="823912"/>
           </a:xfrm>
         </p:spPr>
         <p:txBody>
@@ -1480,39 +1678,39 @@
           <a:lstStyle>
             <a:lvl1pPr marL="0" indent="0">
               <a:buNone/>
+              <a:defRPr sz="2400" b="1"/>
+            </a:lvl1pPr>
+            <a:lvl2pPr marL="457200" indent="0">
+              <a:buNone/>
+              <a:defRPr sz="2000" b="1"/>
+            </a:lvl2pPr>
+            <a:lvl3pPr marL="914400" indent="0">
+              <a:buNone/>
               <a:defRPr sz="1800" b="1"/>
-            </a:lvl1pPr>
-            <a:lvl2pPr marL="342900" indent="0">
-              <a:buNone/>
-              <a:defRPr sz="1500" b="1"/>
-            </a:lvl2pPr>
-            <a:lvl3pPr marL="685800" indent="0">
-              <a:buNone/>
-              <a:defRPr sz="1350" b="1"/>
             </a:lvl3pPr>
-            <a:lvl4pPr marL="1028700" indent="0">
-              <a:buNone/>
-              <a:defRPr sz="1200" b="1"/>
+            <a:lvl4pPr marL="1371600" indent="0">
+              <a:buNone/>
+              <a:defRPr sz="1600" b="1"/>
             </a:lvl4pPr>
-            <a:lvl5pPr marL="1371600" indent="0">
-              <a:buNone/>
-              <a:defRPr sz="1200" b="1"/>
+            <a:lvl5pPr marL="1828800" indent="0">
+              <a:buNone/>
+              <a:defRPr sz="1600" b="1"/>
             </a:lvl5pPr>
-            <a:lvl6pPr marL="1714500" indent="0">
-              <a:buNone/>
-              <a:defRPr sz="1200" b="1"/>
+            <a:lvl6pPr marL="2286000" indent="0">
+              <a:buNone/>
+              <a:defRPr sz="1600" b="1"/>
             </a:lvl6pPr>
-            <a:lvl7pPr marL="2057400" indent="0">
-              <a:buNone/>
-              <a:defRPr sz="1200" b="1"/>
+            <a:lvl7pPr marL="2743200" indent="0">
+              <a:buNone/>
+              <a:defRPr sz="1600" b="1"/>
             </a:lvl7pPr>
-            <a:lvl8pPr marL="2400300" indent="0">
-              <a:buNone/>
-              <a:defRPr sz="1200" b="1"/>
+            <a:lvl8pPr marL="3200400" indent="0">
+              <a:buNone/>
+              <a:defRPr sz="1600" b="1"/>
             </a:lvl8pPr>
-            <a:lvl9pPr marL="2743200" indent="0">
-              <a:buNone/>
-              <a:defRPr sz="1200" b="1"/>
+            <a:lvl9pPr marL="3657600" indent="0">
+              <a:buNone/>
+              <a:defRPr sz="1600" b="1"/>
             </a:lvl9pPr>
           </a:lstStyle>
           <a:p>
@@ -1526,7 +1724,13 @@
       </p:sp>
       <p:sp>
         <p:nvSpPr>
-          <p:cNvPr id="4" name="Content Placeholder 3"/>
+          <p:cNvPr id="4" name="Content Placeholder 3">
+            <a:extLst>
+              <a:ext uri="{FF2B5EF4-FFF2-40B4-BE49-F238E27FC236}">
+                <a16:creationId xmlns:a16="http://schemas.microsoft.com/office/drawing/2014/main" id="{C9CD3E2F-EE9B-9D4D-460F-F0C5E4BDC705}"/>
+              </a:ext>
+            </a:extLst>
+          </p:cNvPr>
           <p:cNvSpPr>
             <a:spLocks noGrp="1"/>
           </p:cNvSpPr>
@@ -1536,41 +1740,13 @@
         </p:nvSpPr>
         <p:spPr>
           <a:xfrm>
-            <a:off x="457200" y="1631156"/>
-            <a:ext cx="4040188" cy="2963466"/>
+            <a:off x="839788" y="2505075"/>
+            <a:ext cx="5157787" cy="3684588"/>
           </a:xfrm>
         </p:spPr>
         <p:txBody>
           <a:bodyPr/>
-          <a:lstStyle>
-            <a:lvl1pPr>
-              <a:defRPr sz="1800"/>
-            </a:lvl1pPr>
-            <a:lvl2pPr>
-              <a:defRPr sz="1500"/>
-            </a:lvl2pPr>
-            <a:lvl3pPr>
-              <a:defRPr sz="1350"/>
-            </a:lvl3pPr>
-            <a:lvl4pPr>
-              <a:defRPr sz="1200"/>
-            </a:lvl4pPr>
-            <a:lvl5pPr>
-              <a:defRPr sz="1200"/>
-            </a:lvl5pPr>
-            <a:lvl6pPr>
-              <a:defRPr sz="1200"/>
-            </a:lvl6pPr>
-            <a:lvl7pPr>
-              <a:defRPr sz="1200"/>
-            </a:lvl7pPr>
-            <a:lvl8pPr>
-              <a:defRPr sz="1200"/>
-            </a:lvl8pPr>
-            <a:lvl9pPr>
-              <a:defRPr sz="1200"/>
-            </a:lvl9pPr>
-          </a:lstStyle>
+          <a:lstStyle/>
           <a:p>
             <a:pPr lvl="0"/>
             <a:r>
@@ -1610,7 +1786,13 @@
       </p:sp>
       <p:sp>
         <p:nvSpPr>
-          <p:cNvPr id="5" name="Text Placeholder 4"/>
+          <p:cNvPr id="5" name="Text Placeholder 4">
+            <a:extLst>
+              <a:ext uri="{FF2B5EF4-FFF2-40B4-BE49-F238E27FC236}">
+                <a16:creationId xmlns:a16="http://schemas.microsoft.com/office/drawing/2014/main" id="{287647F6-3628-F4EC-482A-88B00AD9C3CF}"/>
+              </a:ext>
+            </a:extLst>
+          </p:cNvPr>
           <p:cNvSpPr>
             <a:spLocks noGrp="1"/>
           </p:cNvSpPr>
@@ -1620,8 +1802,8 @@
         </p:nvSpPr>
         <p:spPr>
           <a:xfrm>
-            <a:off x="4645026" y="1151335"/>
-            <a:ext cx="4041775" cy="479822"/>
+            <a:off x="6172200" y="1681163"/>
+            <a:ext cx="5183188" cy="823912"/>
           </a:xfrm>
         </p:spPr>
         <p:txBody>
@@ -1629,39 +1811,39 @@
           <a:lstStyle>
             <a:lvl1pPr marL="0" indent="0">
               <a:buNone/>
+              <a:defRPr sz="2400" b="1"/>
+            </a:lvl1pPr>
+            <a:lvl2pPr marL="457200" indent="0">
+              <a:buNone/>
+              <a:defRPr sz="2000" b="1"/>
+            </a:lvl2pPr>
+            <a:lvl3pPr marL="914400" indent="0">
+              <a:buNone/>
               <a:defRPr sz="1800" b="1"/>
-            </a:lvl1pPr>
-            <a:lvl2pPr marL="342900" indent="0">
-              <a:buNone/>
-              <a:defRPr sz="1500" b="1"/>
-            </a:lvl2pPr>
-            <a:lvl3pPr marL="685800" indent="0">
-              <a:buNone/>
-              <a:defRPr sz="1350" b="1"/>
             </a:lvl3pPr>
-            <a:lvl4pPr marL="1028700" indent="0">
-              <a:buNone/>
-              <a:defRPr sz="1200" b="1"/>
+            <a:lvl4pPr marL="1371600" indent="0">
+              <a:buNone/>
+              <a:defRPr sz="1600" b="1"/>
             </a:lvl4pPr>
-            <a:lvl5pPr marL="1371600" indent="0">
-              <a:buNone/>
-              <a:defRPr sz="1200" b="1"/>
+            <a:lvl5pPr marL="1828800" indent="0">
+              <a:buNone/>
+              <a:defRPr sz="1600" b="1"/>
             </a:lvl5pPr>
-            <a:lvl6pPr marL="1714500" indent="0">
-              <a:buNone/>
-              <a:defRPr sz="1200" b="1"/>
+            <a:lvl6pPr marL="2286000" indent="0">
+              <a:buNone/>
+              <a:defRPr sz="1600" b="1"/>
             </a:lvl6pPr>
-            <a:lvl7pPr marL="2057400" indent="0">
-              <a:buNone/>
-              <a:defRPr sz="1200" b="1"/>
+            <a:lvl7pPr marL="2743200" indent="0">
+              <a:buNone/>
+              <a:defRPr sz="1600" b="1"/>
             </a:lvl7pPr>
-            <a:lvl8pPr marL="2400300" indent="0">
-              <a:buNone/>
-              <a:defRPr sz="1200" b="1"/>
+            <a:lvl8pPr marL="3200400" indent="0">
+              <a:buNone/>
+              <a:defRPr sz="1600" b="1"/>
             </a:lvl8pPr>
-            <a:lvl9pPr marL="2743200" indent="0">
-              <a:buNone/>
-              <a:defRPr sz="1200" b="1"/>
+            <a:lvl9pPr marL="3657600" indent="0">
+              <a:buNone/>
+              <a:defRPr sz="1600" b="1"/>
             </a:lvl9pPr>
           </a:lstStyle>
           <a:p>
@@ -1675,7 +1857,13 @@
       </p:sp>
       <p:sp>
         <p:nvSpPr>
-          <p:cNvPr id="6" name="Content Placeholder 5"/>
+          <p:cNvPr id="6" name="Content Placeholder 5">
+            <a:extLst>
+              <a:ext uri="{FF2B5EF4-FFF2-40B4-BE49-F238E27FC236}">
+                <a16:creationId xmlns:a16="http://schemas.microsoft.com/office/drawing/2014/main" id="{CA988356-F317-B633-E113-B6F759E54F5A}"/>
+              </a:ext>
+            </a:extLst>
+          </p:cNvPr>
           <p:cNvSpPr>
             <a:spLocks noGrp="1"/>
           </p:cNvSpPr>
@@ -1685,41 +1873,13 @@
         </p:nvSpPr>
         <p:spPr>
           <a:xfrm>
-            <a:off x="4645026" y="1631156"/>
-            <a:ext cx="4041775" cy="2963466"/>
+            <a:off x="6172200" y="2505075"/>
+            <a:ext cx="5183188" cy="3684588"/>
           </a:xfrm>
         </p:spPr>
         <p:txBody>
           <a:bodyPr/>
-          <a:lstStyle>
-            <a:lvl1pPr>
-              <a:defRPr sz="1800"/>
-            </a:lvl1pPr>
-            <a:lvl2pPr>
-              <a:defRPr sz="1500"/>
-            </a:lvl2pPr>
-            <a:lvl3pPr>
-              <a:defRPr sz="1350"/>
-            </a:lvl3pPr>
-            <a:lvl4pPr>
-              <a:defRPr sz="1200"/>
-            </a:lvl4pPr>
-            <a:lvl5pPr>
-              <a:defRPr sz="1200"/>
-            </a:lvl5pPr>
-            <a:lvl6pPr>
-              <a:defRPr sz="1200"/>
-            </a:lvl6pPr>
-            <a:lvl7pPr>
-              <a:defRPr sz="1200"/>
-            </a:lvl7pPr>
-            <a:lvl8pPr>
-              <a:defRPr sz="1200"/>
-            </a:lvl8pPr>
-            <a:lvl9pPr>
-              <a:defRPr sz="1200"/>
-            </a:lvl9pPr>
-          </a:lstStyle>
+          <a:lstStyle/>
           <a:p>
             <a:pPr lvl="0"/>
             <a:r>
@@ -1759,7 +1919,13 @@
       </p:sp>
       <p:sp>
         <p:nvSpPr>
-          <p:cNvPr id="7" name="Date Placeholder 6"/>
+          <p:cNvPr id="7" name="Date Placeholder 6">
+            <a:extLst>
+              <a:ext uri="{FF2B5EF4-FFF2-40B4-BE49-F238E27FC236}">
+                <a16:creationId xmlns:a16="http://schemas.microsoft.com/office/drawing/2014/main" id="{68B68E89-8591-3FFA-1CC8-F701168DE25E}"/>
+              </a:ext>
+            </a:extLst>
+          </p:cNvPr>
           <p:cNvSpPr>
             <a:spLocks noGrp="1"/>
           </p:cNvSpPr>
@@ -1772,9 +1938,9 @@
           <a:bodyPr/>
           <a:lstStyle/>
           <a:p>
-            <a:fld id="{241EB5C9-1307-BA42-ABA2-0BC069CD8E7F}" type="datetimeFigureOut">
+            <a:fld id="{51C7FE2C-DA85-4E39-95B4-502ED937E79A}" type="datetimeFigureOut">
               <a:rPr lang="en-US" smtClean="0"/>
-              <a:t>1/2/22</a:t>
+              <a:t>3/10/2023</a:t>
             </a:fld>
             <a:endParaRPr lang="en-US"/>
           </a:p>
@@ -1782,7 +1948,13 @@
       </p:sp>
       <p:sp>
         <p:nvSpPr>
-          <p:cNvPr id="8" name="Footer Placeholder 7"/>
+          <p:cNvPr id="8" name="Footer Placeholder 7">
+            <a:extLst>
+              <a:ext uri="{FF2B5EF4-FFF2-40B4-BE49-F238E27FC236}">
+                <a16:creationId xmlns:a16="http://schemas.microsoft.com/office/drawing/2014/main" id="{88517DE0-35DD-CE49-220B-A57AE49D3FF0}"/>
+              </a:ext>
+            </a:extLst>
+          </p:cNvPr>
           <p:cNvSpPr>
             <a:spLocks noGrp="1"/>
           </p:cNvSpPr>
@@ -1801,7 +1973,13 @@
       </p:sp>
       <p:sp>
         <p:nvSpPr>
-          <p:cNvPr id="9" name="Slide Number Placeholder 8"/>
+          <p:cNvPr id="9" name="Slide Number Placeholder 8">
+            <a:extLst>
+              <a:ext uri="{FF2B5EF4-FFF2-40B4-BE49-F238E27FC236}">
+                <a16:creationId xmlns:a16="http://schemas.microsoft.com/office/drawing/2014/main" id="{6B21459F-B421-6D3B-F0F1-751BD882DFFA}"/>
+              </a:ext>
+            </a:extLst>
+          </p:cNvPr>
           <p:cNvSpPr>
             <a:spLocks noGrp="1"/>
           </p:cNvSpPr>
@@ -1809,12 +1987,23 @@
             <p:ph type="sldNum" sz="quarter" idx="12"/>
           </p:nvPr>
         </p:nvSpPr>
-        <p:spPr/>
-        <p:txBody>
-          <a:bodyPr/>
-          <a:lstStyle/>
-          <a:p>
-            <a:fld id="{C5EF2332-01BF-834F-8236-50238282D533}" type="slidenum">
+        <p:spPr>
+          <a:xfrm>
+            <a:off x="8610600" y="6356350"/>
+            <a:ext cx="2286000" cy="365125"/>
+          </a:xfrm>
+          <a:blipFill>
+            <a:blip r:embed="rId2"/>
+            <a:stretch>
+              <a:fillRect/>
+            </a:stretch>
+          </a:blipFill>
+        </p:spPr>
+        <p:txBody>
+          <a:bodyPr/>
+          <a:lstStyle/>
+          <a:p>
+            <a:fld id="{13715DC4-C36F-4655-84DB-209ED23B0D45}" type="slidenum">
               <a:rPr lang="en-US" smtClean="0"/>
               <a:t>‹#›</a:t>
             </a:fld>
@@ -1825,7 +2014,7 @@
     </p:spTree>
     <p:extLst>
       <p:ext uri="{BB962C8B-B14F-4D97-AF65-F5344CB8AC3E}">
-        <p14:creationId xmlns:p14="http://schemas.microsoft.com/office/powerpoint/2010/main" val="2535793967"/>
+        <p14:creationId xmlns:p14="http://schemas.microsoft.com/office/powerpoint/2010/main" val="2557957578"/>
       </p:ext>
     </p:extLst>
   </p:cSld>
@@ -1854,7 +2043,13 @@
       </p:grpSpPr>
       <p:sp>
         <p:nvSpPr>
-          <p:cNvPr id="2" name="Title 1"/>
+          <p:cNvPr id="2" name="Title 1">
+            <a:extLst>
+              <a:ext uri="{FF2B5EF4-FFF2-40B4-BE49-F238E27FC236}">
+                <a16:creationId xmlns:a16="http://schemas.microsoft.com/office/drawing/2014/main" id="{23A425E2-17B2-8456-196A-C095E8245948}"/>
+              </a:ext>
+            </a:extLst>
+          </p:cNvPr>
           <p:cNvSpPr>
             <a:spLocks noGrp="1"/>
           </p:cNvSpPr>
@@ -1862,36 +2057,54 @@
             <p:ph type="title"/>
           </p:nvPr>
         </p:nvSpPr>
+        <p:spPr>
+          <a:solidFill>
+            <a:srgbClr val="5E7875"/>
+          </a:solidFill>
+        </p:spPr>
+        <p:txBody>
+          <a:bodyPr/>
+          <a:lstStyle>
+            <a:lvl1pPr>
+              <a:defRPr>
+                <a:solidFill>
+                  <a:srgbClr val="DEE3E4"/>
+                </a:solidFill>
+              </a:defRPr>
+            </a:lvl1pPr>
+          </a:lstStyle>
+          <a:p>
+            <a:r>
+              <a:rPr lang="en-US"/>
+              <a:t>Click to edit Master title style</a:t>
+            </a:r>
+          </a:p>
+        </p:txBody>
+      </p:sp>
+      <p:sp>
+        <p:nvSpPr>
+          <p:cNvPr id="3" name="Date Placeholder 2">
+            <a:extLst>
+              <a:ext uri="{FF2B5EF4-FFF2-40B4-BE49-F238E27FC236}">
+                <a16:creationId xmlns:a16="http://schemas.microsoft.com/office/drawing/2014/main" id="{BCC327CC-F2BB-27F4-472B-F8105D446371}"/>
+              </a:ext>
+            </a:extLst>
+          </p:cNvPr>
+          <p:cNvSpPr>
+            <a:spLocks noGrp="1"/>
+          </p:cNvSpPr>
+          <p:nvPr>
+            <p:ph type="dt" sz="half" idx="10"/>
+          </p:nvPr>
+        </p:nvSpPr>
         <p:spPr/>
         <p:txBody>
           <a:bodyPr/>
           <a:lstStyle/>
           <a:p>
-            <a:r>
-              <a:rPr lang="en-US"/>
-              <a:t>Click to edit Master title style</a:t>
-            </a:r>
-          </a:p>
-        </p:txBody>
-      </p:sp>
-      <p:sp>
-        <p:nvSpPr>
-          <p:cNvPr id="3" name="Date Placeholder 2"/>
-          <p:cNvSpPr>
-            <a:spLocks noGrp="1"/>
-          </p:cNvSpPr>
-          <p:nvPr>
-            <p:ph type="dt" sz="half" idx="10"/>
-          </p:nvPr>
-        </p:nvSpPr>
-        <p:spPr/>
-        <p:txBody>
-          <a:bodyPr/>
-          <a:lstStyle/>
-          <a:p>
-            <a:fld id="{241EB5C9-1307-BA42-ABA2-0BC069CD8E7F}" type="datetimeFigureOut">
+            <a:fld id="{51C7FE2C-DA85-4E39-95B4-502ED937E79A}" type="datetimeFigureOut">
               <a:rPr lang="en-US" smtClean="0"/>
-              <a:t>1/2/22</a:t>
+              <a:t>3/10/2023</a:t>
             </a:fld>
             <a:endParaRPr lang="en-US"/>
           </a:p>
@@ -1899,7 +2112,13 @@
       </p:sp>
       <p:sp>
         <p:nvSpPr>
-          <p:cNvPr id="4" name="Footer Placeholder 3"/>
+          <p:cNvPr id="4" name="Footer Placeholder 3">
+            <a:extLst>
+              <a:ext uri="{FF2B5EF4-FFF2-40B4-BE49-F238E27FC236}">
+                <a16:creationId xmlns:a16="http://schemas.microsoft.com/office/drawing/2014/main" id="{7FBDA940-6ACB-95EE-C6AF-9CD389FA623E}"/>
+              </a:ext>
+            </a:extLst>
+          </p:cNvPr>
           <p:cNvSpPr>
             <a:spLocks noGrp="1"/>
           </p:cNvSpPr>
@@ -1918,7 +2137,13 @@
       </p:sp>
       <p:sp>
         <p:nvSpPr>
-          <p:cNvPr id="5" name="Slide Number Placeholder 4"/>
+          <p:cNvPr id="5" name="Slide Number Placeholder 4">
+            <a:extLst>
+              <a:ext uri="{FF2B5EF4-FFF2-40B4-BE49-F238E27FC236}">
+                <a16:creationId xmlns:a16="http://schemas.microsoft.com/office/drawing/2014/main" id="{45A13EDF-FBAB-3CCD-12D8-7B94F8AA7483}"/>
+              </a:ext>
+            </a:extLst>
+          </p:cNvPr>
           <p:cNvSpPr>
             <a:spLocks noGrp="1"/>
           </p:cNvSpPr>
@@ -1926,12 +2151,23 @@
             <p:ph type="sldNum" sz="quarter" idx="12"/>
           </p:nvPr>
         </p:nvSpPr>
-        <p:spPr/>
-        <p:txBody>
-          <a:bodyPr/>
-          <a:lstStyle/>
-          <a:p>
-            <a:fld id="{C5EF2332-01BF-834F-8236-50238282D533}" type="slidenum">
+        <p:spPr>
+          <a:xfrm>
+            <a:off x="8610600" y="6356350"/>
+            <a:ext cx="2286000" cy="365125"/>
+          </a:xfrm>
+          <a:blipFill>
+            <a:blip r:embed="rId2"/>
+            <a:stretch>
+              <a:fillRect/>
+            </a:stretch>
+          </a:blipFill>
+        </p:spPr>
+        <p:txBody>
+          <a:bodyPr/>
+          <a:lstStyle/>
+          <a:p>
+            <a:fld id="{13715DC4-C36F-4655-84DB-209ED23B0D45}" type="slidenum">
               <a:rPr lang="en-US" smtClean="0"/>
               <a:t>‹#›</a:t>
             </a:fld>
@@ -1942,7 +2178,7 @@
     </p:spTree>
     <p:extLst>
       <p:ext uri="{BB962C8B-B14F-4D97-AF65-F5344CB8AC3E}">
-        <p14:creationId xmlns:p14="http://schemas.microsoft.com/office/powerpoint/2010/main" val="3472721253"/>
+        <p14:creationId xmlns:p14="http://schemas.microsoft.com/office/powerpoint/2010/main" val="1421270030"/>
       </p:ext>
     </p:extLst>
   </p:cSld>
@@ -1971,7 +2207,13 @@
       </p:grpSpPr>
       <p:sp>
         <p:nvSpPr>
-          <p:cNvPr id="2" name="Date Placeholder 1"/>
+          <p:cNvPr id="2" name="Date Placeholder 1">
+            <a:extLst>
+              <a:ext uri="{FF2B5EF4-FFF2-40B4-BE49-F238E27FC236}">
+                <a16:creationId xmlns:a16="http://schemas.microsoft.com/office/drawing/2014/main" id="{DF6E4BFA-5BB7-4D79-DCF1-BF99F9D9B670}"/>
+              </a:ext>
+            </a:extLst>
+          </p:cNvPr>
           <p:cNvSpPr>
             <a:spLocks noGrp="1"/>
           </p:cNvSpPr>
@@ -1984,9 +2226,9 @@
           <a:bodyPr/>
           <a:lstStyle/>
           <a:p>
-            <a:fld id="{241EB5C9-1307-BA42-ABA2-0BC069CD8E7F}" type="datetimeFigureOut">
+            <a:fld id="{51C7FE2C-DA85-4E39-95B4-502ED937E79A}" type="datetimeFigureOut">
               <a:rPr lang="en-US" smtClean="0"/>
-              <a:t>1/2/22</a:t>
+              <a:t>3/10/2023</a:t>
             </a:fld>
             <a:endParaRPr lang="en-US"/>
           </a:p>
@@ -1994,7 +2236,13 @@
       </p:sp>
       <p:sp>
         <p:nvSpPr>
-          <p:cNvPr id="3" name="Footer Placeholder 2"/>
+          <p:cNvPr id="3" name="Footer Placeholder 2">
+            <a:extLst>
+              <a:ext uri="{FF2B5EF4-FFF2-40B4-BE49-F238E27FC236}">
+                <a16:creationId xmlns:a16="http://schemas.microsoft.com/office/drawing/2014/main" id="{34AC7F83-1E8E-30CE-9123-82980E0EB383}"/>
+              </a:ext>
+            </a:extLst>
+          </p:cNvPr>
           <p:cNvSpPr>
             <a:spLocks noGrp="1"/>
           </p:cNvSpPr>
@@ -2013,7 +2261,13 @@
       </p:sp>
       <p:sp>
         <p:nvSpPr>
-          <p:cNvPr id="4" name="Slide Number Placeholder 3"/>
+          <p:cNvPr id="4" name="Slide Number Placeholder 3">
+            <a:extLst>
+              <a:ext uri="{FF2B5EF4-FFF2-40B4-BE49-F238E27FC236}">
+                <a16:creationId xmlns:a16="http://schemas.microsoft.com/office/drawing/2014/main" id="{D142D269-BA7B-6D7B-1D67-3A964CB048BA}"/>
+              </a:ext>
+            </a:extLst>
+          </p:cNvPr>
           <p:cNvSpPr>
             <a:spLocks noGrp="1"/>
           </p:cNvSpPr>
@@ -2021,12 +2275,23 @@
             <p:ph type="sldNum" sz="quarter" idx="12"/>
           </p:nvPr>
         </p:nvSpPr>
-        <p:spPr/>
-        <p:txBody>
-          <a:bodyPr/>
-          <a:lstStyle/>
-          <a:p>
-            <a:fld id="{C5EF2332-01BF-834F-8236-50238282D533}" type="slidenum">
+        <p:spPr>
+          <a:xfrm>
+            <a:off x="8610600" y="6356350"/>
+            <a:ext cx="2286000" cy="365125"/>
+          </a:xfrm>
+          <a:blipFill>
+            <a:blip r:embed="rId2"/>
+            <a:stretch>
+              <a:fillRect/>
+            </a:stretch>
+          </a:blipFill>
+        </p:spPr>
+        <p:txBody>
+          <a:bodyPr/>
+          <a:lstStyle/>
+          <a:p>
+            <a:fld id="{13715DC4-C36F-4655-84DB-209ED23B0D45}" type="slidenum">
               <a:rPr lang="en-US" smtClean="0"/>
               <a:t>‹#›</a:t>
             </a:fld>
@@ -2037,7 +2302,7 @@
     </p:spTree>
     <p:extLst>
       <p:ext uri="{BB962C8B-B14F-4D97-AF65-F5344CB8AC3E}">
-        <p14:creationId xmlns:p14="http://schemas.microsoft.com/office/powerpoint/2010/main" val="2130901097"/>
+        <p14:creationId xmlns:p14="http://schemas.microsoft.com/office/powerpoint/2010/main" val="262778405"/>
       </p:ext>
     </p:extLst>
   </p:cSld>
@@ -2066,7 +2331,13 @@
       </p:grpSpPr>
       <p:sp>
         <p:nvSpPr>
-          <p:cNvPr id="2" name="Title 1"/>
+          <p:cNvPr id="2" name="Title 1">
+            <a:extLst>
+              <a:ext uri="{FF2B5EF4-FFF2-40B4-BE49-F238E27FC236}">
+                <a16:creationId xmlns:a16="http://schemas.microsoft.com/office/drawing/2014/main" id="{C6D043DA-1FAC-AA60-732B-C06127B18055}"/>
+              </a:ext>
+            </a:extLst>
+          </p:cNvPr>
           <p:cNvSpPr>
             <a:spLocks noGrp="1"/>
           </p:cNvSpPr>
@@ -2076,70 +2347,182 @@
         </p:nvSpPr>
         <p:spPr>
           <a:xfrm>
-            <a:off x="457201" y="204787"/>
-            <a:ext cx="3008313" cy="871538"/>
+            <a:off x="839788" y="457200"/>
+            <a:ext cx="3932237" cy="1600200"/>
+          </a:xfrm>
+          <a:solidFill>
+            <a:srgbClr val="5E7875"/>
+          </a:solidFill>
+        </p:spPr>
+        <p:txBody>
+          <a:bodyPr anchor="b"/>
+          <a:lstStyle>
+            <a:lvl1pPr>
+              <a:defRPr sz="3200">
+                <a:solidFill>
+                  <a:srgbClr val="DEE3E4"/>
+                </a:solidFill>
+              </a:defRPr>
+            </a:lvl1pPr>
+          </a:lstStyle>
+          <a:p>
+            <a:r>
+              <a:rPr lang="en-US"/>
+              <a:t>Click to edit Master title style</a:t>
+            </a:r>
+          </a:p>
+        </p:txBody>
+      </p:sp>
+      <p:sp>
+        <p:nvSpPr>
+          <p:cNvPr id="3" name="Content Placeholder 2">
+            <a:extLst>
+              <a:ext uri="{FF2B5EF4-FFF2-40B4-BE49-F238E27FC236}">
+                <a16:creationId xmlns:a16="http://schemas.microsoft.com/office/drawing/2014/main" id="{7FFBFBA0-6EE2-4BBB-0DEF-5005671344DF}"/>
+              </a:ext>
+            </a:extLst>
+          </p:cNvPr>
+          <p:cNvSpPr>
+            <a:spLocks noGrp="1"/>
+          </p:cNvSpPr>
+          <p:nvPr>
+            <p:ph idx="1"/>
+          </p:nvPr>
+        </p:nvSpPr>
+        <p:spPr>
+          <a:xfrm>
+            <a:off x="5183188" y="987425"/>
+            <a:ext cx="6172200" cy="4873625"/>
           </a:xfrm>
         </p:spPr>
         <p:txBody>
-          <a:bodyPr anchor="b"/>
+          <a:bodyPr/>
           <a:lstStyle>
-            <a:lvl1pPr algn="l">
-              <a:defRPr sz="1500" b="1"/>
+            <a:lvl1pPr>
+              <a:defRPr sz="3200"/>
             </a:lvl1pPr>
+            <a:lvl2pPr>
+              <a:defRPr sz="2800"/>
+            </a:lvl2pPr>
+            <a:lvl3pPr>
+              <a:defRPr sz="2400"/>
+            </a:lvl3pPr>
+            <a:lvl4pPr>
+              <a:defRPr sz="2000"/>
+            </a:lvl4pPr>
+            <a:lvl5pPr>
+              <a:defRPr sz="2000"/>
+            </a:lvl5pPr>
+            <a:lvl6pPr>
+              <a:defRPr sz="2000"/>
+            </a:lvl6pPr>
+            <a:lvl7pPr>
+              <a:defRPr sz="2000"/>
+            </a:lvl7pPr>
+            <a:lvl8pPr>
+              <a:defRPr sz="2000"/>
+            </a:lvl8pPr>
+            <a:lvl9pPr>
+              <a:defRPr sz="2000"/>
+            </a:lvl9pPr>
           </a:lstStyle>
           <a:p>
-            <a:r>
-              <a:rPr lang="en-US"/>
-              <a:t>Click to edit Master title style</a:t>
-            </a:r>
-          </a:p>
-        </p:txBody>
-      </p:sp>
-      <p:sp>
-        <p:nvSpPr>
-          <p:cNvPr id="3" name="Content Placeholder 2"/>
-          <p:cNvSpPr>
-            <a:spLocks noGrp="1"/>
-          </p:cNvSpPr>
-          <p:nvPr>
-            <p:ph idx="1"/>
+            <a:pPr lvl="0"/>
+            <a:r>
+              <a:rPr lang="en-US"/>
+              <a:t>Click to edit Master text styles</a:t>
+            </a:r>
+          </a:p>
+          <a:p>
+            <a:pPr lvl="1"/>
+            <a:r>
+              <a:rPr lang="en-US"/>
+              <a:t>Second level</a:t>
+            </a:r>
+          </a:p>
+          <a:p>
+            <a:pPr lvl="2"/>
+            <a:r>
+              <a:rPr lang="en-US"/>
+              <a:t>Third level</a:t>
+            </a:r>
+          </a:p>
+          <a:p>
+            <a:pPr lvl="3"/>
+            <a:r>
+              <a:rPr lang="en-US"/>
+              <a:t>Fourth level</a:t>
+            </a:r>
+          </a:p>
+          <a:p>
+            <a:pPr lvl="4"/>
+            <a:r>
+              <a:rPr lang="en-US"/>
+              <a:t>Fifth level</a:t>
+            </a:r>
+          </a:p>
+        </p:txBody>
+      </p:sp>
+      <p:sp>
+        <p:nvSpPr>
+          <p:cNvPr id="4" name="Text Placeholder 3">
+            <a:extLst>
+              <a:ext uri="{FF2B5EF4-FFF2-40B4-BE49-F238E27FC236}">
+                <a16:creationId xmlns:a16="http://schemas.microsoft.com/office/drawing/2014/main" id="{846FD03B-DB5D-82C2-69F0-8F51683BA1C3}"/>
+              </a:ext>
+            </a:extLst>
+          </p:cNvPr>
+          <p:cNvSpPr>
+            <a:spLocks noGrp="1"/>
+          </p:cNvSpPr>
+          <p:nvPr>
+            <p:ph type="body" sz="half" idx="2"/>
           </p:nvPr>
         </p:nvSpPr>
         <p:spPr>
           <a:xfrm>
-            <a:off x="3575050" y="204788"/>
-            <a:ext cx="5111750" cy="4389835"/>
+            <a:off x="839788" y="2057400"/>
+            <a:ext cx="3932237" cy="3811588"/>
           </a:xfrm>
         </p:spPr>
         <p:txBody>
           <a:bodyPr/>
           <a:lstStyle>
-            <a:lvl1pPr>
-              <a:defRPr sz="2400"/>
+            <a:lvl1pPr marL="0" indent="0">
+              <a:buNone/>
+              <a:defRPr sz="1600"/>
             </a:lvl1pPr>
-            <a:lvl2pPr>
-              <a:defRPr sz="2100"/>
+            <a:lvl2pPr marL="457200" indent="0">
+              <a:buNone/>
+              <a:defRPr sz="1400"/>
             </a:lvl2pPr>
-            <a:lvl3pPr>
-              <a:defRPr sz="1800"/>
+            <a:lvl3pPr marL="914400" indent="0">
+              <a:buNone/>
+              <a:defRPr sz="1200"/>
             </a:lvl3pPr>
-            <a:lvl4pPr>
-              <a:defRPr sz="1500"/>
+            <a:lvl4pPr marL="1371600" indent="0">
+              <a:buNone/>
+              <a:defRPr sz="1000"/>
             </a:lvl4pPr>
-            <a:lvl5pPr>
-              <a:defRPr sz="1500"/>
+            <a:lvl5pPr marL="1828800" indent="0">
+              <a:buNone/>
+              <a:defRPr sz="1000"/>
             </a:lvl5pPr>
-            <a:lvl6pPr>
-              <a:defRPr sz="1500"/>
+            <a:lvl6pPr marL="2286000" indent="0">
+              <a:buNone/>
+              <a:defRPr sz="1000"/>
             </a:lvl6pPr>
-            <a:lvl7pPr>
-              <a:defRPr sz="1500"/>
+            <a:lvl7pPr marL="2743200" indent="0">
+              <a:buNone/>
+              <a:defRPr sz="1000"/>
             </a:lvl7pPr>
-            <a:lvl8pPr>
-              <a:defRPr sz="1500"/>
+            <a:lvl8pPr marL="3200400" indent="0">
+              <a:buNone/>
+              <a:defRPr sz="1000"/>
             </a:lvl8pPr>
-            <a:lvl9pPr>
-              <a:defRPr sz="1500"/>
+            <a:lvl9pPr marL="3657600" indent="0">
+              <a:buNone/>
+              <a:defRPr sz="1000"/>
             </a:lvl9pPr>
           </a:lstStyle>
           <a:p>
@@ -2149,159 +2532,95 @@
               <a:t>Click to edit Master text styles</a:t>
             </a:r>
           </a:p>
-          <a:p>
-            <a:pPr lvl="1"/>
-            <a:r>
-              <a:rPr lang="en-US"/>
-              <a:t>Second level</a:t>
-            </a:r>
-          </a:p>
-          <a:p>
-            <a:pPr lvl="2"/>
-            <a:r>
-              <a:rPr lang="en-US"/>
-              <a:t>Third level</a:t>
-            </a:r>
-          </a:p>
-          <a:p>
-            <a:pPr lvl="3"/>
-            <a:r>
-              <a:rPr lang="en-US"/>
-              <a:t>Fourth level</a:t>
-            </a:r>
-          </a:p>
-          <a:p>
-            <a:pPr lvl="4"/>
-            <a:r>
-              <a:rPr lang="en-US"/>
-              <a:t>Fifth level</a:t>
-            </a:r>
-          </a:p>
-        </p:txBody>
-      </p:sp>
-      <p:sp>
-        <p:nvSpPr>
-          <p:cNvPr id="4" name="Text Placeholder 3"/>
-          <p:cNvSpPr>
-            <a:spLocks noGrp="1"/>
-          </p:cNvSpPr>
-          <p:nvPr>
-            <p:ph type="body" sz="half" idx="2"/>
+        </p:txBody>
+      </p:sp>
+      <p:sp>
+        <p:nvSpPr>
+          <p:cNvPr id="5" name="Date Placeholder 4">
+            <a:extLst>
+              <a:ext uri="{FF2B5EF4-FFF2-40B4-BE49-F238E27FC236}">
+                <a16:creationId xmlns:a16="http://schemas.microsoft.com/office/drawing/2014/main" id="{57569784-6C52-D88A-CF85-7D9AC33E2A28}"/>
+              </a:ext>
+            </a:extLst>
+          </p:cNvPr>
+          <p:cNvSpPr>
+            <a:spLocks noGrp="1"/>
+          </p:cNvSpPr>
+          <p:nvPr>
+            <p:ph type="dt" sz="half" idx="10"/>
+          </p:nvPr>
+        </p:nvSpPr>
+        <p:spPr/>
+        <p:txBody>
+          <a:bodyPr/>
+          <a:lstStyle/>
+          <a:p>
+            <a:fld id="{51C7FE2C-DA85-4E39-95B4-502ED937E79A}" type="datetimeFigureOut">
+              <a:rPr lang="en-US" smtClean="0"/>
+              <a:t>3/10/2023</a:t>
+            </a:fld>
+            <a:endParaRPr lang="en-US"/>
+          </a:p>
+        </p:txBody>
+      </p:sp>
+      <p:sp>
+        <p:nvSpPr>
+          <p:cNvPr id="6" name="Footer Placeholder 5">
+            <a:extLst>
+              <a:ext uri="{FF2B5EF4-FFF2-40B4-BE49-F238E27FC236}">
+                <a16:creationId xmlns:a16="http://schemas.microsoft.com/office/drawing/2014/main" id="{E80603D7-93AB-CF30-38AE-DD6FA6FCEFC0}"/>
+              </a:ext>
+            </a:extLst>
+          </p:cNvPr>
+          <p:cNvSpPr>
+            <a:spLocks noGrp="1"/>
+          </p:cNvSpPr>
+          <p:nvPr>
+            <p:ph type="ftr" sz="quarter" idx="11"/>
+          </p:nvPr>
+        </p:nvSpPr>
+        <p:spPr/>
+        <p:txBody>
+          <a:bodyPr/>
+          <a:lstStyle/>
+          <a:p>
+            <a:endParaRPr lang="en-US"/>
+          </a:p>
+        </p:txBody>
+      </p:sp>
+      <p:sp>
+        <p:nvSpPr>
+          <p:cNvPr id="7" name="Slide Number Placeholder 6">
+            <a:extLst>
+              <a:ext uri="{FF2B5EF4-FFF2-40B4-BE49-F238E27FC236}">
+                <a16:creationId xmlns:a16="http://schemas.microsoft.com/office/drawing/2014/main" id="{771B7D21-26A2-9BAA-ACEA-0A7EB0A9B92E}"/>
+              </a:ext>
+            </a:extLst>
+          </p:cNvPr>
+          <p:cNvSpPr>
+            <a:spLocks noGrp="1"/>
+          </p:cNvSpPr>
+          <p:nvPr>
+            <p:ph type="sldNum" sz="quarter" idx="12"/>
           </p:nvPr>
         </p:nvSpPr>
         <p:spPr>
           <a:xfrm>
-            <a:off x="457201" y="1076326"/>
-            <a:ext cx="3008313" cy="3518297"/>
+            <a:off x="8610600" y="6356350"/>
+            <a:ext cx="2286000" cy="365125"/>
           </a:xfrm>
+          <a:blipFill>
+            <a:blip r:embed="rId2"/>
+            <a:stretch>
+              <a:fillRect/>
+            </a:stretch>
+          </a:blipFill>
         </p:spPr>
         <p:txBody>
           <a:bodyPr/>
-          <a:lstStyle>
-            <a:lvl1pPr marL="0" indent="0">
-              <a:buNone/>
-              <a:defRPr sz="1050"/>
-            </a:lvl1pPr>
-            <a:lvl2pPr marL="342900" indent="0">
-              <a:buNone/>
-              <a:defRPr sz="900"/>
-            </a:lvl2pPr>
-            <a:lvl3pPr marL="685800" indent="0">
-              <a:buNone/>
-              <a:defRPr sz="750"/>
-            </a:lvl3pPr>
-            <a:lvl4pPr marL="1028700" indent="0">
-              <a:buNone/>
-              <a:defRPr sz="675"/>
-            </a:lvl4pPr>
-            <a:lvl5pPr marL="1371600" indent="0">
-              <a:buNone/>
-              <a:defRPr sz="675"/>
-            </a:lvl5pPr>
-            <a:lvl6pPr marL="1714500" indent="0">
-              <a:buNone/>
-              <a:defRPr sz="675"/>
-            </a:lvl6pPr>
-            <a:lvl7pPr marL="2057400" indent="0">
-              <a:buNone/>
-              <a:defRPr sz="675"/>
-            </a:lvl7pPr>
-            <a:lvl8pPr marL="2400300" indent="0">
-              <a:buNone/>
-              <a:defRPr sz="675"/>
-            </a:lvl8pPr>
-            <a:lvl9pPr marL="2743200" indent="0">
-              <a:buNone/>
-              <a:defRPr sz="675"/>
-            </a:lvl9pPr>
-          </a:lstStyle>
-          <a:p>
-            <a:pPr lvl="0"/>
-            <a:r>
-              <a:rPr lang="en-US"/>
-              <a:t>Click to edit Master text styles</a:t>
-            </a:r>
-          </a:p>
-        </p:txBody>
-      </p:sp>
-      <p:sp>
-        <p:nvSpPr>
-          <p:cNvPr id="5" name="Date Placeholder 4"/>
-          <p:cNvSpPr>
-            <a:spLocks noGrp="1"/>
-          </p:cNvSpPr>
-          <p:nvPr>
-            <p:ph type="dt" sz="half" idx="10"/>
-          </p:nvPr>
-        </p:nvSpPr>
-        <p:spPr/>
-        <p:txBody>
-          <a:bodyPr/>
-          <a:lstStyle/>
-          <a:p>
-            <a:fld id="{241EB5C9-1307-BA42-ABA2-0BC069CD8E7F}" type="datetimeFigureOut">
-              <a:rPr lang="en-US" smtClean="0"/>
-              <a:t>1/2/22</a:t>
-            </a:fld>
-            <a:endParaRPr lang="en-US"/>
-          </a:p>
-        </p:txBody>
-      </p:sp>
-      <p:sp>
-        <p:nvSpPr>
-          <p:cNvPr id="6" name="Footer Placeholder 5"/>
-          <p:cNvSpPr>
-            <a:spLocks noGrp="1"/>
-          </p:cNvSpPr>
-          <p:nvPr>
-            <p:ph type="ftr" sz="quarter" idx="11"/>
-          </p:nvPr>
-        </p:nvSpPr>
-        <p:spPr/>
-        <p:txBody>
-          <a:bodyPr/>
-          <a:lstStyle/>
-          <a:p>
-            <a:endParaRPr lang="en-US"/>
-          </a:p>
-        </p:txBody>
-      </p:sp>
-      <p:sp>
-        <p:nvSpPr>
-          <p:cNvPr id="7" name="Slide Number Placeholder 6"/>
-          <p:cNvSpPr>
-            <a:spLocks noGrp="1"/>
-          </p:cNvSpPr>
-          <p:nvPr>
-            <p:ph type="sldNum" sz="quarter" idx="12"/>
-          </p:nvPr>
-        </p:nvSpPr>
-        <p:spPr/>
-        <p:txBody>
-          <a:bodyPr/>
-          <a:lstStyle/>
-          <a:p>
-            <a:fld id="{C5EF2332-01BF-834F-8236-50238282D533}" type="slidenum">
+          <a:lstStyle/>
+          <a:p>
+            <a:fld id="{13715DC4-C36F-4655-84DB-209ED23B0D45}" type="slidenum">
               <a:rPr lang="en-US" smtClean="0"/>
               <a:t>‹#›</a:t>
             </a:fld>
@@ -2312,7 +2631,7 @@
     </p:spTree>
     <p:extLst>
       <p:ext uri="{BB962C8B-B14F-4D97-AF65-F5344CB8AC3E}">
-        <p14:creationId xmlns:p14="http://schemas.microsoft.com/office/powerpoint/2010/main" val="3540895647"/>
+        <p14:creationId xmlns:p14="http://schemas.microsoft.com/office/powerpoint/2010/main" val="2571979348"/>
       </p:ext>
     </p:extLst>
   </p:cSld>
@@ -2341,7 +2660,13 @@
       </p:grpSpPr>
       <p:sp>
         <p:nvSpPr>
-          <p:cNvPr id="2" name="Title 1"/>
+          <p:cNvPr id="2" name="Title 1">
+            <a:extLst>
+              <a:ext uri="{FF2B5EF4-FFF2-40B4-BE49-F238E27FC236}">
+                <a16:creationId xmlns:a16="http://schemas.microsoft.com/office/drawing/2014/main" id="{90C9EC77-6576-D111-6078-D425427A65A3}"/>
+              </a:ext>
+            </a:extLst>
+          </p:cNvPr>
           <p:cNvSpPr>
             <a:spLocks noGrp="1"/>
           </p:cNvSpPr>
@@ -2351,39 +2676,119 @@
         </p:nvSpPr>
         <p:spPr>
           <a:xfrm>
-            <a:off x="1792288" y="3600450"/>
-            <a:ext cx="5486400" cy="425054"/>
+            <a:off x="839788" y="457200"/>
+            <a:ext cx="3932237" cy="1600200"/>
+          </a:xfrm>
+          <a:solidFill>
+            <a:srgbClr val="5E7875"/>
+          </a:solidFill>
+        </p:spPr>
+        <p:txBody>
+          <a:bodyPr anchor="b"/>
+          <a:lstStyle>
+            <a:lvl1pPr>
+              <a:defRPr sz="3200">
+                <a:solidFill>
+                  <a:srgbClr val="DEE3E4"/>
+                </a:solidFill>
+              </a:defRPr>
+            </a:lvl1pPr>
+          </a:lstStyle>
+          <a:p>
+            <a:r>
+              <a:rPr lang="en-US"/>
+              <a:t>Click to edit Master title style</a:t>
+            </a:r>
+          </a:p>
+        </p:txBody>
+      </p:sp>
+      <p:sp>
+        <p:nvSpPr>
+          <p:cNvPr id="3" name="Picture Placeholder 2">
+            <a:extLst>
+              <a:ext uri="{FF2B5EF4-FFF2-40B4-BE49-F238E27FC236}">
+                <a16:creationId xmlns:a16="http://schemas.microsoft.com/office/drawing/2014/main" id="{1CCC44E9-D82B-3C1D-E825-0F9CF84118F6}"/>
+              </a:ext>
+            </a:extLst>
+          </p:cNvPr>
+          <p:cNvSpPr>
+            <a:spLocks noGrp="1"/>
+          </p:cNvSpPr>
+          <p:nvPr>
+            <p:ph type="pic" idx="1"/>
+          </p:nvPr>
+        </p:nvSpPr>
+        <p:spPr>
+          <a:xfrm>
+            <a:off x="5183188" y="987425"/>
+            <a:ext cx="6172200" cy="4873625"/>
           </a:xfrm>
         </p:spPr>
         <p:txBody>
-          <a:bodyPr anchor="b"/>
+          <a:bodyPr/>
           <a:lstStyle>
-            <a:lvl1pPr algn="l">
-              <a:defRPr sz="1500" b="1"/>
+            <a:lvl1pPr marL="0" indent="0">
+              <a:buNone/>
+              <a:defRPr sz="3200"/>
             </a:lvl1pPr>
+            <a:lvl2pPr marL="457200" indent="0">
+              <a:buNone/>
+              <a:defRPr sz="2800"/>
+            </a:lvl2pPr>
+            <a:lvl3pPr marL="914400" indent="0">
+              <a:buNone/>
+              <a:defRPr sz="2400"/>
+            </a:lvl3pPr>
+            <a:lvl4pPr marL="1371600" indent="0">
+              <a:buNone/>
+              <a:defRPr sz="2000"/>
+            </a:lvl4pPr>
+            <a:lvl5pPr marL="1828800" indent="0">
+              <a:buNone/>
+              <a:defRPr sz="2000"/>
+            </a:lvl5pPr>
+            <a:lvl6pPr marL="2286000" indent="0">
+              <a:buNone/>
+              <a:defRPr sz="2000"/>
+            </a:lvl6pPr>
+            <a:lvl7pPr marL="2743200" indent="0">
+              <a:buNone/>
+              <a:defRPr sz="2000"/>
+            </a:lvl7pPr>
+            <a:lvl8pPr marL="3200400" indent="0">
+              <a:buNone/>
+              <a:defRPr sz="2000"/>
+            </a:lvl8pPr>
+            <a:lvl9pPr marL="3657600" indent="0">
+              <a:buNone/>
+              <a:defRPr sz="2000"/>
+            </a:lvl9pPr>
           </a:lstStyle>
           <a:p>
-            <a:r>
-              <a:rPr lang="en-US"/>
-              <a:t>Click to edit Master title style</a:t>
-            </a:r>
-          </a:p>
-        </p:txBody>
-      </p:sp>
-      <p:sp>
-        <p:nvSpPr>
-          <p:cNvPr id="3" name="Picture Placeholder 2"/>
-          <p:cNvSpPr>
-            <a:spLocks noGrp="1"/>
-          </p:cNvSpPr>
-          <p:nvPr>
-            <p:ph type="pic" idx="1"/>
+            <a:endParaRPr lang="en-US"/>
+          </a:p>
+        </p:txBody>
+      </p:sp>
+      <p:sp>
+        <p:nvSpPr>
+          <p:cNvPr id="4" name="Text Placeholder 3">
+            <a:extLst>
+              <a:ext uri="{FF2B5EF4-FFF2-40B4-BE49-F238E27FC236}">
+                <a16:creationId xmlns:a16="http://schemas.microsoft.com/office/drawing/2014/main" id="{C24EDBFB-A3CA-7917-9890-7D6D7641D568}"/>
+              </a:ext>
+            </a:extLst>
+          </p:cNvPr>
+          <p:cNvSpPr>
+            <a:spLocks noGrp="1"/>
+          </p:cNvSpPr>
+          <p:nvPr>
+            <p:ph type="body" sz="half" idx="2"/>
           </p:nvPr>
         </p:nvSpPr>
         <p:spPr>
           <a:xfrm>
-            <a:off x="1792288" y="459581"/>
-            <a:ext cx="5486400" cy="3086100"/>
+            <a:off x="839788" y="2057400"/>
+            <a:ext cx="3932237" cy="3811588"/>
           </a:xfrm>
         </p:spPr>
         <p:txBody>
@@ -2391,169 +2796,137 @@
           <a:lstStyle>
             <a:lvl1pPr marL="0" indent="0">
               <a:buNone/>
-              <a:defRPr sz="2400"/>
+              <a:defRPr sz="1600"/>
             </a:lvl1pPr>
-            <a:lvl2pPr marL="342900" indent="0">
-              <a:buNone/>
-              <a:defRPr sz="2100"/>
+            <a:lvl2pPr marL="457200" indent="0">
+              <a:buNone/>
+              <a:defRPr sz="1400"/>
             </a:lvl2pPr>
-            <a:lvl3pPr marL="685800" indent="0">
-              <a:buNone/>
-              <a:defRPr sz="1800"/>
+            <a:lvl3pPr marL="914400" indent="0">
+              <a:buNone/>
+              <a:defRPr sz="1200"/>
             </a:lvl3pPr>
-            <a:lvl4pPr marL="1028700" indent="0">
-              <a:buNone/>
-              <a:defRPr sz="1500"/>
+            <a:lvl4pPr marL="1371600" indent="0">
+              <a:buNone/>
+              <a:defRPr sz="1000"/>
             </a:lvl4pPr>
-            <a:lvl5pPr marL="1371600" indent="0">
-              <a:buNone/>
-              <a:defRPr sz="1500"/>
+            <a:lvl5pPr marL="1828800" indent="0">
+              <a:buNone/>
+              <a:defRPr sz="1000"/>
             </a:lvl5pPr>
-            <a:lvl6pPr marL="1714500" indent="0">
-              <a:buNone/>
-              <a:defRPr sz="1500"/>
+            <a:lvl6pPr marL="2286000" indent="0">
+              <a:buNone/>
+              <a:defRPr sz="1000"/>
             </a:lvl6pPr>
-            <a:lvl7pPr marL="2057400" indent="0">
-              <a:buNone/>
-              <a:defRPr sz="1500"/>
+            <a:lvl7pPr marL="2743200" indent="0">
+              <a:buNone/>
+              <a:defRPr sz="1000"/>
             </a:lvl7pPr>
-            <a:lvl8pPr marL="2400300" indent="0">
-              <a:buNone/>
-              <a:defRPr sz="1500"/>
+            <a:lvl8pPr marL="3200400" indent="0">
+              <a:buNone/>
+              <a:defRPr sz="1000"/>
             </a:lvl8pPr>
-            <a:lvl9pPr marL="2743200" indent="0">
-              <a:buNone/>
-              <a:defRPr sz="1500"/>
+            <a:lvl9pPr marL="3657600" indent="0">
+              <a:buNone/>
+              <a:defRPr sz="1000"/>
             </a:lvl9pPr>
           </a:lstStyle>
           <a:p>
+            <a:pPr lvl="0"/>
+            <a:r>
+              <a:rPr lang="en-US"/>
+              <a:t>Click to edit Master text styles</a:t>
+            </a:r>
+          </a:p>
+        </p:txBody>
+      </p:sp>
+      <p:sp>
+        <p:nvSpPr>
+          <p:cNvPr id="5" name="Date Placeholder 4">
+            <a:extLst>
+              <a:ext uri="{FF2B5EF4-FFF2-40B4-BE49-F238E27FC236}">
+                <a16:creationId xmlns:a16="http://schemas.microsoft.com/office/drawing/2014/main" id="{845A1C80-B04B-6E5E-06C0-85F984CF6F99}"/>
+              </a:ext>
+            </a:extLst>
+          </p:cNvPr>
+          <p:cNvSpPr>
+            <a:spLocks noGrp="1"/>
+          </p:cNvSpPr>
+          <p:nvPr>
+            <p:ph type="dt" sz="half" idx="10"/>
+          </p:nvPr>
+        </p:nvSpPr>
+        <p:spPr/>
+        <p:txBody>
+          <a:bodyPr/>
+          <a:lstStyle/>
+          <a:p>
+            <a:fld id="{51C7FE2C-DA85-4E39-95B4-502ED937E79A}" type="datetimeFigureOut">
+              <a:rPr lang="en-US" smtClean="0"/>
+              <a:t>3/10/2023</a:t>
+            </a:fld>
             <a:endParaRPr lang="en-US"/>
           </a:p>
         </p:txBody>
       </p:sp>
       <p:sp>
         <p:nvSpPr>
-          <p:cNvPr id="4" name="Text Placeholder 3"/>
-          <p:cNvSpPr>
-            <a:spLocks noGrp="1"/>
-          </p:cNvSpPr>
-          <p:nvPr>
-            <p:ph type="body" sz="half" idx="2"/>
+          <p:cNvPr id="6" name="Footer Placeholder 5">
+            <a:extLst>
+              <a:ext uri="{FF2B5EF4-FFF2-40B4-BE49-F238E27FC236}">
+                <a16:creationId xmlns:a16="http://schemas.microsoft.com/office/drawing/2014/main" id="{427E29E6-0371-7C8A-AD50-445B206DE6A2}"/>
+              </a:ext>
+            </a:extLst>
+          </p:cNvPr>
+          <p:cNvSpPr>
+            <a:spLocks noGrp="1"/>
+          </p:cNvSpPr>
+          <p:nvPr>
+            <p:ph type="ftr" sz="quarter" idx="11"/>
+          </p:nvPr>
+        </p:nvSpPr>
+        <p:spPr/>
+        <p:txBody>
+          <a:bodyPr/>
+          <a:lstStyle/>
+          <a:p>
+            <a:endParaRPr lang="en-US"/>
+          </a:p>
+        </p:txBody>
+      </p:sp>
+      <p:sp>
+        <p:nvSpPr>
+          <p:cNvPr id="7" name="Slide Number Placeholder 6">
+            <a:extLst>
+              <a:ext uri="{FF2B5EF4-FFF2-40B4-BE49-F238E27FC236}">
+                <a16:creationId xmlns:a16="http://schemas.microsoft.com/office/drawing/2014/main" id="{E25C8327-E79E-88F0-16D9-4ABA2D39D9EE}"/>
+              </a:ext>
+            </a:extLst>
+          </p:cNvPr>
+          <p:cNvSpPr>
+            <a:spLocks noGrp="1"/>
+          </p:cNvSpPr>
+          <p:nvPr>
+            <p:ph type="sldNum" sz="quarter" idx="12"/>
           </p:nvPr>
         </p:nvSpPr>
         <p:spPr>
           <a:xfrm>
-            <a:off x="1792288" y="4025503"/>
-            <a:ext cx="5486400" cy="603647"/>
+            <a:off x="8610600" y="6356350"/>
+            <a:ext cx="2286000" cy="365125"/>
           </a:xfrm>
+          <a:blipFill>
+            <a:blip r:embed="rId2"/>
+            <a:stretch>
+              <a:fillRect/>
+            </a:stretch>
+          </a:blipFill>
         </p:spPr>
         <p:txBody>
           <a:bodyPr/>
-          <a:lstStyle>
-            <a:lvl1pPr marL="0" indent="0">
-              <a:buNone/>
-              <a:defRPr sz="1050"/>
-            </a:lvl1pPr>
-            <a:lvl2pPr marL="342900" indent="0">
-              <a:buNone/>
-              <a:defRPr sz="900"/>
-            </a:lvl2pPr>
-            <a:lvl3pPr marL="685800" indent="0">
-              <a:buNone/>
-              <a:defRPr sz="750"/>
-            </a:lvl3pPr>
-            <a:lvl4pPr marL="1028700" indent="0">
-              <a:buNone/>
-              <a:defRPr sz="675"/>
-            </a:lvl4pPr>
-            <a:lvl5pPr marL="1371600" indent="0">
-              <a:buNone/>
-              <a:defRPr sz="675"/>
-            </a:lvl5pPr>
-            <a:lvl6pPr marL="1714500" indent="0">
-              <a:buNone/>
-              <a:defRPr sz="675"/>
-            </a:lvl6pPr>
-            <a:lvl7pPr marL="2057400" indent="0">
-              <a:buNone/>
-              <a:defRPr sz="675"/>
-            </a:lvl7pPr>
-            <a:lvl8pPr marL="2400300" indent="0">
-              <a:buNone/>
-              <a:defRPr sz="675"/>
-            </a:lvl8pPr>
-            <a:lvl9pPr marL="2743200" indent="0">
-              <a:buNone/>
-              <a:defRPr sz="675"/>
-            </a:lvl9pPr>
-          </a:lstStyle>
-          <a:p>
-            <a:pPr lvl="0"/>
-            <a:r>
-              <a:rPr lang="en-US"/>
-              <a:t>Click to edit Master text styles</a:t>
-            </a:r>
-          </a:p>
-        </p:txBody>
-      </p:sp>
-      <p:sp>
-        <p:nvSpPr>
-          <p:cNvPr id="5" name="Date Placeholder 4"/>
-          <p:cNvSpPr>
-            <a:spLocks noGrp="1"/>
-          </p:cNvSpPr>
-          <p:nvPr>
-            <p:ph type="dt" sz="half" idx="10"/>
-          </p:nvPr>
-        </p:nvSpPr>
-        <p:spPr/>
-        <p:txBody>
-          <a:bodyPr/>
-          <a:lstStyle/>
-          <a:p>
-            <a:fld id="{241EB5C9-1307-BA42-ABA2-0BC069CD8E7F}" type="datetimeFigureOut">
-              <a:rPr lang="en-US" smtClean="0"/>
-              <a:t>1/2/22</a:t>
-            </a:fld>
-            <a:endParaRPr lang="en-US"/>
-          </a:p>
-        </p:txBody>
-      </p:sp>
-      <p:sp>
-        <p:nvSpPr>
-          <p:cNvPr id="6" name="Footer Placeholder 5"/>
-          <p:cNvSpPr>
-            <a:spLocks noGrp="1"/>
-          </p:cNvSpPr>
-          <p:nvPr>
-            <p:ph type="ftr" sz="quarter" idx="11"/>
-          </p:nvPr>
-        </p:nvSpPr>
-        <p:spPr/>
-        <p:txBody>
-          <a:bodyPr/>
-          <a:lstStyle/>
-          <a:p>
-            <a:endParaRPr lang="en-US"/>
-          </a:p>
-        </p:txBody>
-      </p:sp>
-      <p:sp>
-        <p:nvSpPr>
-          <p:cNvPr id="7" name="Slide Number Placeholder 6"/>
-          <p:cNvSpPr>
-            <a:spLocks noGrp="1"/>
-          </p:cNvSpPr>
-          <p:nvPr>
-            <p:ph type="sldNum" sz="quarter" idx="12"/>
-          </p:nvPr>
-        </p:nvSpPr>
-        <p:spPr/>
-        <p:txBody>
-          <a:bodyPr/>
-          <a:lstStyle/>
-          <a:p>
-            <a:fld id="{C5EF2332-01BF-834F-8236-50238282D533}" type="slidenum">
+          <a:lstStyle/>
+          <a:p>
+            <a:fld id="{13715DC4-C36F-4655-84DB-209ED23B0D45}" type="slidenum">
               <a:rPr lang="en-US" smtClean="0"/>
               <a:t>‹#›</a:t>
             </a:fld>
@@ -2564,7 +2937,7 @@
     </p:spTree>
     <p:extLst>
       <p:ext uri="{BB962C8B-B14F-4D97-AF65-F5344CB8AC3E}">
-        <p14:creationId xmlns:p14="http://schemas.microsoft.com/office/powerpoint/2010/main" val="3566899855"/>
+        <p14:creationId xmlns:p14="http://schemas.microsoft.com/office/powerpoint/2010/main" val="589668725"/>
       </p:ext>
     </p:extLst>
   </p:cSld>
@@ -2598,7 +2971,13 @@
       </p:grpSpPr>
       <p:sp>
         <p:nvSpPr>
-          <p:cNvPr id="2" name="Title Placeholder 1"/>
+          <p:cNvPr id="2" name="Title Placeholder 1">
+            <a:extLst>
+              <a:ext uri="{FF2B5EF4-FFF2-40B4-BE49-F238E27FC236}">
+                <a16:creationId xmlns:a16="http://schemas.microsoft.com/office/drawing/2014/main" id="{0CE1BB17-31BF-8E8A-21C0-961F6A0EAD7A}"/>
+              </a:ext>
+            </a:extLst>
+          </p:cNvPr>
           <p:cNvSpPr>
             <a:spLocks noGrp="1"/>
           </p:cNvSpPr>
@@ -2608,8 +2987,8 @@
         </p:nvSpPr>
         <p:spPr>
           <a:xfrm>
-            <a:off x="457200" y="205979"/>
-            <a:ext cx="8229600" cy="857250"/>
+            <a:off x="838200" y="365125"/>
+            <a:ext cx="10515600" cy="1325563"/>
           </a:xfrm>
           <a:prstGeom prst="rect">
             <a:avLst/>
@@ -2630,7 +3009,13 @@
       </p:sp>
       <p:sp>
         <p:nvSpPr>
-          <p:cNvPr id="3" name="Text Placeholder 2"/>
+          <p:cNvPr id="3" name="Text Placeholder 2">
+            <a:extLst>
+              <a:ext uri="{FF2B5EF4-FFF2-40B4-BE49-F238E27FC236}">
+                <a16:creationId xmlns:a16="http://schemas.microsoft.com/office/drawing/2014/main" id="{13673A10-1A52-2B51-F1DB-6BCB3E8A8067}"/>
+              </a:ext>
+            </a:extLst>
+          </p:cNvPr>
           <p:cNvSpPr>
             <a:spLocks noGrp="1"/>
           </p:cNvSpPr>
@@ -2640,8 +3025,8 @@
         </p:nvSpPr>
         <p:spPr>
           <a:xfrm>
-            <a:off x="457200" y="1200151"/>
-            <a:ext cx="8229600" cy="3394472"/>
+            <a:off x="838200" y="1825625"/>
+            <a:ext cx="10515600" cy="4351338"/>
           </a:xfrm>
           <a:prstGeom prst="rect">
             <a:avLst/>
@@ -2691,7 +3076,13 @@
       </p:sp>
       <p:sp>
         <p:nvSpPr>
-          <p:cNvPr id="4" name="Date Placeholder 3"/>
+          <p:cNvPr id="4" name="Date Placeholder 3">
+            <a:extLst>
+              <a:ext uri="{FF2B5EF4-FFF2-40B4-BE49-F238E27FC236}">
+                <a16:creationId xmlns:a16="http://schemas.microsoft.com/office/drawing/2014/main" id="{3C882CA1-57AE-DAC2-DF6C-C406691289BE}"/>
+              </a:ext>
+            </a:extLst>
+          </p:cNvPr>
           <p:cNvSpPr>
             <a:spLocks noGrp="1"/>
           </p:cNvSpPr>
@@ -2701,8 +3092,8 @@
         </p:nvSpPr>
         <p:spPr>
           <a:xfrm>
-            <a:off x="457200" y="4767263"/>
-            <a:ext cx="2133600" cy="273844"/>
+            <a:off x="838200" y="6356350"/>
+            <a:ext cx="2743200" cy="365125"/>
           </a:xfrm>
           <a:prstGeom prst="rect">
             <a:avLst/>
@@ -2712,7 +3103,7 @@
           <a:bodyPr anchor="ctr" bIns="45720" lIns="91440" rIns="91440" rtlCol="0" tIns="45720" vert="horz"/>
           <a:lstStyle>
             <a:lvl1pPr algn="l">
-              <a:defRPr sz="900">
+              <a:defRPr sz="1200">
                 <a:solidFill>
                   <a:schemeClr val="tx1">
                     <a:tint val="75000"/>
@@ -2722,9 +3113,9 @@
             </a:lvl1pPr>
           </a:lstStyle>
           <a:p>
-            <a:fld id="{241EB5C9-1307-BA42-ABA2-0BC069CD8E7F}" type="datetimeFigureOut">
+            <a:fld id="{51C7FE2C-DA85-4E39-95B4-502ED937E79A}" type="datetimeFigureOut">
               <a:rPr lang="en-US" smtClean="0"/>
-              <a:t>1/2/22</a:t>
+              <a:t>3/10/2023</a:t>
             </a:fld>
             <a:endParaRPr lang="en-US"/>
           </a:p>
@@ -2732,7 +3123,13 @@
       </p:sp>
       <p:sp>
         <p:nvSpPr>
-          <p:cNvPr id="5" name="Footer Placeholder 4"/>
+          <p:cNvPr id="5" name="Footer Placeholder 4">
+            <a:extLst>
+              <a:ext uri="{FF2B5EF4-FFF2-40B4-BE49-F238E27FC236}">
+                <a16:creationId xmlns:a16="http://schemas.microsoft.com/office/drawing/2014/main" id="{2E36DE30-39E8-629B-BFEA-F9FBF0A42581}"/>
+              </a:ext>
+            </a:extLst>
+          </p:cNvPr>
           <p:cNvSpPr>
             <a:spLocks noGrp="1"/>
           </p:cNvSpPr>
@@ -2742,8 +3139,8 @@
         </p:nvSpPr>
         <p:spPr>
           <a:xfrm>
-            <a:off x="3124200" y="4767263"/>
-            <a:ext cx="2895600" cy="273844"/>
+            <a:off x="4038600" y="6356350"/>
+            <a:ext cx="4114800" cy="365125"/>
           </a:xfrm>
           <a:prstGeom prst="rect">
             <a:avLst/>
@@ -2753,7 +3150,7 @@
           <a:bodyPr anchor="ctr" bIns="45720" lIns="91440" rIns="91440" rtlCol="0" tIns="45720" vert="horz"/>
           <a:lstStyle>
             <a:lvl1pPr algn="ctr">
-              <a:defRPr sz="900">
+              <a:defRPr sz="1200">
                 <a:solidFill>
                   <a:schemeClr val="tx1">
                     <a:tint val="75000"/>
@@ -2769,7 +3166,13 @@
       </p:sp>
       <p:sp>
         <p:nvSpPr>
-          <p:cNvPr id="6" name="Slide Number Placeholder 5"/>
+          <p:cNvPr id="6" name="Slide Number Placeholder 5">
+            <a:extLst>
+              <a:ext uri="{FF2B5EF4-FFF2-40B4-BE49-F238E27FC236}">
+                <a16:creationId xmlns:a16="http://schemas.microsoft.com/office/drawing/2014/main" id="{940FAB82-EF83-A6B7-084F-4F27CFA34E45}"/>
+              </a:ext>
+            </a:extLst>
+          </p:cNvPr>
           <p:cNvSpPr>
             <a:spLocks noGrp="1"/>
           </p:cNvSpPr>
@@ -2779,8 +3182,8 @@
         </p:nvSpPr>
         <p:spPr>
           <a:xfrm>
-            <a:off x="6553200" y="4767263"/>
-            <a:ext cx="2133600" cy="273844"/>
+            <a:off x="8610600" y="6356350"/>
+            <a:ext cx="2743200" cy="365125"/>
           </a:xfrm>
           <a:prstGeom prst="rect">
             <a:avLst/>
@@ -2790,7 +3193,7 @@
           <a:bodyPr anchor="ctr" bIns="45720" lIns="91440" rIns="91440" rtlCol="0" tIns="45720" vert="horz"/>
           <a:lstStyle>
             <a:lvl1pPr algn="r">
-              <a:defRPr sz="900">
+              <a:defRPr sz="1200">
                 <a:solidFill>
                   <a:schemeClr val="tx1">
                     <a:tint val="75000"/>
@@ -2800,7 +3203,7 @@
             </a:lvl1pPr>
           </a:lstStyle>
           <a:p>
-            <a:fld id="{C5EF2332-01BF-834F-8236-50238282D533}" type="slidenum">
+            <a:fld id="{13715DC4-C36F-4655-84DB-209ED23B0D45}" type="slidenum">
               <a:rPr lang="en-US" smtClean="0"/>
               <a:t>‹#›</a:t>
             </a:fld>
@@ -2811,7 +3214,7 @@
     </p:spTree>
     <p:extLst>
       <p:ext uri="{BB962C8B-B14F-4D97-AF65-F5344CB8AC3E}">
-        <p14:creationId xmlns:p14="http://schemas.microsoft.com/office/powerpoint/2010/main" val="3676200875"/>
+        <p14:creationId xmlns:p14="http://schemas.microsoft.com/office/powerpoint/2010/main" val="3782583245"/>
       </p:ext>
     </p:extLst>
   </p:cSld>
@@ -2831,12 +3234,15 @@
   </p:sldLayoutIdLst>
   <p:txStyles>
     <p:titleStyle>
-      <a:lvl1pPr algn="ctr" defTabSz="342900" eaLnBrk="1" hangingPunct="1" latinLnBrk="0" rtl="0">
+      <a:lvl1pPr algn="l" defTabSz="914400" eaLnBrk="1" hangingPunct="1" latinLnBrk="0" rtl="0">
+        <a:lnSpc>
+          <a:spcPct val="90000"/>
+        </a:lnSpc>
         <a:spcBef>
           <a:spcPct val="0"/>
         </a:spcBef>
         <a:buNone/>
-        <a:defRPr kern="1200" sz="3300">
+        <a:defRPr kern="1200" sz="4400">
           <a:solidFill>
             <a:schemeClr val="tx1"/>
           </a:solidFill>
@@ -2847,11 +3253,32 @@
       </a:lvl1pPr>
     </p:titleStyle>
     <p:bodyStyle>
-      <a:lvl1pPr algn="l" defTabSz="342900" eaLnBrk="1" hangingPunct="1" indent="-342900" latinLnBrk="0" marL="342900" rtl="0">
+      <a:lvl1pPr algn="l" defTabSz="914400" eaLnBrk="1" hangingPunct="1" indent="-228600" latinLnBrk="0" marL="228600" rtl="0">
+        <a:lnSpc>
+          <a:spcPct val="90000"/>
+        </a:lnSpc>
         <a:spcBef>
-          <a:spcPct val="20000"/>
+          <a:spcPts val="1000"/>
         </a:spcBef>
-        <a:buFont typeface="Arial"/>
+        <a:buFont charset="0" panose="020B0604020202020204" pitchFamily="34" typeface="Arial"/>
+        <a:buChar char="•"/>
+        <a:defRPr kern="1200" sz="2800">
+          <a:solidFill>
+            <a:schemeClr val="tx1"/>
+          </a:solidFill>
+          <a:latin typeface="+mn-lt"/>
+          <a:ea typeface="+mn-ea"/>
+          <a:cs typeface="+mn-cs"/>
+        </a:defRPr>
+      </a:lvl1pPr>
+      <a:lvl2pPr algn="l" defTabSz="914400" eaLnBrk="1" hangingPunct="1" indent="-228600" latinLnBrk="0" marL="685800" rtl="0">
+        <a:lnSpc>
+          <a:spcPct val="90000"/>
+        </a:lnSpc>
+        <a:spcBef>
+          <a:spcPts val="500"/>
+        </a:spcBef>
+        <a:buFont charset="0" panose="020B0604020202020204" pitchFamily="34" typeface="Arial"/>
         <a:buChar char="•"/>
         <a:defRPr kern="1200" sz="2400">
           <a:solidFill>
@@ -2861,14 +3288,17 @@
           <a:ea typeface="+mn-ea"/>
           <a:cs typeface="+mn-cs"/>
         </a:defRPr>
-      </a:lvl1pPr>
-      <a:lvl2pPr algn="l" defTabSz="342900" eaLnBrk="1" hangingPunct="1" indent="-342900" latinLnBrk="0" marL="685800" rtl="0">
+      </a:lvl2pPr>
+      <a:lvl3pPr algn="l" defTabSz="914400" eaLnBrk="1" hangingPunct="1" indent="-228600" latinLnBrk="0" marL="1143000" rtl="0">
+        <a:lnSpc>
+          <a:spcPct val="90000"/>
+        </a:lnSpc>
         <a:spcBef>
-          <a:spcPct val="20000"/>
+          <a:spcPts val="500"/>
         </a:spcBef>
-        <a:buFont typeface="Arial"/>
-        <a:buChar char="–"/>
-        <a:defRPr kern="1200" sz="2100">
+        <a:buFont charset="0" panose="020B0604020202020204" pitchFamily="34" typeface="Arial"/>
+        <a:buChar char="•"/>
+        <a:defRPr kern="1200" sz="2000">
           <a:solidFill>
             <a:schemeClr val="tx1"/>
           </a:solidFill>
@@ -2876,12 +3306,15 @@
           <a:ea typeface="+mn-ea"/>
           <a:cs typeface="+mn-cs"/>
         </a:defRPr>
-      </a:lvl2pPr>
-      <a:lvl3pPr algn="l" defTabSz="342900" eaLnBrk="1" hangingPunct="1" indent="-342900" latinLnBrk="0" marL="1028700" rtl="0">
+      </a:lvl3pPr>
+      <a:lvl4pPr algn="l" defTabSz="914400" eaLnBrk="1" hangingPunct="1" indent="-228600" latinLnBrk="0" marL="1600200" rtl="0">
+        <a:lnSpc>
+          <a:spcPct val="90000"/>
+        </a:lnSpc>
         <a:spcBef>
-          <a:spcPct val="20000"/>
+          <a:spcPts val="500"/>
         </a:spcBef>
-        <a:buFont typeface="Arial"/>
+        <a:buFont charset="0" panose="020B0604020202020204" pitchFamily="34" typeface="Arial"/>
         <a:buChar char="•"/>
         <a:defRPr kern="1200" sz="1800">
           <a:solidFill>
@@ -2891,29 +3324,17 @@
           <a:ea typeface="+mn-ea"/>
           <a:cs typeface="+mn-cs"/>
         </a:defRPr>
-      </a:lvl3pPr>
-      <a:lvl4pPr algn="l" defTabSz="342900" eaLnBrk="1" hangingPunct="1" indent="-342900" latinLnBrk="0" marL="1371600" rtl="0">
+      </a:lvl4pPr>
+      <a:lvl5pPr algn="l" defTabSz="914400" eaLnBrk="1" hangingPunct="1" indent="-228600" latinLnBrk="0" marL="2057400" rtl="0">
+        <a:lnSpc>
+          <a:spcPct val="90000"/>
+        </a:lnSpc>
         <a:spcBef>
-          <a:spcPct val="20000"/>
+          <a:spcPts val="500"/>
         </a:spcBef>
-        <a:buFont typeface="Arial"/>
-        <a:buChar char="–"/>
-        <a:defRPr kern="1200" sz="1500">
-          <a:solidFill>
-            <a:schemeClr val="tx1"/>
-          </a:solidFill>
-          <a:latin typeface="+mn-lt"/>
-          <a:ea typeface="+mn-ea"/>
-          <a:cs typeface="+mn-cs"/>
-        </a:defRPr>
-      </a:lvl4pPr>
-      <a:lvl5pPr algn="l" defTabSz="342900" eaLnBrk="1" hangingPunct="1" indent="-342900" latinLnBrk="0" marL="1714500" rtl="0">
-        <a:spcBef>
-          <a:spcPct val="20000"/>
-        </a:spcBef>
-        <a:buFont typeface="Arial"/>
-        <a:buChar char="»"/>
-        <a:defRPr kern="1200" sz="1500">
+        <a:buFont charset="0" panose="020B0604020202020204" pitchFamily="34" typeface="Arial"/>
+        <a:buChar char="•"/>
+        <a:defRPr kern="1200" sz="1800">
           <a:solidFill>
             <a:schemeClr val="tx1"/>
           </a:solidFill>
@@ -2922,13 +3343,16 @@
           <a:cs typeface="+mn-cs"/>
         </a:defRPr>
       </a:lvl5pPr>
-      <a:lvl6pPr algn="l" defTabSz="342900" eaLnBrk="1" hangingPunct="1" indent="-342900" latinLnBrk="0" marL="2057400" rtl="0">
+      <a:lvl6pPr algn="l" defTabSz="914400" eaLnBrk="1" hangingPunct="1" indent="-228600" latinLnBrk="0" marL="2514600" rtl="0">
+        <a:lnSpc>
+          <a:spcPct val="90000"/>
+        </a:lnSpc>
         <a:spcBef>
-          <a:spcPct val="20000"/>
+          <a:spcPts val="500"/>
         </a:spcBef>
-        <a:buFont typeface="Arial"/>
+        <a:buFont charset="0" panose="020B0604020202020204" pitchFamily="34" typeface="Arial"/>
         <a:buChar char="•"/>
-        <a:defRPr kern="1200" sz="1500">
+        <a:defRPr kern="1200" sz="1800">
           <a:solidFill>
             <a:schemeClr val="tx1"/>
           </a:solidFill>
@@ -2937,13 +3361,16 @@
           <a:cs typeface="+mn-cs"/>
         </a:defRPr>
       </a:lvl6pPr>
-      <a:lvl7pPr algn="l" defTabSz="342900" eaLnBrk="1" hangingPunct="1" indent="-342900" latinLnBrk="0" marL="2400300" rtl="0">
+      <a:lvl7pPr algn="l" defTabSz="914400" eaLnBrk="1" hangingPunct="1" indent="-228600" latinLnBrk="0" marL="2971800" rtl="0">
+        <a:lnSpc>
+          <a:spcPct val="90000"/>
+        </a:lnSpc>
         <a:spcBef>
-          <a:spcPct val="20000"/>
+          <a:spcPts val="500"/>
         </a:spcBef>
-        <a:buFont typeface="Arial"/>
+        <a:buFont charset="0" panose="020B0604020202020204" pitchFamily="34" typeface="Arial"/>
         <a:buChar char="•"/>
-        <a:defRPr kern="1200" sz="1500">
+        <a:defRPr kern="1200" sz="1800">
           <a:solidFill>
             <a:schemeClr val="tx1"/>
           </a:solidFill>
@@ -2952,13 +3379,16 @@
           <a:cs typeface="+mn-cs"/>
         </a:defRPr>
       </a:lvl7pPr>
-      <a:lvl8pPr algn="l" defTabSz="342900" eaLnBrk="1" hangingPunct="1" indent="-342900" latinLnBrk="0" marL="2743200" rtl="0">
+      <a:lvl8pPr algn="l" defTabSz="914400" eaLnBrk="1" hangingPunct="1" indent="-228600" latinLnBrk="0" marL="3429000" rtl="0">
+        <a:lnSpc>
+          <a:spcPct val="90000"/>
+        </a:lnSpc>
         <a:spcBef>
-          <a:spcPct val="20000"/>
+          <a:spcPts val="500"/>
         </a:spcBef>
-        <a:buFont typeface="Arial"/>
+        <a:buFont charset="0" panose="020B0604020202020204" pitchFamily="34" typeface="Arial"/>
         <a:buChar char="•"/>
-        <a:defRPr kern="1200" sz="1500">
+        <a:defRPr kern="1200" sz="1800">
           <a:solidFill>
             <a:schemeClr val="tx1"/>
           </a:solidFill>
@@ -2967,13 +3397,16 @@
           <a:cs typeface="+mn-cs"/>
         </a:defRPr>
       </a:lvl8pPr>
-      <a:lvl9pPr algn="l" defTabSz="342900" eaLnBrk="1" hangingPunct="1" indent="-342900" latinLnBrk="0" marL="3086100" rtl="0">
+      <a:lvl9pPr algn="l" defTabSz="914400" eaLnBrk="1" hangingPunct="1" indent="-228600" latinLnBrk="0" marL="3886200" rtl="0">
+        <a:lnSpc>
+          <a:spcPct val="90000"/>
+        </a:lnSpc>
         <a:spcBef>
-          <a:spcPct val="20000"/>
+          <a:spcPts val="500"/>
         </a:spcBef>
-        <a:buFont typeface="Arial"/>
+        <a:buFont charset="0" panose="020B0604020202020204" pitchFamily="34" typeface="Arial"/>
         <a:buChar char="•"/>
-        <a:defRPr kern="1200" sz="1500">
+        <a:defRPr kern="1200" sz="1800">
           <a:solidFill>
             <a:schemeClr val="tx1"/>
           </a:solidFill>
@@ -2987,8 +3420,8 @@
       <a:defPPr>
         <a:defRPr lang="en-US"/>
       </a:defPPr>
-      <a:lvl1pPr algn="l" defTabSz="342900" eaLnBrk="1" hangingPunct="1" latinLnBrk="0" marL="0" rtl="0">
-        <a:defRPr kern="1200" sz="1350">
+      <a:lvl1pPr algn="l" defTabSz="914400" eaLnBrk="1" hangingPunct="1" latinLnBrk="0" marL="0" rtl="0">
+        <a:defRPr kern="1200" sz="1800">
           <a:solidFill>
             <a:schemeClr val="tx1"/>
           </a:solidFill>
@@ -2997,8 +3430,8 @@
           <a:cs typeface="+mn-cs"/>
         </a:defRPr>
       </a:lvl1pPr>
-      <a:lvl2pPr algn="l" defTabSz="342900" eaLnBrk="1" hangingPunct="1" latinLnBrk="0" marL="342900" rtl="0">
-        <a:defRPr kern="1200" sz="1350">
+      <a:lvl2pPr algn="l" defTabSz="914400" eaLnBrk="1" hangingPunct="1" latinLnBrk="0" marL="457200" rtl="0">
+        <a:defRPr kern="1200" sz="1800">
           <a:solidFill>
             <a:schemeClr val="tx1"/>
           </a:solidFill>
@@ -3007,8 +3440,8 @@
           <a:cs typeface="+mn-cs"/>
         </a:defRPr>
       </a:lvl2pPr>
-      <a:lvl3pPr algn="l" defTabSz="342900" eaLnBrk="1" hangingPunct="1" latinLnBrk="0" marL="685800" rtl="0">
-        <a:defRPr kern="1200" sz="1350">
+      <a:lvl3pPr algn="l" defTabSz="914400" eaLnBrk="1" hangingPunct="1" latinLnBrk="0" marL="914400" rtl="0">
+        <a:defRPr kern="1200" sz="1800">
           <a:solidFill>
             <a:schemeClr val="tx1"/>
           </a:solidFill>
@@ -3017,8 +3450,8 @@
           <a:cs typeface="+mn-cs"/>
         </a:defRPr>
       </a:lvl3pPr>
-      <a:lvl4pPr algn="l" defTabSz="342900" eaLnBrk="1" hangingPunct="1" latinLnBrk="0" marL="1028700" rtl="0">
-        <a:defRPr kern="1200" sz="1350">
+      <a:lvl4pPr algn="l" defTabSz="914400" eaLnBrk="1" hangingPunct="1" latinLnBrk="0" marL="1371600" rtl="0">
+        <a:defRPr kern="1200" sz="1800">
           <a:solidFill>
             <a:schemeClr val="tx1"/>
           </a:solidFill>
@@ -3027,8 +3460,8 @@
           <a:cs typeface="+mn-cs"/>
         </a:defRPr>
       </a:lvl4pPr>
-      <a:lvl5pPr algn="l" defTabSz="342900" eaLnBrk="1" hangingPunct="1" latinLnBrk="0" marL="1371600" rtl="0">
-        <a:defRPr kern="1200" sz="1350">
+      <a:lvl5pPr algn="l" defTabSz="914400" eaLnBrk="1" hangingPunct="1" latinLnBrk="0" marL="1828800" rtl="0">
+        <a:defRPr kern="1200" sz="1800">
           <a:solidFill>
             <a:schemeClr val="tx1"/>
           </a:solidFill>
@@ -3037,8 +3470,8 @@
           <a:cs typeface="+mn-cs"/>
         </a:defRPr>
       </a:lvl5pPr>
-      <a:lvl6pPr algn="l" defTabSz="342900" eaLnBrk="1" hangingPunct="1" latinLnBrk="0" marL="1714500" rtl="0">
-        <a:defRPr kern="1200" sz="1350">
+      <a:lvl6pPr algn="l" defTabSz="914400" eaLnBrk="1" hangingPunct="1" latinLnBrk="0" marL="2286000" rtl="0">
+        <a:defRPr kern="1200" sz="1800">
           <a:solidFill>
             <a:schemeClr val="tx1"/>
           </a:solidFill>
@@ -3047,8 +3480,8 @@
           <a:cs typeface="+mn-cs"/>
         </a:defRPr>
       </a:lvl6pPr>
-      <a:lvl7pPr algn="l" defTabSz="342900" eaLnBrk="1" hangingPunct="1" latinLnBrk="0" marL="2057400" rtl="0">
-        <a:defRPr kern="1200" sz="1350">
+      <a:lvl7pPr algn="l" defTabSz="914400" eaLnBrk="1" hangingPunct="1" latinLnBrk="0" marL="2743200" rtl="0">
+        <a:defRPr kern="1200" sz="1800">
           <a:solidFill>
             <a:schemeClr val="tx1"/>
           </a:solidFill>
@@ -3057,8 +3490,8 @@
           <a:cs typeface="+mn-cs"/>
         </a:defRPr>
       </a:lvl7pPr>
-      <a:lvl8pPr algn="l" defTabSz="342900" eaLnBrk="1" hangingPunct="1" latinLnBrk="0" marL="2400300" rtl="0">
-        <a:defRPr kern="1200" sz="1350">
+      <a:lvl8pPr algn="l" defTabSz="914400" eaLnBrk="1" hangingPunct="1" latinLnBrk="0" marL="3200400" rtl="0">
+        <a:defRPr kern="1200" sz="1800">
           <a:solidFill>
             <a:schemeClr val="tx1"/>
           </a:solidFill>
@@ -3067,8 +3500,8 @@
           <a:cs typeface="+mn-cs"/>
         </a:defRPr>
       </a:lvl8pPr>
-      <a:lvl9pPr algn="l" defTabSz="342900" eaLnBrk="1" hangingPunct="1" latinLnBrk="0" marL="2743200" rtl="0">
-        <a:defRPr kern="1200" sz="1350">
+      <a:lvl9pPr algn="l" defTabSz="914400" eaLnBrk="1" hangingPunct="1" latinLnBrk="0" marL="3657600" rtl="0">
+        <a:defRPr kern="1200" sz="1800">
           <a:solidFill>
             <a:schemeClr val="tx1"/>
           </a:solidFill>
@@ -3101,7 +3534,13 @@
       </p:grpSpPr>
       <p:sp>
         <p:nvSpPr>
-          <p:cNvPr id="2" name="Title 1"/>
+          <p:cNvPr id="2" name="Title 1">
+            <a:extLst>
+              <a:ext uri="{FF2B5EF4-FFF2-40B4-BE49-F238E27FC236}">
+                <a16:creationId xmlns:a16="http://schemas.microsoft.com/office/drawing/2014/main" id="{322BDD6C-18D1-A6F8-80DB-7019B54E89B5}"/>
+              </a:ext>
+            </a:extLst>
+          </p:cNvPr>
           <p:cNvSpPr>
             <a:spLocks noGrp="1"/>
           </p:cNvSpPr>
@@ -3111,8 +3550,8 @@
         </p:nvSpPr>
         <p:spPr>
           <a:xfrm>
-            <a:off x="685800" y="1597819"/>
-            <a:ext cx="7772400" cy="1102519"/>
+            <a:off x="1524000" y="1122363"/>
+            <a:ext cx="9144000" cy="2387600"/>
           </a:xfrm>
         </p:spPr>
         <p:txBody>
@@ -3124,14 +3563,20 @@
             </a:pPr>
             <a:r>
               <a:rPr/>
-              <a:t>PowerPointTemplate</a:t>
-            </a:r>
-          </a:p>
-        </p:txBody>
-      </p:sp>
-      <p:sp>
-        <p:nvSpPr>
-          <p:cNvPr id="3" name="Subtitle 2"/>
+              <a:t>Value Based Purchasing Performance</a:t>
+            </a:r>
+          </a:p>
+        </p:txBody>
+      </p:sp>
+      <p:sp>
+        <p:nvSpPr>
+          <p:cNvPr id="3" name="Subtitle 2">
+            <a:extLst>
+              <a:ext uri="{FF2B5EF4-FFF2-40B4-BE49-F238E27FC236}">
+                <a16:creationId xmlns:a16="http://schemas.microsoft.com/office/drawing/2014/main" id="{8B913B9A-D7C5-D07B-FF41-21C6361912C1}"/>
+              </a:ext>
+            </a:extLst>
+          </p:cNvPr>
           <p:cNvSpPr>
             <a:spLocks noGrp="1"/>
           </p:cNvSpPr>
@@ -3141,8 +3586,8 @@
         </p:nvSpPr>
         <p:spPr>
           <a:xfrm>
-            <a:off x="1371600" y="2914650"/>
-            <a:ext cx="6400800" cy="1314450"/>
+            <a:off x="1524000" y="3602038"/>
+            <a:ext cx="9144000" cy="1655762"/>
           </a:xfrm>
         </p:spPr>
         <p:txBody>
@@ -3152,6 +3597,10 @@
             <a:pPr lvl="0" indent="0" marL="0">
               <a:buNone/>
             </a:pPr>
+            <a:r>
+              <a:rPr/>
+              <a:t>Member Event Validation</a:t>
+            </a:r>
             <a:br/>
             <a:br/>
             <a:r>
@@ -3163,7 +3612,13 @@
       </p:sp>
       <p:sp>
         <p:nvSpPr>
-          <p:cNvPr id="4" name="Date Placeholder 3"/>
+          <p:cNvPr id="4" name="Date Placeholder 3">
+            <a:extLst>
+              <a:ext uri="{FF2B5EF4-FFF2-40B4-BE49-F238E27FC236}">
+                <a16:creationId xmlns:a16="http://schemas.microsoft.com/office/drawing/2014/main" id="{842C71B2-AF32-1EB6-5167-B9FD9DF6F6F3}"/>
+              </a:ext>
+            </a:extLst>
+          </p:cNvPr>
           <p:cNvSpPr>
             <a:spLocks noGrp="1"/>
           </p:cNvSpPr>
@@ -3210,7 +3665,13 @@
       </p:grpSpPr>
       <p:sp>
         <p:nvSpPr>
-          <p:cNvPr id="2" name="Title 1"/>
+          <p:cNvPr id="2" name="Title 1">
+            <a:extLst>
+              <a:ext uri="{FF2B5EF4-FFF2-40B4-BE49-F238E27FC236}">
+                <a16:creationId xmlns:a16="http://schemas.microsoft.com/office/drawing/2014/main" id="{D2C6BCA7-8522-7359-20E2-7BC8D9C4C239}"/>
+              </a:ext>
+            </a:extLst>
+          </p:cNvPr>
           <p:cNvSpPr>
             <a:spLocks noGrp="1"/>
           </p:cNvSpPr>
@@ -3218,7 +3679,11 @@
             <p:ph type="title"/>
           </p:nvPr>
         </p:nvSpPr>
-        <p:spPr/>
+        <p:spPr>
+          <a:solidFill>
+            <a:srgbClr val="5E7875"/>
+          </a:solidFill>
+        </p:spPr>
         <p:txBody>
           <a:bodyPr/>
           <a:lstStyle/>
@@ -3257,7 +3722,13 @@
       </p:grpSpPr>
       <p:sp>
         <p:nvSpPr>
-          <p:cNvPr id="2" name="Title 1"/>
+          <p:cNvPr id="2" name="Title 1">
+            <a:extLst>
+              <a:ext uri="{FF2B5EF4-FFF2-40B4-BE49-F238E27FC236}">
+                <a16:creationId xmlns:a16="http://schemas.microsoft.com/office/drawing/2014/main" id="{D2C6BCA7-8522-7359-20E2-7BC8D9C4C239}"/>
+              </a:ext>
+            </a:extLst>
+          </p:cNvPr>
           <p:cNvSpPr>
             <a:spLocks noGrp="1"/>
           </p:cNvSpPr>
@@ -3265,7 +3736,11 @@
             <p:ph type="title"/>
           </p:nvPr>
         </p:nvSpPr>
-        <p:spPr/>
+        <p:spPr>
+          <a:solidFill>
+            <a:srgbClr val="5E7875"/>
+          </a:solidFill>
+        </p:spPr>
         <p:txBody>
           <a:bodyPr/>
           <a:lstStyle/>
@@ -3282,7 +3757,13 @@
       </p:sp>
       <p:sp>
         <p:nvSpPr>
-          <p:cNvPr id="3" name="Content Placeholder 2"/>
+          <p:cNvPr id="3" name="Content Placeholder 2">
+            <a:extLst>
+              <a:ext uri="{FF2B5EF4-FFF2-40B4-BE49-F238E27FC236}">
+                <a16:creationId xmlns:a16="http://schemas.microsoft.com/office/drawing/2014/main" id="{A8D394A3-3A46-20FA-0771-18EAEE628541}"/>
+              </a:ext>
+            </a:extLst>
+          </p:cNvPr>
           <p:cNvSpPr>
             <a:spLocks noGrp="1"/>
           </p:cNvSpPr>
@@ -3329,7 +3810,13 @@
       </p:grpSpPr>
       <p:sp>
         <p:nvSpPr>
-          <p:cNvPr id="2" name="Title 1"/>
+          <p:cNvPr id="2" name="Title 1">
+            <a:extLst>
+              <a:ext uri="{FF2B5EF4-FFF2-40B4-BE49-F238E27FC236}">
+                <a16:creationId xmlns:a16="http://schemas.microsoft.com/office/drawing/2014/main" id="{D2C6BCA7-8522-7359-20E2-7BC8D9C4C239}"/>
+              </a:ext>
+            </a:extLst>
+          </p:cNvPr>
           <p:cNvSpPr>
             <a:spLocks noGrp="1"/>
           </p:cNvSpPr>
@@ -3337,7 +3824,11 @@
             <p:ph type="title"/>
           </p:nvPr>
         </p:nvSpPr>
-        <p:spPr/>
+        <p:spPr>
+          <a:solidFill>
+            <a:srgbClr val="5E7875"/>
+          </a:solidFill>
+        </p:spPr>
         <p:txBody>
           <a:bodyPr/>
           <a:lstStyle/>
@@ -3354,7 +3845,13 @@
       </p:sp>
       <p:sp>
         <p:nvSpPr>
-          <p:cNvPr id="3" name="Content Placeholder 2"/>
+          <p:cNvPr id="3" name="Content Placeholder 2">
+            <a:extLst>
+              <a:ext uri="{FF2B5EF4-FFF2-40B4-BE49-F238E27FC236}">
+                <a16:creationId xmlns:a16="http://schemas.microsoft.com/office/drawing/2014/main" id="{A8D394A3-3A46-20FA-0771-18EAEE628541}"/>
+              </a:ext>
+            </a:extLst>
+          </p:cNvPr>
           <p:cNvSpPr>
             <a:spLocks noGrp="1"/>
           </p:cNvSpPr>
@@ -3372,7 +3869,7 @@
             </a:pPr>
           </a:p>
           <a:p>
-            <a:pPr lvl="0" indent="-342900" marL="342900">
+            <a:pPr lvl="0" indent="-457200" marL="457200">
               <a:buAutoNum type="arabicPeriod"/>
             </a:pPr>
             <a:r>
@@ -3381,7 +3878,7 @@
             </a:r>
           </a:p>
           <a:p>
-            <a:pPr lvl="0" indent="-342900" marL="342900">
+            <a:pPr lvl="0" indent="-457200" marL="457200">
               <a:buAutoNum type="arabicPeriod"/>
             </a:pPr>
             <a:r>
@@ -3429,7 +3926,13 @@
       </p:grpSpPr>
       <p:sp>
         <p:nvSpPr>
-          <p:cNvPr id="2" name="Title 1"/>
+          <p:cNvPr id="2" name="Title 1">
+            <a:extLst>
+              <a:ext uri="{FF2B5EF4-FFF2-40B4-BE49-F238E27FC236}">
+                <a16:creationId xmlns:a16="http://schemas.microsoft.com/office/drawing/2014/main" id="{D2C6BCA7-8522-7359-20E2-7BC8D9C4C239}"/>
+              </a:ext>
+            </a:extLst>
+          </p:cNvPr>
           <p:cNvSpPr>
             <a:spLocks noGrp="1"/>
           </p:cNvSpPr>
@@ -3437,7 +3940,11 @@
             <p:ph type="title"/>
           </p:nvPr>
         </p:nvSpPr>
-        <p:spPr/>
+        <p:spPr>
+          <a:solidFill>
+            <a:srgbClr val="5E7875"/>
+          </a:solidFill>
+        </p:spPr>
         <p:txBody>
           <a:bodyPr/>
           <a:lstStyle/>
@@ -3454,7 +3961,13 @@
       </p:sp>
       <p:sp>
         <p:nvSpPr>
-          <p:cNvPr id="3" name="Content Placeholder 2"/>
+          <p:cNvPr id="3" name="Content Placeholder 2">
+            <a:extLst>
+              <a:ext uri="{FF2B5EF4-FFF2-40B4-BE49-F238E27FC236}">
+                <a16:creationId xmlns:a16="http://schemas.microsoft.com/office/drawing/2014/main" id="{A8D394A3-3A46-20FA-0771-18EAEE628541}"/>
+              </a:ext>
+            </a:extLst>
+          </p:cNvPr>
           <p:cNvSpPr>
             <a:spLocks noGrp="1"/>
           </p:cNvSpPr>
@@ -3501,7 +4014,13 @@
       </p:grpSpPr>
       <p:sp>
         <p:nvSpPr>
-          <p:cNvPr id="2" name="Title 1"/>
+          <p:cNvPr id="2" name="Title 1">
+            <a:extLst>
+              <a:ext uri="{FF2B5EF4-FFF2-40B4-BE49-F238E27FC236}">
+                <a16:creationId xmlns:a16="http://schemas.microsoft.com/office/drawing/2014/main" id="{F82F2AEB-7D2B-A4B8-74CA-6F6F05019BA2}"/>
+              </a:ext>
+            </a:extLst>
+          </p:cNvPr>
           <p:cNvSpPr>
             <a:spLocks noGrp="1"/>
           </p:cNvSpPr>
@@ -3509,7 +4028,11 @@
             <p:ph type="title"/>
           </p:nvPr>
         </p:nvSpPr>
-        <p:spPr/>
+        <p:spPr>
+          <a:solidFill>
+            <a:srgbClr val="5E7875"/>
+          </a:solidFill>
+        </p:spPr>
         <p:txBody>
           <a:bodyPr/>
           <a:lstStyle/>
@@ -3526,7 +4049,13 @@
       </p:sp>
       <p:sp>
         <p:nvSpPr>
-          <p:cNvPr id="3" name="Content Placeholder 2"/>
+          <p:cNvPr id="3" name="Content Placeholder 2">
+            <a:extLst>
+              <a:ext uri="{FF2B5EF4-FFF2-40B4-BE49-F238E27FC236}">
+                <a16:creationId xmlns:a16="http://schemas.microsoft.com/office/drawing/2014/main" id="{920DB76B-AE48-88E5-8146-33493A65D336}"/>
+              </a:ext>
+            </a:extLst>
+          </p:cNvPr>
           <p:cNvSpPr>
             <a:spLocks noGrp="1"/>
           </p:cNvSpPr>
@@ -3581,7 +4110,13 @@
       </p:sp>
       <p:sp>
         <p:nvSpPr>
-          <p:cNvPr id="4" name="Content Placeholder 3"/>
+          <p:cNvPr id="4" name="Content Placeholder 3">
+            <a:extLst>
+              <a:ext uri="{FF2B5EF4-FFF2-40B4-BE49-F238E27FC236}">
+                <a16:creationId xmlns:a16="http://schemas.microsoft.com/office/drawing/2014/main" id="{06B04C2E-D624-75AD-15D0-BBDC10FA0D9B}"/>
+              </a:ext>
+            </a:extLst>
+          </p:cNvPr>
           <p:cNvSpPr>
             <a:spLocks noGrp="1"/>
           </p:cNvSpPr>
@@ -3649,7 +4184,13 @@
       </p:grpSpPr>
       <p:sp>
         <p:nvSpPr>
-          <p:cNvPr id="2" name="Title 1"/>
+          <p:cNvPr id="2" name="Title 1">
+            <a:extLst>
+              <a:ext uri="{FF2B5EF4-FFF2-40B4-BE49-F238E27FC236}">
+                <a16:creationId xmlns:a16="http://schemas.microsoft.com/office/drawing/2014/main" id="{D2C6BCA7-8522-7359-20E2-7BC8D9C4C239}"/>
+              </a:ext>
+            </a:extLst>
+          </p:cNvPr>
           <p:cNvSpPr>
             <a:spLocks noGrp="1"/>
           </p:cNvSpPr>
@@ -3657,7 +4198,11 @@
             <p:ph type="title"/>
           </p:nvPr>
         </p:nvSpPr>
-        <p:spPr/>
+        <p:spPr>
+          <a:solidFill>
+            <a:srgbClr val="5E7875"/>
+          </a:solidFill>
+        </p:spPr>
         <p:txBody>
           <a:bodyPr/>
           <a:lstStyle/>
@@ -3696,7 +4241,13 @@
       </p:grpSpPr>
       <p:sp>
         <p:nvSpPr>
-          <p:cNvPr id="2" name="Title 1"/>
+          <p:cNvPr id="2" name="Title 1">
+            <a:extLst>
+              <a:ext uri="{FF2B5EF4-FFF2-40B4-BE49-F238E27FC236}">
+                <a16:creationId xmlns:a16="http://schemas.microsoft.com/office/drawing/2014/main" id="{D2C6BCA7-8522-7359-20E2-7BC8D9C4C239}"/>
+              </a:ext>
+            </a:extLst>
+          </p:cNvPr>
           <p:cNvSpPr>
             <a:spLocks noGrp="1"/>
           </p:cNvSpPr>
@@ -3704,7 +4255,11 @@
             <p:ph type="title"/>
           </p:nvPr>
         </p:nvSpPr>
-        <p:spPr/>
+        <p:spPr>
+          <a:solidFill>
+            <a:srgbClr val="5E7875"/>
+          </a:solidFill>
+        </p:spPr>
         <p:txBody>
           <a:bodyPr/>
           <a:lstStyle/>
@@ -3743,7 +4298,13 @@
       </p:grpSpPr>
       <p:sp>
         <p:nvSpPr>
-          <p:cNvPr id="2" name="Title 1"/>
+          <p:cNvPr id="2" name="Title 1">
+            <a:extLst>
+              <a:ext uri="{FF2B5EF4-FFF2-40B4-BE49-F238E27FC236}">
+                <a16:creationId xmlns:a16="http://schemas.microsoft.com/office/drawing/2014/main" id="{D2C6BCA7-8522-7359-20E2-7BC8D9C4C239}"/>
+              </a:ext>
+            </a:extLst>
+          </p:cNvPr>
           <p:cNvSpPr>
             <a:spLocks noGrp="1"/>
           </p:cNvSpPr>
@@ -3751,7 +4312,11 @@
             <p:ph type="title"/>
           </p:nvPr>
         </p:nvSpPr>
-        <p:spPr/>
+        <p:spPr>
+          <a:solidFill>
+            <a:srgbClr val="5E7875"/>
+          </a:solidFill>
+        </p:spPr>
         <p:txBody>
           <a:bodyPr/>
           <a:lstStyle/>
@@ -3790,7 +4355,13 @@
       </p:grpSpPr>
       <p:sp>
         <p:nvSpPr>
-          <p:cNvPr id="2" name="Title 1"/>
+          <p:cNvPr id="2" name="Title 1">
+            <a:extLst>
+              <a:ext uri="{FF2B5EF4-FFF2-40B4-BE49-F238E27FC236}">
+                <a16:creationId xmlns:a16="http://schemas.microsoft.com/office/drawing/2014/main" id="{D2C6BCA7-8522-7359-20E2-7BC8D9C4C239}"/>
+              </a:ext>
+            </a:extLst>
+          </p:cNvPr>
           <p:cNvSpPr>
             <a:spLocks noGrp="1"/>
           </p:cNvSpPr>
@@ -3798,7 +4369,11 @@
             <p:ph type="title"/>
           </p:nvPr>
         </p:nvSpPr>
-        <p:spPr/>
+        <p:spPr>
+          <a:solidFill>
+            <a:srgbClr val="5E7875"/>
+          </a:solidFill>
+        </p:spPr>
         <p:txBody>
           <a:bodyPr/>
           <a:lstStyle/>
@@ -3829,44 +4404,44 @@
         <a:sysClr val="window" lastClr="FFFFFF"/>
       </a:lt1>
       <a:dk2>
-        <a:srgbClr val="1F497D"/>
+        <a:srgbClr val="44546A"/>
       </a:dk2>
       <a:lt2>
-        <a:srgbClr val="EEECE1"/>
+        <a:srgbClr val="E7E6E6"/>
       </a:lt2>
       <a:accent1>
-        <a:srgbClr val="4F81BD"/>
+        <a:srgbClr val="4472C4"/>
       </a:accent1>
       <a:accent2>
-        <a:srgbClr val="C0504D"/>
+        <a:srgbClr val="ED7D31"/>
       </a:accent2>
       <a:accent3>
-        <a:srgbClr val="9BBB59"/>
+        <a:srgbClr val="A5A5A5"/>
       </a:accent3>
       <a:accent4>
-        <a:srgbClr val="8064A2"/>
+        <a:srgbClr val="FFC000"/>
       </a:accent4>
       <a:accent5>
-        <a:srgbClr val="4BACC6"/>
+        <a:srgbClr val="5B9BD5"/>
       </a:accent5>
       <a:accent6>
-        <a:srgbClr val="F79646"/>
+        <a:srgbClr val="70AD47"/>
       </a:accent6>
       <a:hlink>
-        <a:srgbClr val="0000FF"/>
+        <a:srgbClr val="0563C1"/>
       </a:hlink>
       <a:folHlink>
-        <a:srgbClr val="800080"/>
+        <a:srgbClr val="954F72"/>
       </a:folHlink>
     </a:clrScheme>
     <a:fontScheme name="Office">
       <a:majorFont>
-        <a:latin typeface="Calibri"/>
+        <a:latin typeface="Calibri Light" panose="020F0302020204030204"/>
         <a:ea typeface=""/>
         <a:cs typeface=""/>
-        <a:font script="Jpan" typeface="ＭＳ Ｐゴシック"/>
+        <a:font script="Jpan" typeface="游ゴシック Light"/>
         <a:font script="Hang" typeface="맑은 고딕"/>
-        <a:font script="Hans" typeface="宋体"/>
+        <a:font script="Hans" typeface="等线 Light"/>
         <a:font script="Hant" typeface="新細明體"/>
         <a:font script="Arab" typeface="Times New Roman"/>
         <a:font script="Hebr" typeface="Times New Roman"/>
@@ -3894,14 +4469,31 @@
         <a:font script="Viet" typeface="Times New Roman"/>
         <a:font script="Uigh" typeface="Microsoft Uighur"/>
         <a:font script="Geor" typeface="Sylfaen"/>
+        <a:font script="Armn" typeface="Arial"/>
+        <a:font script="Bugi" typeface="Leelawadee UI"/>
+        <a:font script="Bopo" typeface="Microsoft JhengHei"/>
+        <a:font script="Java" typeface="Javanese Text"/>
+        <a:font script="Lisu" typeface="Segoe UI"/>
+        <a:font script="Mymr" typeface="Myanmar Text"/>
+        <a:font script="Nkoo" typeface="Ebrima"/>
+        <a:font script="Olck" typeface="Nirmala UI"/>
+        <a:font script="Osma" typeface="Ebrima"/>
+        <a:font script="Phag" typeface="Phagspa"/>
+        <a:font script="Syrn" typeface="Estrangelo Edessa"/>
+        <a:font script="Syrj" typeface="Estrangelo Edessa"/>
+        <a:font script="Syre" typeface="Estrangelo Edessa"/>
+        <a:font script="Sora" typeface="Nirmala UI"/>
+        <a:font script="Tale" typeface="Microsoft Tai Le"/>
+        <a:font script="Talu" typeface="Microsoft New Tai Lue"/>
+        <a:font script="Tfng" typeface="Ebrima"/>
       </a:majorFont>
       <a:minorFont>
-        <a:latin typeface="Calibri"/>
+        <a:latin typeface="Calibri" panose="020F0502020204030204"/>
         <a:ea typeface=""/>
         <a:cs typeface=""/>
-        <a:font script="Jpan" typeface="ＭＳ Ｐゴシック"/>
+        <a:font script="Jpan" typeface="游ゴシック"/>
         <a:font script="Hang" typeface="맑은 고딕"/>
-        <a:font script="Hans" typeface="宋体"/>
+        <a:font script="Hans" typeface="等线"/>
         <a:font script="Hant" typeface="新細明體"/>
         <a:font script="Arab" typeface="Arial"/>
         <a:font script="Hebr" typeface="Arial"/>
@@ -3929,6 +4521,23 @@
         <a:font script="Viet" typeface="Arial"/>
         <a:font script="Uigh" typeface="Microsoft Uighur"/>
         <a:font script="Geor" typeface="Sylfaen"/>
+        <a:font script="Armn" typeface="Arial"/>
+        <a:font script="Bugi" typeface="Leelawadee UI"/>
+        <a:font script="Bopo" typeface="Microsoft JhengHei"/>
+        <a:font script="Java" typeface="Javanese Text"/>
+        <a:font script="Lisu" typeface="Segoe UI"/>
+        <a:font script="Mymr" typeface="Myanmar Text"/>
+        <a:font script="Nkoo" typeface="Ebrima"/>
+        <a:font script="Olck" typeface="Nirmala UI"/>
+        <a:font script="Osma" typeface="Ebrima"/>
+        <a:font script="Phag" typeface="Phagspa"/>
+        <a:font script="Syrn" typeface="Estrangelo Edessa"/>
+        <a:font script="Syrj" typeface="Estrangelo Edessa"/>
+        <a:font script="Syre" typeface="Estrangelo Edessa"/>
+        <a:font script="Sora" typeface="Nirmala UI"/>
+        <a:font script="Tale" typeface="Microsoft Tai Le"/>
+        <a:font script="Talu" typeface="Microsoft New Tai Lue"/>
+        <a:font script="Tfng" typeface="Ebrima"/>
       </a:minorFont>
     </a:fontScheme>
     <a:fmtScheme name="Office">
@@ -3940,201 +4549,142 @@
           <a:gsLst>
             <a:gs pos="0">
               <a:schemeClr val="phClr">
-                <a:tint val="50000"/>
-                <a:satMod val="300000"/>
+                <a:lumMod val="110000"/>
+                <a:satMod val="105000"/>
+                <a:tint val="67000"/>
               </a:schemeClr>
             </a:gs>
-            <a:gs pos="35000">
+            <a:gs pos="50000">
               <a:schemeClr val="phClr">
-                <a:tint val="37000"/>
-                <a:satMod val="300000"/>
+                <a:lumMod val="105000"/>
+                <a:satMod val="103000"/>
+                <a:tint val="73000"/>
               </a:schemeClr>
             </a:gs>
             <a:gs pos="100000">
               <a:schemeClr val="phClr">
-                <a:tint val="15000"/>
-                <a:satMod val="350000"/>
+                <a:lumMod val="105000"/>
+                <a:satMod val="109000"/>
+                <a:tint val="81000"/>
               </a:schemeClr>
             </a:gs>
           </a:gsLst>
-          <a:lin ang="16200000" scaled="1"/>
+          <a:lin ang="5400000" scaled="0"/>
         </a:gradFill>
         <a:gradFill rotWithShape="1">
           <a:gsLst>
             <a:gs pos="0">
               <a:schemeClr val="phClr">
-                <a:tint val="100000"/>
+                <a:satMod val="103000"/>
+                <a:lumMod val="102000"/>
+                <a:tint val="94000"/>
+              </a:schemeClr>
+            </a:gs>
+            <a:gs pos="50000">
+              <a:schemeClr val="phClr">
+                <a:satMod val="110000"/>
+                <a:lumMod val="100000"/>
                 <a:shade val="100000"/>
-                <a:satMod val="130000"/>
               </a:schemeClr>
             </a:gs>
             <a:gs pos="100000">
               <a:schemeClr val="phClr">
-                <a:tint val="50000"/>
-                <a:shade val="100000"/>
-                <a:satMod val="350000"/>
+                <a:lumMod val="99000"/>
+                <a:satMod val="120000"/>
+                <a:shade val="78000"/>
               </a:schemeClr>
             </a:gs>
           </a:gsLst>
-          <a:lin ang="16200000" scaled="0"/>
+          <a:lin ang="5400000" scaled="0"/>
         </a:gradFill>
       </a:fillStyleLst>
       <a:lnStyleLst>
-        <a:ln w="9525" cap="flat" cmpd="sng" algn="ctr">
-          <a:solidFill>
-            <a:schemeClr val="phClr">
-              <a:shade val="95000"/>
-              <a:satMod val="105000"/>
-            </a:schemeClr>
-          </a:solidFill>
-          <a:prstDash val="solid"/>
-        </a:ln>
-        <a:ln w="25400" cap="flat" cmpd="sng" algn="ctr">
+        <a:ln w="6350" cap="flat" cmpd="sng" algn="ctr">
           <a:solidFill>
             <a:schemeClr val="phClr"/>
           </a:solidFill>
           <a:prstDash val="solid"/>
+          <a:miter lim="800000"/>
         </a:ln>
-        <a:ln w="38100" cap="flat" cmpd="sng" algn="ctr">
+        <a:ln w="12700" cap="flat" cmpd="sng" algn="ctr">
           <a:solidFill>
             <a:schemeClr val="phClr"/>
           </a:solidFill>
           <a:prstDash val="solid"/>
+          <a:miter lim="800000"/>
+        </a:ln>
+        <a:ln w="19050" cap="flat" cmpd="sng" algn="ctr">
+          <a:solidFill>
+            <a:schemeClr val="phClr"/>
+          </a:solidFill>
+          <a:prstDash val="solid"/>
+          <a:miter lim="800000"/>
         </a:ln>
       </a:lnStyleLst>
       <a:effectStyleLst>
         <a:effectStyle>
+          <a:effectLst/>
+        </a:effectStyle>
+        <a:effectStyle>
+          <a:effectLst/>
+        </a:effectStyle>
+        <a:effectStyle>
           <a:effectLst>
-            <a:outerShdw blurRad="40000" dist="20000" dir="5400000" rotWithShape="0">
+            <a:outerShdw blurRad="57150" dist="19050" dir="5400000" algn="ctr" rotWithShape="0">
               <a:srgbClr val="000000">
-                <a:alpha val="38000"/>
+                <a:alpha val="63000"/>
               </a:srgbClr>
             </a:outerShdw>
           </a:effectLst>
-        </a:effectStyle>
-        <a:effectStyle>
-          <a:effectLst>
-            <a:outerShdw blurRad="40000" dist="23000" dir="5400000" rotWithShape="0">
-              <a:srgbClr val="000000">
-                <a:alpha val="35000"/>
-              </a:srgbClr>
-            </a:outerShdw>
-          </a:effectLst>
-        </a:effectStyle>
-        <a:effectStyle>
-          <a:effectLst>
-            <a:outerShdw blurRad="40000" dist="23000" dir="5400000" rotWithShape="0">
-              <a:srgbClr val="000000">
-                <a:alpha val="35000"/>
-              </a:srgbClr>
-            </a:outerShdw>
-          </a:effectLst>
-          <a:scene3d>
-            <a:camera prst="orthographicFront">
-              <a:rot lat="0" lon="0" rev="0"/>
-            </a:camera>
-            <a:lightRig rig="threePt" dir="t">
-              <a:rot lat="0" lon="0" rev="1200000"/>
-            </a:lightRig>
-          </a:scene3d>
-          <a:sp3d>
-            <a:bevelT w="63500" h="25400"/>
-          </a:sp3d>
         </a:effectStyle>
       </a:effectStyleLst>
       <a:bgFillStyleLst>
         <a:solidFill>
           <a:schemeClr val="phClr"/>
         </a:solidFill>
+        <a:solidFill>
+          <a:schemeClr val="phClr">
+            <a:tint val="95000"/>
+            <a:satMod val="170000"/>
+          </a:schemeClr>
+        </a:solidFill>
         <a:gradFill rotWithShape="1">
           <a:gsLst>
             <a:gs pos="0">
               <a:schemeClr val="phClr">
-                <a:tint val="40000"/>
-                <a:satMod val="350000"/>
+                <a:tint val="93000"/>
+                <a:satMod val="150000"/>
+                <a:shade val="98000"/>
+                <a:lumMod val="102000"/>
               </a:schemeClr>
             </a:gs>
-            <a:gs pos="40000">
+            <a:gs pos="50000">
               <a:schemeClr val="phClr">
-                <a:tint val="45000"/>
-                <a:shade val="99000"/>
-                <a:satMod val="350000"/>
+                <a:tint val="98000"/>
+                <a:satMod val="130000"/>
+                <a:shade val="90000"/>
+                <a:lumMod val="103000"/>
               </a:schemeClr>
             </a:gs>
             <a:gs pos="100000">
               <a:schemeClr val="phClr">
-                <a:shade val="20000"/>
-                <a:satMod val="255000"/>
+                <a:shade val="63000"/>
+                <a:satMod val="120000"/>
               </a:schemeClr>
             </a:gs>
           </a:gsLst>
-          <a:path path="circle">
-            <a:fillToRect l="50000" t="-80000" r="50000" b="180000"/>
-          </a:path>
-        </a:gradFill>
-        <a:gradFill rotWithShape="1">
-          <a:gsLst>
-            <a:gs pos="0">
-              <a:schemeClr val="phClr">
-                <a:tint val="80000"/>
-                <a:satMod val="300000"/>
-              </a:schemeClr>
-            </a:gs>
-            <a:gs pos="100000">
-              <a:schemeClr val="phClr">
-                <a:shade val="30000"/>
-                <a:satMod val="200000"/>
-              </a:schemeClr>
-            </a:gs>
-          </a:gsLst>
-          <a:path path="circle">
-            <a:fillToRect l="50000" t="50000" r="50000" b="50000"/>
-          </a:path>
+          <a:lin ang="5400000" scaled="0"/>
         </a:gradFill>
       </a:bgFillStyleLst>
     </a:fmtScheme>
   </a:themeElements>
-  <a:objectDefaults>
-    <a:spDef>
-      <a:spPr/>
-      <a:bodyPr/>
-      <a:lstStyle/>
-      <a:style>
-        <a:lnRef idx="1">
-          <a:schemeClr val="accent1"/>
-        </a:lnRef>
-        <a:fillRef idx="3">
-          <a:schemeClr val="accent1"/>
-        </a:fillRef>
-        <a:effectRef idx="2">
-          <a:schemeClr val="accent1"/>
-        </a:effectRef>
-        <a:fontRef idx="minor">
-          <a:schemeClr val="lt1"/>
-        </a:fontRef>
-      </a:style>
-    </a:spDef>
-    <a:lnDef>
-      <a:spPr/>
-      <a:bodyPr/>
-      <a:lstStyle/>
-      <a:style>
-        <a:lnRef idx="2">
-          <a:schemeClr val="accent1"/>
-        </a:lnRef>
-        <a:fillRef idx="0">
-          <a:schemeClr val="accent1"/>
-        </a:fillRef>
-        <a:effectRef idx="1">
-          <a:schemeClr val="accent1"/>
-        </a:effectRef>
-        <a:fontRef idx="minor">
-          <a:schemeClr val="tx1"/>
-        </a:fontRef>
-      </a:style>
-    </a:lnDef>
-  </a:objectDefaults>
+  <a:objectDefaults/>
   <a:extraClrSchemeLst/>
+  <a:extLst>
+    <a:ext uri="{05A4C25C-085E-4340-85A3-A5531E510DB2}">
+      <thm15:themeFamily xmlns:thm15="http://schemas.microsoft.com/office/thememl/2012/main" name="Office Theme" id="{62F939B6-93AF-4DB8-9C6B-D6C7DFDC589F}" vid="{4A3C46E8-61CC-4603-A589-7422A47A8E4A}"/>
+    </a:ext>
+  </a:extLst>
 </a:theme>
 </file>
 

--- a/documents/powerpointTemplate.pptx
+++ b/documents/powerpointTemplate.pptx
@@ -4947,4 +4947,216 @@
     </a:ext>
   </a:extLst>
 </a:theme>
+</file>
+
+<file path=customXml/item1.xml><?xml version="1.0" encoding="utf-8"?>
+<ct:contentTypeSchema xmlns:ct="http://schemas.microsoft.com/office/2006/metadata/contentType" xmlns:ma="http://schemas.microsoft.com/office/2006/metadata/properties/metaAttributes" ct:_="" ma:_="" ma:contentTypeName="Document" ma:contentTypeID="0x0101009D1B206B2F96AB4AA6DB37BDBE599275" ma:contentTypeVersion="11" ma:contentTypeDescription="Create a new document." ma:contentTypeScope="" ma:versionID="03191771a405f282ec84762c5fc71d02">
+  <xsd:schema xmlns:xsd="http://www.w3.org/2001/XMLSchema" xmlns:xs="http://www.w3.org/2001/XMLSchema" xmlns:p="http://schemas.microsoft.com/office/2006/metadata/properties" xmlns:ns2="d1615437-2c42-4f25-ac13-a78545164a68" xmlns:ns3="9fa2e292-58f9-4663-ab66-5fd243072899" targetNamespace="http://schemas.microsoft.com/office/2006/metadata/properties" ma:root="true" ma:fieldsID="b0ddda60c172166ed44bd0934d26afb1" ns2:_="" ns3:_="">
+    <xsd:import namespace="d1615437-2c42-4f25-ac13-a78545164a68"/>
+    <xsd:import namespace="9fa2e292-58f9-4663-ab66-5fd243072899"/>
+    <xsd:element name="properties">
+      <xsd:complexType>
+        <xsd:sequence>
+          <xsd:element name="documentManagement">
+            <xsd:complexType>
+              <xsd:all>
+                <xsd:element ref="ns2:MediaServiceMetadata" minOccurs="0"/>
+                <xsd:element ref="ns2:MediaServiceFastMetadata" minOccurs="0"/>
+                <xsd:element ref="ns2:MediaServiceObjectDetectorVersions" minOccurs="0"/>
+                <xsd:element ref="ns2:lcf76f155ced4ddcb4097134ff3c332f" minOccurs="0"/>
+                <xsd:element ref="ns3:TaxCatchAll" minOccurs="0"/>
+                <xsd:element ref="ns2:MediaServiceOCR" minOccurs="0"/>
+                <xsd:element ref="ns2:MediaServiceGenerationTime" minOccurs="0"/>
+                <xsd:element ref="ns2:MediaServiceEventHashCode" minOccurs="0"/>
+                <xsd:element ref="ns2:MediaServiceDateTaken" minOccurs="0"/>
+                <xsd:element ref="ns2:MediaServiceLocation" minOccurs="0"/>
+              </xsd:all>
+            </xsd:complexType>
+          </xsd:element>
+        </xsd:sequence>
+      </xsd:complexType>
+    </xsd:element>
+  </xsd:schema>
+  <xsd:schema xmlns:xsd="http://www.w3.org/2001/XMLSchema" xmlns:xs="http://www.w3.org/2001/XMLSchema" xmlns:dms="http://schemas.microsoft.com/office/2006/documentManagement/types" xmlns:pc="http://schemas.microsoft.com/office/infopath/2007/PartnerControls" targetNamespace="d1615437-2c42-4f25-ac13-a78545164a68" elementFormDefault="qualified">
+    <xsd:import namespace="http://schemas.microsoft.com/office/2006/documentManagement/types"/>
+    <xsd:import namespace="http://schemas.microsoft.com/office/infopath/2007/PartnerControls"/>
+    <xsd:element name="MediaServiceMetadata" ma:index="8" nillable="true" ma:displayName="MediaServiceMetadata" ma:hidden="true" ma:internalName="MediaServiceMetadata" ma:readOnly="true">
+      <xsd:simpleType>
+        <xsd:restriction base="dms:Note"/>
+      </xsd:simpleType>
+    </xsd:element>
+    <xsd:element name="MediaServiceFastMetadata" ma:index="9" nillable="true" ma:displayName="MediaServiceFastMetadata" ma:hidden="true" ma:internalName="MediaServiceFastMetadata" ma:readOnly="true">
+      <xsd:simpleType>
+        <xsd:restriction base="dms:Note"/>
+      </xsd:simpleType>
+    </xsd:element>
+    <xsd:element name="MediaServiceObjectDetectorVersions" ma:index="10" nillable="true" ma:displayName="MediaServiceObjectDetectorVersions" ma:hidden="true" ma:indexed="true" ma:internalName="MediaServiceObjectDetectorVersions" ma:readOnly="true">
+      <xsd:simpleType>
+        <xsd:restriction base="dms:Text"/>
+      </xsd:simpleType>
+    </xsd:element>
+    <xsd:element name="lcf76f155ced4ddcb4097134ff3c332f" ma:index="12" nillable="true" ma:taxonomy="true" ma:internalName="lcf76f155ced4ddcb4097134ff3c332f" ma:taxonomyFieldName="MediaServiceImageTags" ma:displayName="Image Tags" ma:readOnly="false" ma:fieldId="{5cf76f15-5ced-4ddc-b409-7134ff3c332f}" ma:taxonomyMulti="true" ma:sspId="b526c2a0-8b8b-4364-be86-79fb304eaa79" ma:termSetId="09814cd3-568e-fe90-9814-8d621ff8fb84" ma:anchorId="fba54fb3-c3e1-fe81-a776-ca4b69148c4d" ma:open="true" ma:isKeyword="false">
+      <xsd:complexType>
+        <xsd:sequence>
+          <xsd:element ref="pc:Terms" minOccurs="0" maxOccurs="1"/>
+        </xsd:sequence>
+      </xsd:complexType>
+    </xsd:element>
+    <xsd:element name="MediaServiceOCR" ma:index="14" nillable="true" ma:displayName="Extracted Text" ma:internalName="MediaServiceOCR" ma:readOnly="true">
+      <xsd:simpleType>
+        <xsd:restriction base="dms:Note">
+          <xsd:maxLength value="255"/>
+        </xsd:restriction>
+      </xsd:simpleType>
+    </xsd:element>
+    <xsd:element name="MediaServiceGenerationTime" ma:index="15" nillable="true" ma:displayName="MediaServiceGenerationTime" ma:hidden="true" ma:internalName="MediaServiceGenerationTime" ma:readOnly="true">
+      <xsd:simpleType>
+        <xsd:restriction base="dms:Text"/>
+      </xsd:simpleType>
+    </xsd:element>
+    <xsd:element name="MediaServiceEventHashCode" ma:index="16" nillable="true" ma:displayName="MediaServiceEventHashCode" ma:hidden="true" ma:internalName="MediaServiceEventHashCode" ma:readOnly="true">
+      <xsd:simpleType>
+        <xsd:restriction base="dms:Text"/>
+      </xsd:simpleType>
+    </xsd:element>
+    <xsd:element name="MediaServiceDateTaken" ma:index="17" nillable="true" ma:displayName="MediaServiceDateTaken" ma:hidden="true" ma:indexed="true" ma:internalName="MediaServiceDateTaken" ma:readOnly="true">
+      <xsd:simpleType>
+        <xsd:restriction base="dms:Text"/>
+      </xsd:simpleType>
+    </xsd:element>
+    <xsd:element name="MediaServiceLocation" ma:index="18" nillable="true" ma:displayName="Location" ma:indexed="true" ma:internalName="MediaServiceLocation" ma:readOnly="true">
+      <xsd:simpleType>
+        <xsd:restriction base="dms:Text"/>
+      </xsd:simpleType>
+    </xsd:element>
+  </xsd:schema>
+  <xsd:schema xmlns:xsd="http://www.w3.org/2001/XMLSchema" xmlns:xs="http://www.w3.org/2001/XMLSchema" xmlns:dms="http://schemas.microsoft.com/office/2006/documentManagement/types" xmlns:pc="http://schemas.microsoft.com/office/infopath/2007/PartnerControls" targetNamespace="9fa2e292-58f9-4663-ab66-5fd243072899" elementFormDefault="qualified">
+    <xsd:import namespace="http://schemas.microsoft.com/office/2006/documentManagement/types"/>
+    <xsd:import namespace="http://schemas.microsoft.com/office/infopath/2007/PartnerControls"/>
+    <xsd:element name="TaxCatchAll" ma:index="13" nillable="true" ma:displayName="Taxonomy Catch All Column" ma:hidden="true" ma:list="{e7715e97-b975-445a-9ecb-f00a6e60418d}" ma:internalName="TaxCatchAll" ma:showField="CatchAllData" ma:web="9fa2e292-58f9-4663-ab66-5fd243072899">
+      <xsd:complexType>
+        <xsd:complexContent>
+          <xsd:extension base="dms:MultiChoiceLookup">
+            <xsd:sequence>
+              <xsd:element name="Value" type="dms:Lookup" maxOccurs="unbounded" minOccurs="0" nillable="true"/>
+            </xsd:sequence>
+          </xsd:extension>
+        </xsd:complexContent>
+      </xsd:complexType>
+    </xsd:element>
+  </xsd:schema>
+  <xsd:schema xmlns="http://schemas.openxmlformats.org/package/2006/metadata/core-properties" xmlns:xsd="http://www.w3.org/2001/XMLSchema" xmlns:xsi="http://www.w3.org/2001/XMLSchema-instance" xmlns:dc="http://purl.org/dc/elements/1.1/" xmlns:dcterms="http://purl.org/dc/terms/" xmlns:odoc="http://schemas.microsoft.com/internal/obd" targetNamespace="http://schemas.openxmlformats.org/package/2006/metadata/core-properties" elementFormDefault="qualified" attributeFormDefault="unqualified" blockDefault="#all">
+    <xsd:import namespace="http://purl.org/dc/elements/1.1/" schemaLocation="http://dublincore.org/schemas/xmls/qdc/2003/04/02/dc.xsd"/>
+    <xsd:import namespace="http://purl.org/dc/terms/" schemaLocation="http://dublincore.org/schemas/xmls/qdc/2003/04/02/dcterms.xsd"/>
+    <xsd:element name="coreProperties" type="CT_coreProperties"/>
+    <xsd:complexType name="CT_coreProperties">
+      <xsd:all>
+        <xsd:element ref="dc:creator" minOccurs="0" maxOccurs="1"/>
+        <xsd:element ref="dcterms:created" minOccurs="0" maxOccurs="1"/>
+        <xsd:element ref="dc:identifier" minOccurs="0" maxOccurs="1"/>
+        <xsd:element name="contentType" minOccurs="0" maxOccurs="1" type="xsd:string" ma:index="0" ma:displayName="Content Type"/>
+        <xsd:element ref="dc:title" minOccurs="0" maxOccurs="1" ma:index="4" ma:displayName="Title"/>
+        <xsd:element ref="dc:subject" minOccurs="0" maxOccurs="1"/>
+        <xsd:element ref="dc:description" minOccurs="0" maxOccurs="1"/>
+        <xsd:element name="keywords" minOccurs="0" maxOccurs="1" type="xsd:string"/>
+        <xsd:element ref="dc:language" minOccurs="0" maxOccurs="1"/>
+        <xsd:element name="category" minOccurs="0" maxOccurs="1" type="xsd:string"/>
+        <xsd:element name="version" minOccurs="0" maxOccurs="1" type="xsd:string"/>
+        <xsd:element name="revision" minOccurs="0" maxOccurs="1" type="xsd:string">
+          <xsd:annotation>
+            <xsd:documentation>
+                        This value indicates the number of saves or revisions. The application is responsible for updating this value after each revision.
+                    </xsd:documentation>
+          </xsd:annotation>
+        </xsd:element>
+        <xsd:element name="lastModifiedBy" minOccurs="0" maxOccurs="1" type="xsd:string"/>
+        <xsd:element ref="dcterms:modified" minOccurs="0" maxOccurs="1"/>
+        <xsd:element name="contentStatus" minOccurs="0" maxOccurs="1" type="xsd:string"/>
+      </xsd:all>
+    </xsd:complexType>
+  </xsd:schema>
+  <xs:schema xmlns:pc="http://schemas.microsoft.com/office/infopath/2007/PartnerControls" xmlns:xs="http://www.w3.org/2001/XMLSchema" targetNamespace="http://schemas.microsoft.com/office/infopath/2007/PartnerControls" elementFormDefault="qualified" attributeFormDefault="unqualified">
+    <xs:element name="Person">
+      <xs:complexType>
+        <xs:sequence>
+          <xs:element ref="pc:DisplayName" minOccurs="0"/>
+          <xs:element ref="pc:AccountId" minOccurs="0"/>
+          <xs:element ref="pc:AccountType" minOccurs="0"/>
+        </xs:sequence>
+      </xs:complexType>
+    </xs:element>
+    <xs:element name="DisplayName" type="xs:string"/>
+    <xs:element name="AccountId" type="xs:string"/>
+    <xs:element name="AccountType" type="xs:string"/>
+    <xs:element name="BDCAssociatedEntity">
+      <xs:complexType>
+        <xs:sequence>
+          <xs:element ref="pc:BDCEntity" minOccurs="0" maxOccurs="unbounded"/>
+        </xs:sequence>
+        <xs:attribute ref="pc:EntityNamespace"/>
+        <xs:attribute ref="pc:EntityName"/>
+        <xs:attribute ref="pc:SystemInstanceName"/>
+        <xs:attribute ref="pc:AssociationName"/>
+      </xs:complexType>
+    </xs:element>
+    <xs:attribute name="EntityNamespace" type="xs:string"/>
+    <xs:attribute name="EntityName" type="xs:string"/>
+    <xs:attribute name="SystemInstanceName" type="xs:string"/>
+    <xs:attribute name="AssociationName" type="xs:string"/>
+    <xs:element name="BDCEntity">
+      <xs:complexType>
+        <xs:sequence>
+          <xs:element ref="pc:EntityDisplayName" minOccurs="0"/>
+          <xs:element ref="pc:EntityInstanceReference" minOccurs="0"/>
+          <xs:element ref="pc:EntityId1" minOccurs="0"/>
+          <xs:element ref="pc:EntityId2" minOccurs="0"/>
+          <xs:element ref="pc:EntityId3" minOccurs="0"/>
+          <xs:element ref="pc:EntityId4" minOccurs="0"/>
+          <xs:element ref="pc:EntityId5" minOccurs="0"/>
+        </xs:sequence>
+      </xs:complexType>
+    </xs:element>
+    <xs:element name="EntityDisplayName" type="xs:string"/>
+    <xs:element name="EntityInstanceReference" type="xs:string"/>
+    <xs:element name="EntityId1" type="xs:string"/>
+    <xs:element name="EntityId2" type="xs:string"/>
+    <xs:element name="EntityId3" type="xs:string"/>
+    <xs:element name="EntityId4" type="xs:string"/>
+    <xs:element name="EntityId5" type="xs:string"/>
+    <xs:element name="Terms">
+      <xs:complexType>
+        <xs:sequence>
+          <xs:element ref="pc:TermInfo" minOccurs="0" maxOccurs="unbounded"/>
+        </xs:sequence>
+      </xs:complexType>
+    </xs:element>
+    <xs:element name="TermInfo">
+      <xs:complexType>
+        <xs:sequence>
+          <xs:element ref="pc:TermName" minOccurs="0"/>
+          <xs:element ref="pc:TermId" minOccurs="0"/>
+        </xs:sequence>
+      </xs:complexType>
+    </xs:element>
+    <xs:element name="TermName" type="xs:string"/>
+    <xs:element name="TermId" type="xs:string"/>
+  </xs:schema>
+</ct:contentTypeSchema>
+</file>
+
+<file path=customXml/item2.xml><?xml version="1.0" encoding="utf-8"?>
+<?mso-contentType ?>
+<FormTemplates xmlns="http://schemas.microsoft.com/sharepoint/v3/contenttype/forms">
+  <Display>DocumentLibraryForm</Display>
+  <Edit>DocumentLibraryForm</Edit>
+  <New>DocumentLibraryForm</New>
+</FormTemplates>
+</file>
+
+<file path=customXml/itemProps1.xml><?xml version="1.0" encoding="utf-8"?>
+<ds:datastoreItem xmlns:ds="http://schemas.openxmlformats.org/officeDocument/2006/customXml" ds:itemID="{88463E90-26A9-46DB-ABEC-BD702ACCBE01}"/>
+</file>
+
+<file path=customXml/itemProps2.xml><?xml version="1.0" encoding="utf-8"?>
+<ds:datastoreItem xmlns:ds="http://schemas.openxmlformats.org/officeDocument/2006/customXml" ds:itemID="{50320D85-5A5F-4E3B-A718-BD63B377CE68}"/>
 </file>
--- a/documents/powerpointTemplate.pptx
+++ b/documents/powerpointTemplate.pptx
@@ -4950,8 +4950,8 @@
 </file>
 
 <file path=customXml/item1.xml><?xml version="1.0" encoding="utf-8"?>
-<ct:contentTypeSchema xmlns:ct="http://schemas.microsoft.com/office/2006/metadata/contentType" xmlns:ma="http://schemas.microsoft.com/office/2006/metadata/properties/metaAttributes" ct:_="" ma:_="" ma:contentTypeName="Document" ma:contentTypeID="0x0101009D1B206B2F96AB4AA6DB37BDBE599275" ma:contentTypeVersion="11" ma:contentTypeDescription="Create a new document." ma:contentTypeScope="" ma:versionID="03191771a405f282ec84762c5fc71d02">
-  <xsd:schema xmlns:xsd="http://www.w3.org/2001/XMLSchema" xmlns:xs="http://www.w3.org/2001/XMLSchema" xmlns:p="http://schemas.microsoft.com/office/2006/metadata/properties" xmlns:ns2="d1615437-2c42-4f25-ac13-a78545164a68" xmlns:ns3="9fa2e292-58f9-4663-ab66-5fd243072899" targetNamespace="http://schemas.microsoft.com/office/2006/metadata/properties" ma:root="true" ma:fieldsID="b0ddda60c172166ed44bd0934d26afb1" ns2:_="" ns3:_="">
+<ct:contentTypeSchema xmlns:ct="http://schemas.microsoft.com/office/2006/metadata/contentType" xmlns:ma="http://schemas.microsoft.com/office/2006/metadata/properties/metaAttributes" ct:_="" ma:_="" ma:contentTypeName="Document" ma:contentTypeID="0x0101009D1B206B2F96AB4AA6DB37BDBE599275" ma:contentTypeVersion="12" ma:contentTypeDescription="Create a new document." ma:contentTypeScope="" ma:versionID="ac51bbec8a1d2391bec52e46f8de919b">
+  <xsd:schema xmlns:xsd="http://www.w3.org/2001/XMLSchema" xmlns:xs="http://www.w3.org/2001/XMLSchema" xmlns:p="http://schemas.microsoft.com/office/2006/metadata/properties" xmlns:ns2="d1615437-2c42-4f25-ac13-a78545164a68" xmlns:ns3="9fa2e292-58f9-4663-ab66-5fd243072899" targetNamespace="http://schemas.microsoft.com/office/2006/metadata/properties" ma:root="true" ma:fieldsID="5bba27bc4cb190cac495b8a8b3cdd5af" ns2:_="" ns3:_="">
     <xsd:import namespace="d1615437-2c42-4f25-ac13-a78545164a68"/>
     <xsd:import namespace="9fa2e292-58f9-4663-ab66-5fd243072899"/>
     <xsd:element name="properties">
@@ -4970,6 +4970,7 @@
                 <xsd:element ref="ns2:MediaServiceEventHashCode" minOccurs="0"/>
                 <xsd:element ref="ns2:MediaServiceDateTaken" minOccurs="0"/>
                 <xsd:element ref="ns2:MediaServiceLocation" minOccurs="0"/>
+                <xsd:element ref="ns2:MediaLengthInSeconds" minOccurs="0"/>
               </xsd:all>
             </xsd:complexType>
           </xsd:element>
@@ -5027,6 +5028,11 @@
     <xsd:element name="MediaServiceLocation" ma:index="18" nillable="true" ma:displayName="Location" ma:indexed="true" ma:internalName="MediaServiceLocation" ma:readOnly="true">
       <xsd:simpleType>
         <xsd:restriction base="dms:Text"/>
+      </xsd:simpleType>
+    </xsd:element>
+    <xsd:element name="MediaLengthInSeconds" ma:index="19" nillable="true" ma:displayName="MediaLengthInSeconds" ma:hidden="true" ma:internalName="MediaLengthInSeconds" ma:readOnly="true">
+      <xsd:simpleType>
+        <xsd:restriction base="dms:Unknown"/>
       </xsd:simpleType>
     </xsd:element>
   </xsd:schema>
@@ -5153,10 +5159,25 @@
 </FormTemplates>
 </file>
 
+<file path=customXml/item3.xml><?xml version="1.0" encoding="utf-8"?>
+<p:properties xmlns:p="http://schemas.microsoft.com/office/2006/metadata/properties" xmlns:xsi="http://www.w3.org/2001/XMLSchema-instance" xmlns:pc="http://schemas.microsoft.com/office/infopath/2007/PartnerControls">
+  <documentManagement>
+    <TaxCatchAll xmlns="9fa2e292-58f9-4663-ab66-5fd243072899" xsi:nil="true"/>
+    <lcf76f155ced4ddcb4097134ff3c332f xmlns="d1615437-2c42-4f25-ac13-a78545164a68">
+      <Terms xmlns="http://schemas.microsoft.com/office/infopath/2007/PartnerControls"/>
+    </lcf76f155ced4ddcb4097134ff3c332f>
+  </documentManagement>
+</p:properties>
+</file>
+
 <file path=customXml/itemProps1.xml><?xml version="1.0" encoding="utf-8"?>
-<ds:datastoreItem xmlns:ds="http://schemas.openxmlformats.org/officeDocument/2006/customXml" ds:itemID="{88463E90-26A9-46DB-ABEC-BD702ACCBE01}"/>
+<ds:datastoreItem xmlns:ds="http://schemas.openxmlformats.org/officeDocument/2006/customXml" ds:itemID="{5A5C41EF-E9F3-4233-B900-EE377C4A8BE5}"/>
 </file>
 
 <file path=customXml/itemProps2.xml><?xml version="1.0" encoding="utf-8"?>
 <ds:datastoreItem xmlns:ds="http://schemas.openxmlformats.org/officeDocument/2006/customXml" ds:itemID="{50320D85-5A5F-4E3B-A718-BD63B377CE68}"/>
+</file>
+
+<file path=customXml/itemProps3.xml><?xml version="1.0" encoding="utf-8"?>
+<ds:datastoreItem xmlns:ds="http://schemas.openxmlformats.org/officeDocument/2006/customXml" ds:itemID="{27E9E43F-DE37-4354-8CE8-45E1BAD1B691}"/>
 </file>